--- a/rocker_app/static/description/Rocker_install.pptx
+++ b/rocker_app/static/description/Rocker_install.pptx
@@ -4875,7 +4875,7 @@
           <a:p>
             <a:fld id="{2BA53152-5DF5-4979-A537-0FE8AB80BD2D}" type="datetimeFigureOut">
               <a:rPr lang="fi-FI" smtClean="0"/>
-              <a:t>28.1.2020</a:t>
+              <a:t>3.2.2020</a:t>
             </a:fld>
             <a:endParaRPr lang="fi-FI"/>
           </a:p>
@@ -5213,7 +5213,7 @@
           <a:p>
             <a:fld id="{2BA53152-5DF5-4979-A537-0FE8AB80BD2D}" type="datetimeFigureOut">
               <a:rPr lang="fi-FI" smtClean="0"/>
-              <a:t>28.1.2020</a:t>
+              <a:t>3.2.2020</a:t>
             </a:fld>
             <a:endParaRPr lang="fi-FI"/>
           </a:p>
@@ -5614,7 +5614,7 @@
           <a:p>
             <a:fld id="{2BA53152-5DF5-4979-A537-0FE8AB80BD2D}" type="datetimeFigureOut">
               <a:rPr lang="fi-FI" smtClean="0"/>
-              <a:t>28.1.2020</a:t>
+              <a:t>3.2.2020</a:t>
             </a:fld>
             <a:endParaRPr lang="fi-FI"/>
           </a:p>
@@ -5950,7 +5950,7 @@
           <a:p>
             <a:fld id="{2BA53152-5DF5-4979-A537-0FE8AB80BD2D}" type="datetimeFigureOut">
               <a:rPr lang="fi-FI" smtClean="0"/>
-              <a:t>28.1.2020</a:t>
+              <a:t>3.2.2020</a:t>
             </a:fld>
             <a:endParaRPr lang="fi-FI"/>
           </a:p>
@@ -6270,7 +6270,7 @@
           <a:p>
             <a:fld id="{2BA53152-5DF5-4979-A537-0FE8AB80BD2D}" type="datetimeFigureOut">
               <a:rPr lang="fi-FI" smtClean="0"/>
-              <a:t>28.1.2020</a:t>
+              <a:t>3.2.2020</a:t>
             </a:fld>
             <a:endParaRPr lang="fi-FI"/>
           </a:p>
@@ -6666,7 +6666,7 @@
           <a:p>
             <a:fld id="{2BA53152-5DF5-4979-A537-0FE8AB80BD2D}" type="datetimeFigureOut">
               <a:rPr lang="fi-FI" smtClean="0"/>
-              <a:t>28.1.2020</a:t>
+              <a:t>3.2.2020</a:t>
             </a:fld>
             <a:endParaRPr lang="fi-FI"/>
           </a:p>
@@ -6923,7 +6923,7 @@
           <a:p>
             <a:fld id="{2BA53152-5DF5-4979-A537-0FE8AB80BD2D}" type="datetimeFigureOut">
               <a:rPr lang="fi-FI" smtClean="0"/>
-              <a:t>28.1.2020</a:t>
+              <a:t>3.2.2020</a:t>
             </a:fld>
             <a:endParaRPr lang="fi-FI"/>
           </a:p>
@@ -7185,7 +7185,7 @@
           <a:p>
             <a:fld id="{2BA53152-5DF5-4979-A537-0FE8AB80BD2D}" type="datetimeFigureOut">
               <a:rPr lang="fi-FI" smtClean="0"/>
-              <a:t>28.1.2020</a:t>
+              <a:t>3.2.2020</a:t>
             </a:fld>
             <a:endParaRPr lang="fi-FI"/>
           </a:p>
@@ -7447,7 +7447,7 @@
           <a:p>
             <a:fld id="{2BA53152-5DF5-4979-A537-0FE8AB80BD2D}" type="datetimeFigureOut">
               <a:rPr lang="fi-FI" smtClean="0"/>
-              <a:t>28.1.2020</a:t>
+              <a:t>3.2.2020</a:t>
             </a:fld>
             <a:endParaRPr lang="fi-FI"/>
           </a:p>
@@ -7806,7 +7806,7 @@
           <a:p>
             <a:fld id="{2BA53152-5DF5-4979-A537-0FE8AB80BD2D}" type="datetimeFigureOut">
               <a:rPr lang="fi-FI" smtClean="0"/>
-              <a:t>28.1.2020</a:t>
+              <a:t>3.2.2020</a:t>
             </a:fld>
             <a:endParaRPr lang="fi-FI"/>
           </a:p>
@@ -8129,7 +8129,7 @@
           <a:p>
             <a:fld id="{2BA53152-5DF5-4979-A537-0FE8AB80BD2D}" type="datetimeFigureOut">
               <a:rPr lang="fi-FI" smtClean="0"/>
-              <a:t>28.1.2020</a:t>
+              <a:t>3.2.2020</a:t>
             </a:fld>
             <a:endParaRPr lang="fi-FI"/>
           </a:p>
@@ -8586,7 +8586,7 @@
           <a:p>
             <a:fld id="{2BA53152-5DF5-4979-A537-0FE8AB80BD2D}" type="datetimeFigureOut">
               <a:rPr lang="fi-FI" smtClean="0"/>
-              <a:t>28.1.2020</a:t>
+              <a:t>3.2.2020</a:t>
             </a:fld>
             <a:endParaRPr lang="fi-FI"/>
           </a:p>
@@ -8791,7 +8791,7 @@
           <a:p>
             <a:fld id="{2BA53152-5DF5-4979-A537-0FE8AB80BD2D}" type="datetimeFigureOut">
               <a:rPr lang="fi-FI" smtClean="0"/>
-              <a:t>28.1.2020</a:t>
+              <a:t>3.2.2020</a:t>
             </a:fld>
             <a:endParaRPr lang="fi-FI"/>
           </a:p>
@@ -8968,7 +8968,7 @@
           <a:p>
             <a:fld id="{2BA53152-5DF5-4979-A537-0FE8AB80BD2D}" type="datetimeFigureOut">
               <a:rPr lang="fi-FI" smtClean="0"/>
-              <a:t>28.1.2020</a:t>
+              <a:t>3.2.2020</a:t>
             </a:fld>
             <a:endParaRPr lang="fi-FI"/>
           </a:p>
@@ -9301,7 +9301,7 @@
           <a:p>
             <a:fld id="{2BA53152-5DF5-4979-A537-0FE8AB80BD2D}" type="datetimeFigureOut">
               <a:rPr lang="fi-FI" smtClean="0"/>
-              <a:t>28.1.2020</a:t>
+              <a:t>3.2.2020</a:t>
             </a:fld>
             <a:endParaRPr lang="fi-FI"/>
           </a:p>
@@ -9646,7 +9646,7 @@
           <a:p>
             <a:fld id="{2BA53152-5DF5-4979-A537-0FE8AB80BD2D}" type="datetimeFigureOut">
               <a:rPr lang="fi-FI" smtClean="0"/>
-              <a:t>28.1.2020</a:t>
+              <a:t>3.2.2020</a:t>
             </a:fld>
             <a:endParaRPr lang="fi-FI"/>
           </a:p>
@@ -11763,7 +11763,7 @@
           <a:p>
             <a:fld id="{2BA53152-5DF5-4979-A537-0FE8AB80BD2D}" type="datetimeFigureOut">
               <a:rPr lang="fi-FI" smtClean="0"/>
-              <a:t>28.1.2020</a:t>
+              <a:t>3.2.2020</a:t>
             </a:fld>
             <a:endParaRPr lang="fi-FI"/>
           </a:p>
@@ -13130,7 +13130,35 @@
           <a:p>
             <a:r>
               <a:rPr lang="fi-FI" dirty="0"/>
-              <a:t>Install Odoo 12 for Windows</a:t>
+              <a:t>Install </a:t>
+            </a:r>
+            <a:r>
+              <a:rPr lang="fi-FI" dirty="0" err="1"/>
+              <a:t>Odoo</a:t>
+            </a:r>
+            <a:r>
+              <a:rPr lang="fi-FI" dirty="0"/>
+              <a:t> 12 </a:t>
+            </a:r>
+            <a:r>
+              <a:rPr lang="fi-FI" dirty="0" err="1"/>
+              <a:t>or</a:t>
+            </a:r>
+            <a:r>
+              <a:rPr lang="fi-FI" dirty="0"/>
+              <a:t> </a:t>
+            </a:r>
+            <a:r>
+              <a:rPr lang="fi-FI" dirty="0" err="1"/>
+              <a:t>Odoo</a:t>
+            </a:r>
+            <a:r>
+              <a:rPr lang="fi-FI"/>
+              <a:t> 13 </a:t>
+            </a:r>
+            <a:r>
+              <a:rPr lang="fi-FI" dirty="0"/>
+              <a:t>for Windows</a:t>
             </a:r>
             <a:endParaRPr lang="en-US" dirty="0"/>
           </a:p>

--- a/rocker_app/static/description/Rocker_install.pptx
+++ b/rocker_app/static/description/Rocker_install.pptx
@@ -8,14 +8,15 @@
     <p:sldId id="282" r:id="rId2"/>
     <p:sldId id="283" r:id="rId3"/>
     <p:sldId id="284" r:id="rId4"/>
-    <p:sldId id="285" r:id="rId5"/>
-    <p:sldId id="286" r:id="rId6"/>
-    <p:sldId id="288" r:id="rId7"/>
-    <p:sldId id="295" r:id="rId8"/>
-    <p:sldId id="291" r:id="rId9"/>
-    <p:sldId id="292" r:id="rId10"/>
-    <p:sldId id="294" r:id="rId11"/>
-    <p:sldId id="277" r:id="rId12"/>
+    <p:sldId id="297" r:id="rId5"/>
+    <p:sldId id="285" r:id="rId6"/>
+    <p:sldId id="286" r:id="rId7"/>
+    <p:sldId id="288" r:id="rId8"/>
+    <p:sldId id="295" r:id="rId9"/>
+    <p:sldId id="291" r:id="rId10"/>
+    <p:sldId id="292" r:id="rId11"/>
+    <p:sldId id="294" r:id="rId12"/>
+    <p:sldId id="277" r:id="rId13"/>
   </p:sldIdLst>
   <p:sldSz cx="12192000" cy="6858000"/>
   <p:notesSz cx="6858000" cy="9144000"/>
@@ -125,7 +126,8 @@
 <file path=ppt/revisionInfo.xml><?xml version="1.0" encoding="utf-8"?>
 <p1510:revInfo xmlns:a="http://schemas.openxmlformats.org/drawingml/2006/main" xmlns:r="http://schemas.openxmlformats.org/officeDocument/2006/relationships" xmlns:p1510="http://schemas.microsoft.com/office/powerpoint/2015/10/main">
   <p1510:revLst>
-    <p1510:client id="{290FC3B9-96DA-48B1-B3BF-D985895C8291}" v="167" dt="2020-01-27T15:40:49.859"/>
+    <p1510:client id="{245EAFD0-4625-4717-A7E4-EFF881F9E981}" v="1" dt="2020-03-19T08:51:18.990"/>
+    <p1510:client id="{BF661082-BE8A-4C72-83E5-4795344B30AD}" v="2" dt="2020-03-19T09:46:19.292"/>
   </p1510:revLst>
 </p1510:revInfo>
 </file>
@@ -1679,6 +1681,38 @@
     </pc:docChg>
   </pc:docChgLst>
   <pc:docChgLst>
+    <pc:chgData name="Antti Kärki" userId="ab9f1eaf7ee70c5c" providerId="LiveId" clId="{245EAFD0-4625-4717-A7E4-EFF881F9E981}"/>
+    <pc:docChg chg="modSld">
+      <pc:chgData name="Antti Kärki" userId="ab9f1eaf7ee70c5c" providerId="LiveId" clId="{245EAFD0-4625-4717-A7E4-EFF881F9E981}" dt="2020-03-19T08:51:24.910" v="34" actId="1076"/>
+      <pc:docMkLst>
+        <pc:docMk/>
+      </pc:docMkLst>
+      <pc:sldChg chg="addSp modSp">
+        <pc:chgData name="Antti Kärki" userId="ab9f1eaf7ee70c5c" providerId="LiveId" clId="{245EAFD0-4625-4717-A7E4-EFF881F9E981}" dt="2020-03-19T08:51:24.910" v="34" actId="1076"/>
+        <pc:sldMkLst>
+          <pc:docMk/>
+          <pc:sldMk cId="3807908021" sldId="297"/>
+        </pc:sldMkLst>
+        <pc:spChg chg="mod">
+          <ac:chgData name="Antti Kärki" userId="ab9f1eaf7ee70c5c" providerId="LiveId" clId="{245EAFD0-4625-4717-A7E4-EFF881F9E981}" dt="2020-03-19T08:43:15.677" v="31" actId="113"/>
+          <ac:spMkLst>
+            <pc:docMk/>
+            <pc:sldMk cId="3807908021" sldId="297"/>
+            <ac:spMk id="3" creationId="{3918CC8C-D3F1-4384-9FB8-E0738C7F621C}"/>
+          </ac:spMkLst>
+        </pc:spChg>
+        <pc:picChg chg="add mod">
+          <ac:chgData name="Antti Kärki" userId="ab9f1eaf7ee70c5c" providerId="LiveId" clId="{245EAFD0-4625-4717-A7E4-EFF881F9E981}" dt="2020-03-19T08:51:24.910" v="34" actId="1076"/>
+          <ac:picMkLst>
+            <pc:docMk/>
+            <pc:sldMk cId="3807908021" sldId="297"/>
+            <ac:picMk id="4" creationId="{4FE2E240-C7D2-41A4-B767-25D6BBEE33FE}"/>
+          </ac:picMkLst>
+        </pc:picChg>
+      </pc:sldChg>
+    </pc:docChg>
+  </pc:docChgLst>
+  <pc:docChgLst>
     <pc:chgData name="Antti Kärki" userId="ab9f1eaf7ee70c5c" providerId="LiveId" clId="{16214568-00C9-4FC1-93E5-88FD43C19225}"/>
     <pc:docChg chg="custSel modSld">
       <pc:chgData name="Antti Kärki" userId="ab9f1eaf7ee70c5c" providerId="LiveId" clId="{16214568-00C9-4FC1-93E5-88FD43C19225}" dt="2020-01-23T15:15:11.827" v="63" actId="20577"/>
@@ -1707,6 +1741,37 @@
             <ac:spMk id="8" creationId="{26104AB3-7D3C-4327-9286-07AE97B73415}"/>
           </ac:spMkLst>
         </pc:spChg>
+      </pc:sldChg>
+    </pc:docChg>
+  </pc:docChgLst>
+  <pc:docChgLst>
+    <pc:chgData name="Antti Kärki" userId="ab9f1eaf7ee70c5c" providerId="LiveId" clId="{BF661082-BE8A-4C72-83E5-4795344B30AD}"/>
+    <pc:docChg chg="custSel delSld modSld">
+      <pc:chgData name="Antti Kärki" userId="ab9f1eaf7ee70c5c" providerId="LiveId" clId="{BF661082-BE8A-4C72-83E5-4795344B30AD}" dt="2020-03-19T09:46:19.292" v="17" actId="207"/>
+      <pc:docMkLst>
+        <pc:docMk/>
+      </pc:docMkLst>
+      <pc:sldChg chg="addSp modSp">
+        <pc:chgData name="Antti Kärki" userId="ab9f1eaf7ee70c5c" providerId="LiveId" clId="{BF661082-BE8A-4C72-83E5-4795344B30AD}" dt="2020-03-19T09:46:19.292" v="17" actId="207"/>
+        <pc:sldMkLst>
+          <pc:docMk/>
+          <pc:sldMk cId="305823356" sldId="285"/>
+        </pc:sldMkLst>
+        <pc:spChg chg="add mod">
+          <ac:chgData name="Antti Kärki" userId="ab9f1eaf7ee70c5c" providerId="LiveId" clId="{BF661082-BE8A-4C72-83E5-4795344B30AD}" dt="2020-03-19T09:46:19.292" v="17" actId="207"/>
+          <ac:spMkLst>
+            <pc:docMk/>
+            <pc:sldMk cId="305823356" sldId="285"/>
+            <ac:spMk id="4" creationId="{6DF4274D-5402-4E4E-AB6B-505BC9B2E0F2}"/>
+          </ac:spMkLst>
+        </pc:spChg>
+      </pc:sldChg>
+      <pc:sldChg chg="del">
+        <pc:chgData name="Antti Kärki" userId="ab9f1eaf7ee70c5c" providerId="LiveId" clId="{BF661082-BE8A-4C72-83E5-4795344B30AD}" dt="2020-03-19T09:45:29.287" v="0" actId="2696"/>
+        <pc:sldMkLst>
+          <pc:docMk/>
+          <pc:sldMk cId="2410279594" sldId="296"/>
+        </pc:sldMkLst>
       </pc:sldChg>
     </pc:docChg>
   </pc:docChgLst>
@@ -4875,7 +4940,7 @@
           <a:p>
             <a:fld id="{2BA53152-5DF5-4979-A537-0FE8AB80BD2D}" type="datetimeFigureOut">
               <a:rPr lang="fi-FI" smtClean="0"/>
-              <a:t>3.2.2020</a:t>
+              <a:t>19.3.2020</a:t>
             </a:fld>
             <a:endParaRPr lang="fi-FI"/>
           </a:p>
@@ -5213,7 +5278,7 @@
           <a:p>
             <a:fld id="{2BA53152-5DF5-4979-A537-0FE8AB80BD2D}" type="datetimeFigureOut">
               <a:rPr lang="fi-FI" smtClean="0"/>
-              <a:t>3.2.2020</a:t>
+              <a:t>19.3.2020</a:t>
             </a:fld>
             <a:endParaRPr lang="fi-FI"/>
           </a:p>
@@ -5614,7 +5679,7 @@
           <a:p>
             <a:fld id="{2BA53152-5DF5-4979-A537-0FE8AB80BD2D}" type="datetimeFigureOut">
               <a:rPr lang="fi-FI" smtClean="0"/>
-              <a:t>3.2.2020</a:t>
+              <a:t>19.3.2020</a:t>
             </a:fld>
             <a:endParaRPr lang="fi-FI"/>
           </a:p>
@@ -5950,7 +6015,7 @@
           <a:p>
             <a:fld id="{2BA53152-5DF5-4979-A537-0FE8AB80BD2D}" type="datetimeFigureOut">
               <a:rPr lang="fi-FI" smtClean="0"/>
-              <a:t>3.2.2020</a:t>
+              <a:t>19.3.2020</a:t>
             </a:fld>
             <a:endParaRPr lang="fi-FI"/>
           </a:p>
@@ -6270,7 +6335,7 @@
           <a:p>
             <a:fld id="{2BA53152-5DF5-4979-A537-0FE8AB80BD2D}" type="datetimeFigureOut">
               <a:rPr lang="fi-FI" smtClean="0"/>
-              <a:t>3.2.2020</a:t>
+              <a:t>19.3.2020</a:t>
             </a:fld>
             <a:endParaRPr lang="fi-FI"/>
           </a:p>
@@ -6666,7 +6731,7 @@
           <a:p>
             <a:fld id="{2BA53152-5DF5-4979-A537-0FE8AB80BD2D}" type="datetimeFigureOut">
               <a:rPr lang="fi-FI" smtClean="0"/>
-              <a:t>3.2.2020</a:t>
+              <a:t>19.3.2020</a:t>
             </a:fld>
             <a:endParaRPr lang="fi-FI"/>
           </a:p>
@@ -6923,7 +6988,7 @@
           <a:p>
             <a:fld id="{2BA53152-5DF5-4979-A537-0FE8AB80BD2D}" type="datetimeFigureOut">
               <a:rPr lang="fi-FI" smtClean="0"/>
-              <a:t>3.2.2020</a:t>
+              <a:t>19.3.2020</a:t>
             </a:fld>
             <a:endParaRPr lang="fi-FI"/>
           </a:p>
@@ -7185,7 +7250,7 @@
           <a:p>
             <a:fld id="{2BA53152-5DF5-4979-A537-0FE8AB80BD2D}" type="datetimeFigureOut">
               <a:rPr lang="fi-FI" smtClean="0"/>
-              <a:t>3.2.2020</a:t>
+              <a:t>19.3.2020</a:t>
             </a:fld>
             <a:endParaRPr lang="fi-FI"/>
           </a:p>
@@ -7447,7 +7512,7 @@
           <a:p>
             <a:fld id="{2BA53152-5DF5-4979-A537-0FE8AB80BD2D}" type="datetimeFigureOut">
               <a:rPr lang="fi-FI" smtClean="0"/>
-              <a:t>3.2.2020</a:t>
+              <a:t>19.3.2020</a:t>
             </a:fld>
             <a:endParaRPr lang="fi-FI"/>
           </a:p>
@@ -7579,10 +7644,10 @@
       </p:sp>
       <p:pic>
         <p:nvPicPr>
-          <p:cNvPr id="9" name="Picture 8">
+          <p:cNvPr id="7" name="Picture 6">
             <a:extLst>
               <a:ext uri="{FF2B5EF4-FFF2-40B4-BE49-F238E27FC236}">
-                <a16:creationId xmlns:a16="http://schemas.microsoft.com/office/drawing/2014/main" id="{57A0DBF6-B7F7-443B-ABA3-E80FC0AFEBC9}"/>
+                <a16:creationId xmlns:a16="http://schemas.microsoft.com/office/drawing/2014/main" id="{7CFC5EF2-6A1C-47AE-9472-291D1AC4EDC5}"/>
               </a:ext>
             </a:extLst>
           </p:cNvPr>
@@ -7599,8 +7664,8 @@
         </p:blipFill>
         <p:spPr>
           <a:xfrm>
-            <a:off x="10646477" y="187472"/>
-            <a:ext cx="1344724" cy="996655"/>
+            <a:off x="10864475" y="227962"/>
+            <a:ext cx="1068601" cy="792296"/>
           </a:xfrm>
           <a:prstGeom prst="rect">
             <a:avLst/>
@@ -7806,7 +7871,7 @@
           <a:p>
             <a:fld id="{2BA53152-5DF5-4979-A537-0FE8AB80BD2D}" type="datetimeFigureOut">
               <a:rPr lang="fi-FI" smtClean="0"/>
-              <a:t>3.2.2020</a:t>
+              <a:t>19.3.2020</a:t>
             </a:fld>
             <a:endParaRPr lang="fi-FI"/>
           </a:p>
@@ -8129,7 +8194,7 @@
           <a:p>
             <a:fld id="{2BA53152-5DF5-4979-A537-0FE8AB80BD2D}" type="datetimeFigureOut">
               <a:rPr lang="fi-FI" smtClean="0"/>
-              <a:t>3.2.2020</a:t>
+              <a:t>19.3.2020</a:t>
             </a:fld>
             <a:endParaRPr lang="fi-FI"/>
           </a:p>
@@ -8586,7 +8651,7 @@
           <a:p>
             <a:fld id="{2BA53152-5DF5-4979-A537-0FE8AB80BD2D}" type="datetimeFigureOut">
               <a:rPr lang="fi-FI" smtClean="0"/>
-              <a:t>3.2.2020</a:t>
+              <a:t>19.3.2020</a:t>
             </a:fld>
             <a:endParaRPr lang="fi-FI"/>
           </a:p>
@@ -8791,7 +8856,7 @@
           <a:p>
             <a:fld id="{2BA53152-5DF5-4979-A537-0FE8AB80BD2D}" type="datetimeFigureOut">
               <a:rPr lang="fi-FI" smtClean="0"/>
-              <a:t>3.2.2020</a:t>
+              <a:t>19.3.2020</a:t>
             </a:fld>
             <a:endParaRPr lang="fi-FI"/>
           </a:p>
@@ -8921,6 +8986,36 @@
           </a:p>
         </p:txBody>
       </p:sp>
+      <p:pic>
+        <p:nvPicPr>
+          <p:cNvPr id="8" name="Picture 7">
+            <a:extLst>
+              <a:ext uri="{FF2B5EF4-FFF2-40B4-BE49-F238E27FC236}">
+                <a16:creationId xmlns:a16="http://schemas.microsoft.com/office/drawing/2014/main" id="{7EF552D6-F6E4-4B9E-A0D8-745DB6E9C0ED}"/>
+              </a:ext>
+            </a:extLst>
+          </p:cNvPr>
+          <p:cNvPicPr>
+            <a:picLocks noChangeAspect="1"/>
+          </p:cNvPicPr>
+          <p:nvPr userDrawn="1"/>
+        </p:nvPicPr>
+        <p:blipFill>
+          <a:blip r:embed="rId2"/>
+          <a:stretch>
+            <a:fillRect/>
+          </a:stretch>
+        </p:blipFill>
+        <p:spPr>
+          <a:xfrm>
+            <a:off x="10864475" y="227962"/>
+            <a:ext cx="1068601" cy="792296"/>
+          </a:xfrm>
+          <a:prstGeom prst="rect">
+            <a:avLst/>
+          </a:prstGeom>
+        </p:spPr>
+      </p:pic>
     </p:spTree>
     <p:extLst>
       <p:ext uri="{BB962C8B-B14F-4D97-AF65-F5344CB8AC3E}">
@@ -8968,7 +9063,7 @@
           <a:p>
             <a:fld id="{2BA53152-5DF5-4979-A537-0FE8AB80BD2D}" type="datetimeFigureOut">
               <a:rPr lang="fi-FI" smtClean="0"/>
-              <a:t>3.2.2020</a:t>
+              <a:t>19.3.2020</a:t>
             </a:fld>
             <a:endParaRPr lang="fi-FI"/>
           </a:p>
@@ -9301,7 +9396,7 @@
           <a:p>
             <a:fld id="{2BA53152-5DF5-4979-A537-0FE8AB80BD2D}" type="datetimeFigureOut">
               <a:rPr lang="fi-FI" smtClean="0"/>
-              <a:t>3.2.2020</a:t>
+              <a:t>19.3.2020</a:t>
             </a:fld>
             <a:endParaRPr lang="fi-FI"/>
           </a:p>
@@ -9646,7 +9741,7 @@
           <a:p>
             <a:fld id="{2BA53152-5DF5-4979-A537-0FE8AB80BD2D}" type="datetimeFigureOut">
               <a:rPr lang="fi-FI" smtClean="0"/>
-              <a:t>3.2.2020</a:t>
+              <a:t>19.3.2020</a:t>
             </a:fld>
             <a:endParaRPr lang="fi-FI"/>
           </a:p>
@@ -11763,7 +11858,7 @@
           <a:p>
             <a:fld id="{2BA53152-5DF5-4979-A537-0FE8AB80BD2D}" type="datetimeFigureOut">
               <a:rPr lang="fi-FI" smtClean="0"/>
-              <a:t>3.2.2020</a:t>
+              <a:t>19.3.2020</a:t>
             </a:fld>
             <a:endParaRPr lang="fi-FI"/>
           </a:p>
@@ -12308,8 +12403,16 @@
           <a:lstStyle/>
           <a:p>
             <a:r>
+              <a:rPr lang="fi-FI" dirty="0" err="1"/>
+              <a:t>Rocker</a:t>
+            </a:r>
+            <a:r>
               <a:rPr lang="fi-FI"/>
-              <a:t>Rocker Reporting</a:t>
+              <a:t> Reporting </a:t>
+            </a:r>
+            <a:r>
+              <a:rPr lang="fi-FI" dirty="0"/>
+              <a:t>V2</a:t>
             </a:r>
             <a:endParaRPr lang="en-US" dirty="0"/>
           </a:p>
@@ -12337,8 +12440,12 @@
           <a:lstStyle/>
           <a:p>
             <a:r>
-              <a:rPr lang="fi-FI"/>
-              <a:t>Installation Guide</a:t>
+              <a:rPr lang="fi-FI" dirty="0" err="1"/>
+              <a:t>Installation</a:t>
+            </a:r>
+            <a:r>
+              <a:rPr lang="fi-FI" dirty="0"/>
+              <a:t> Guide</a:t>
             </a:r>
             <a:endParaRPr lang="en-US" dirty="0"/>
           </a:p>
@@ -12346,10 +12453,10 @@
       </p:sp>
       <p:pic>
         <p:nvPicPr>
-          <p:cNvPr id="12" name="Picture 11">
+          <p:cNvPr id="4" name="Picture 3">
             <a:extLst>
               <a:ext uri="{FF2B5EF4-FFF2-40B4-BE49-F238E27FC236}">
-                <a16:creationId xmlns:a16="http://schemas.microsoft.com/office/drawing/2014/main" id="{807CDF7D-A680-4616-AB9A-556293FE6652}"/>
+                <a16:creationId xmlns:a16="http://schemas.microsoft.com/office/drawing/2014/main" id="{3DC41C6F-62CD-4ED5-9EB3-BB2397B54E35}"/>
               </a:ext>
             </a:extLst>
           </p:cNvPr>
@@ -12366,8 +12473,8 @@
         </p:blipFill>
         <p:spPr>
           <a:xfrm>
-            <a:off x="6895864" y="1169880"/>
-            <a:ext cx="3304051" cy="2449733"/>
+            <a:off x="7659637" y="880228"/>
+            <a:ext cx="3238033" cy="2400785"/>
           </a:xfrm>
           <a:prstGeom prst="rect">
             <a:avLst/>
@@ -12388,6 +12495,416 @@
 </file>
 
 <file path=ppt/slides/slide10.xml><?xml version="1.0" encoding="utf-8"?>
+<p:sld xmlns:a="http://schemas.openxmlformats.org/drawingml/2006/main" xmlns:r="http://schemas.openxmlformats.org/officeDocument/2006/relationships" xmlns:p="http://schemas.openxmlformats.org/presentationml/2006/main">
+  <p:cSld>
+    <p:bg>
+      <p:bgPr>
+        <a:blipFill rotWithShape="1">
+          <a:blip r:embed="rId2">
+            <a:duotone>
+              <a:schemeClr val="bg2">
+                <a:shade val="76000"/>
+                <a:satMod val="180000"/>
+              </a:schemeClr>
+              <a:schemeClr val="bg2">
+                <a:tint val="80000"/>
+                <a:satMod val="120000"/>
+                <a:lumMod val="180000"/>
+              </a:schemeClr>
+            </a:duotone>
+          </a:blip>
+          <a:stretch/>
+        </a:blipFill>
+        <a:effectLst/>
+      </p:bgPr>
+    </p:bg>
+    <p:spTree>
+      <p:nvGrpSpPr>
+        <p:cNvPr id="1" name=""/>
+        <p:cNvGrpSpPr/>
+        <p:nvPr/>
+      </p:nvGrpSpPr>
+      <p:grpSpPr>
+        <a:xfrm>
+          <a:off x="0" y="0"/>
+          <a:ext cx="0" cy="0"/>
+          <a:chOff x="0" y="0"/>
+          <a:chExt cx="0" cy="0"/>
+        </a:xfrm>
+      </p:grpSpPr>
+      <p:sp>
+        <p:nvSpPr>
+          <p:cNvPr id="2" name="Otsikko 1">
+            <a:extLst>
+              <a:ext uri="{FF2B5EF4-FFF2-40B4-BE49-F238E27FC236}">
+                <a16:creationId xmlns:a16="http://schemas.microsoft.com/office/drawing/2014/main" id="{00619EB1-3DA1-4009-A947-B71E1BBF0695}"/>
+              </a:ext>
+            </a:extLst>
+          </p:cNvPr>
+          <p:cNvSpPr>
+            <a:spLocks noGrp="1"/>
+          </p:cNvSpPr>
+          <p:nvPr>
+            <p:ph type="title"/>
+          </p:nvPr>
+        </p:nvSpPr>
+        <p:spPr>
+          <a:xfrm>
+            <a:off x="1484312" y="685800"/>
+            <a:ext cx="4074345" cy="1752599"/>
+          </a:xfrm>
+        </p:spPr>
+        <p:txBody>
+          <a:bodyPr>
+            <a:normAutofit fontScale="90000"/>
+          </a:bodyPr>
+          <a:lstStyle/>
+          <a:p>
+            <a:pPr>
+              <a:lnSpc>
+                <a:spcPct val="90000"/>
+              </a:lnSpc>
+            </a:pPr>
+            <a:r>
+              <a:rPr lang="fi-FI" sz="3700"/>
+              <a:t>Create database / datasource for MySQL or MariaDB</a:t>
+            </a:r>
+            <a:endParaRPr lang="en-US" sz="3700"/>
+          </a:p>
+        </p:txBody>
+      </p:sp>
+      <p:sp>
+        <p:nvSpPr>
+          <p:cNvPr id="8" name="Content Placeholder 7">
+            <a:extLst>
+              <a:ext uri="{FF2B5EF4-FFF2-40B4-BE49-F238E27FC236}">
+                <a16:creationId xmlns:a16="http://schemas.microsoft.com/office/drawing/2014/main" id="{1E86017D-A4ED-4C23-BEFB-3386A1BD9842}"/>
+              </a:ext>
+            </a:extLst>
+          </p:cNvPr>
+          <p:cNvSpPr>
+            <a:spLocks noGrp="1"/>
+          </p:cNvSpPr>
+          <p:nvPr>
+            <p:ph idx="1"/>
+          </p:nvPr>
+        </p:nvSpPr>
+        <p:spPr>
+          <a:xfrm>
+            <a:off x="1484311" y="2666999"/>
+            <a:ext cx="4074345" cy="3124201"/>
+          </a:xfrm>
+        </p:spPr>
+        <p:txBody>
+          <a:bodyPr>
+            <a:normAutofit/>
+          </a:bodyPr>
+          <a:lstStyle/>
+          <a:p>
+            <a:pPr>
+              <a:lnSpc>
+                <a:spcPct val="90000"/>
+              </a:lnSpc>
+            </a:pPr>
+            <a:r>
+              <a:rPr lang="en-US" sz="1500"/>
+              <a:t>C:\Program Files (x86)\Odoo 12.0\python\Scripts&gt; </a:t>
+            </a:r>
+            <a:r>
+              <a:rPr lang="fi-FI" sz="1500"/>
+              <a:t>pip install mysql-connector-python</a:t>
+            </a:r>
+          </a:p>
+          <a:p>
+            <a:pPr>
+              <a:lnSpc>
+                <a:spcPct val="90000"/>
+              </a:lnSpc>
+            </a:pPr>
+            <a:r>
+              <a:rPr lang="fi-FI" sz="1500"/>
+              <a:t>Select Databases from menu</a:t>
+            </a:r>
+          </a:p>
+          <a:p>
+            <a:pPr>
+              <a:lnSpc>
+                <a:spcPct val="90000"/>
+              </a:lnSpc>
+            </a:pPr>
+            <a:r>
+              <a:rPr lang="fi-FI" sz="1500" err="1"/>
+              <a:t>Create</a:t>
+            </a:r>
+            <a:r>
+              <a:rPr lang="fi-FI" sz="1500"/>
+              <a:t>…</a:t>
+            </a:r>
+          </a:p>
+          <a:p>
+            <a:pPr>
+              <a:lnSpc>
+                <a:spcPct val="90000"/>
+              </a:lnSpc>
+            </a:pPr>
+            <a:r>
+              <a:rPr lang="en-US" sz="1500"/>
+              <a:t>Select MySQL or MariaDB driver, Change database name &amp; other data when necessary</a:t>
+            </a:r>
+          </a:p>
+          <a:p>
+            <a:pPr>
+              <a:lnSpc>
+                <a:spcPct val="90000"/>
+              </a:lnSpc>
+            </a:pPr>
+            <a:r>
+              <a:rPr lang="en-US" sz="1500"/>
+              <a:t>Save</a:t>
+            </a:r>
+          </a:p>
+          <a:p>
+            <a:pPr>
+              <a:lnSpc>
+                <a:spcPct val="90000"/>
+              </a:lnSpc>
+            </a:pPr>
+            <a:r>
+              <a:rPr lang="en-US" sz="1500"/>
+              <a:t>Test connection</a:t>
+            </a:r>
+          </a:p>
+          <a:p>
+            <a:pPr>
+              <a:lnSpc>
+                <a:spcPct val="90000"/>
+              </a:lnSpc>
+            </a:pPr>
+            <a:endParaRPr lang="en-US" sz="1500"/>
+          </a:p>
+        </p:txBody>
+      </p:sp>
+      <p:pic>
+        <p:nvPicPr>
+          <p:cNvPr id="10" name="Picture 9">
+            <a:extLst>
+              <a:ext uri="{FF2B5EF4-FFF2-40B4-BE49-F238E27FC236}">
+                <a16:creationId xmlns:a16="http://schemas.microsoft.com/office/drawing/2014/main" id="{2C93426E-37D2-40B9-8CEB-2DA7DBEE2D4C}"/>
+              </a:ext>
+            </a:extLst>
+          </p:cNvPr>
+          <p:cNvPicPr>
+            <a:picLocks noChangeAspect="1"/>
+          </p:cNvPicPr>
+          <p:nvPr/>
+        </p:nvPicPr>
+        <p:blipFill>
+          <a:blip r:embed="rId3"/>
+          <a:stretch>
+            <a:fillRect/>
+          </a:stretch>
+        </p:blipFill>
+        <p:spPr>
+          <a:xfrm>
+            <a:off x="6633345" y="930557"/>
+            <a:ext cx="3086713" cy="2338185"/>
+          </a:xfrm>
+          <a:prstGeom prst="roundRect">
+            <a:avLst>
+              <a:gd name="adj" fmla="val 4380"/>
+            </a:avLst>
+          </a:prstGeom>
+          <a:ln w="38100">
+            <a:gradFill flip="none" rotWithShape="1">
+              <a:gsLst>
+                <a:gs pos="0">
+                  <a:schemeClr val="bg2"/>
+                </a:gs>
+                <a:gs pos="100000">
+                  <a:schemeClr val="bg2">
+                    <a:lumMod val="75000"/>
+                  </a:schemeClr>
+                </a:gs>
+              </a:gsLst>
+              <a:lin ang="5400000" scaled="0"/>
+              <a:tileRect/>
+            </a:gradFill>
+          </a:ln>
+          <a:effectLst>
+            <a:innerShdw blurRad="57150" dist="38100" dir="14460000">
+              <a:srgbClr val="000000">
+                <a:alpha val="70000"/>
+              </a:srgbClr>
+            </a:innerShdw>
+          </a:effectLst>
+        </p:spPr>
+        <p:style>
+          <a:lnRef idx="2">
+            <a:schemeClr val="accent1"/>
+          </a:lnRef>
+          <a:fillRef idx="1">
+            <a:schemeClr val="lt1"/>
+          </a:fillRef>
+          <a:effectRef idx="0">
+            <a:schemeClr val="accent1"/>
+          </a:effectRef>
+          <a:fontRef idx="minor">
+            <a:schemeClr val="dk1"/>
+          </a:fontRef>
+        </p:style>
+      </p:pic>
+      <p:pic>
+        <p:nvPicPr>
+          <p:cNvPr id="11" name="Picture 10">
+            <a:extLst>
+              <a:ext uri="{FF2B5EF4-FFF2-40B4-BE49-F238E27FC236}">
+                <a16:creationId xmlns:a16="http://schemas.microsoft.com/office/drawing/2014/main" id="{FF45B3DD-4EF4-451F-BC0B-9A61676FAD65}"/>
+              </a:ext>
+            </a:extLst>
+          </p:cNvPr>
+          <p:cNvPicPr>
+            <a:picLocks noChangeAspect="1"/>
+          </p:cNvPicPr>
+          <p:nvPr/>
+        </p:nvPicPr>
+        <p:blipFill>
+          <a:blip r:embed="rId4"/>
+          <a:stretch>
+            <a:fillRect/>
+          </a:stretch>
+        </p:blipFill>
+        <p:spPr>
+          <a:xfrm>
+            <a:off x="8708800" y="2008378"/>
+            <a:ext cx="3036604" cy="2338185"/>
+          </a:xfrm>
+          <a:prstGeom prst="roundRect">
+            <a:avLst>
+              <a:gd name="adj" fmla="val 4380"/>
+            </a:avLst>
+          </a:prstGeom>
+          <a:ln w="38100">
+            <a:gradFill flip="none" rotWithShape="1">
+              <a:gsLst>
+                <a:gs pos="0">
+                  <a:schemeClr val="bg2"/>
+                </a:gs>
+                <a:gs pos="100000">
+                  <a:schemeClr val="bg2">
+                    <a:lumMod val="75000"/>
+                  </a:schemeClr>
+                </a:gs>
+              </a:gsLst>
+              <a:lin ang="5400000" scaled="0"/>
+              <a:tileRect/>
+            </a:gradFill>
+          </a:ln>
+          <a:effectLst>
+            <a:innerShdw blurRad="57150" dist="38100" dir="14460000">
+              <a:srgbClr val="000000">
+                <a:alpha val="70000"/>
+              </a:srgbClr>
+            </a:innerShdw>
+          </a:effectLst>
+        </p:spPr>
+        <p:style>
+          <a:lnRef idx="2">
+            <a:schemeClr val="accent1"/>
+          </a:lnRef>
+          <a:fillRef idx="1">
+            <a:schemeClr val="lt1"/>
+          </a:fillRef>
+          <a:effectRef idx="0">
+            <a:schemeClr val="accent1"/>
+          </a:effectRef>
+          <a:fontRef idx="minor">
+            <a:schemeClr val="dk1"/>
+          </a:fontRef>
+        </p:style>
+      </p:pic>
+      <p:pic>
+        <p:nvPicPr>
+          <p:cNvPr id="6" name="Kuva 5">
+            <a:extLst>
+              <a:ext uri="{FF2B5EF4-FFF2-40B4-BE49-F238E27FC236}">
+                <a16:creationId xmlns:a16="http://schemas.microsoft.com/office/drawing/2014/main" id="{3C5D5E0C-B6AA-4048-A7A1-F0E7C4B784A1}"/>
+              </a:ext>
+            </a:extLst>
+          </p:cNvPr>
+          <p:cNvPicPr>
+            <a:picLocks noChangeAspect="1"/>
+          </p:cNvPicPr>
+          <p:nvPr/>
+        </p:nvPicPr>
+        <p:blipFill>
+          <a:blip r:embed="rId5"/>
+          <a:stretch>
+            <a:fillRect/>
+          </a:stretch>
+        </p:blipFill>
+        <p:spPr>
+          <a:xfrm>
+            <a:off x="6958660" y="4265255"/>
+            <a:ext cx="1863744" cy="1668050"/>
+          </a:xfrm>
+          <a:prstGeom prst="roundRect">
+            <a:avLst>
+              <a:gd name="adj" fmla="val 4380"/>
+            </a:avLst>
+          </a:prstGeom>
+          <a:ln w="38100">
+            <a:gradFill flip="none" rotWithShape="1">
+              <a:gsLst>
+                <a:gs pos="0">
+                  <a:schemeClr val="bg2"/>
+                </a:gs>
+                <a:gs pos="100000">
+                  <a:schemeClr val="bg2">
+                    <a:lumMod val="75000"/>
+                  </a:schemeClr>
+                </a:gs>
+              </a:gsLst>
+              <a:lin ang="5400000" scaled="0"/>
+              <a:tileRect/>
+            </a:gradFill>
+          </a:ln>
+          <a:effectLst>
+            <a:innerShdw blurRad="57150" dist="38100" dir="14460000">
+              <a:srgbClr val="000000">
+                <a:alpha val="70000"/>
+              </a:srgbClr>
+            </a:innerShdw>
+          </a:effectLst>
+        </p:spPr>
+        <p:style>
+          <a:lnRef idx="2">
+            <a:schemeClr val="accent1"/>
+          </a:lnRef>
+          <a:fillRef idx="1">
+            <a:schemeClr val="lt1"/>
+          </a:fillRef>
+          <a:effectRef idx="0">
+            <a:schemeClr val="accent1"/>
+          </a:effectRef>
+          <a:fontRef idx="minor">
+            <a:schemeClr val="dk1"/>
+          </a:fontRef>
+        </p:style>
+      </p:pic>
+    </p:spTree>
+    <p:extLst>
+      <p:ext uri="{BB962C8B-B14F-4D97-AF65-F5344CB8AC3E}">
+        <p14:creationId xmlns:p14="http://schemas.microsoft.com/office/powerpoint/2010/main" val="3753466296"/>
+      </p:ext>
+    </p:extLst>
+  </p:cSld>
+  <p:clrMapOvr>
+    <a:masterClrMapping/>
+  </p:clrMapOvr>
+</p:sld>
+</file>
+
+<file path=ppt/slides/slide11.xml><?xml version="1.0" encoding="utf-8"?>
 <p:sld xmlns:a="http://schemas.openxmlformats.org/drawingml/2006/main" xmlns:r="http://schemas.openxmlformats.org/officeDocument/2006/relationships" xmlns:p="http://schemas.openxmlformats.org/presentationml/2006/main">
   <p:cSld>
     <p:bg>
@@ -12841,7 +13358,7 @@
 </p:sld>
 </file>
 
-<file path=ppt/slides/slide11.xml><?xml version="1.0" encoding="utf-8"?>
+<file path=ppt/slides/slide12.xml><?xml version="1.0" encoding="utf-8"?>
 <p:sld xmlns:a="http://schemas.openxmlformats.org/drawingml/2006/main" xmlns:r="http://schemas.openxmlformats.org/officeDocument/2006/relationships" xmlns:p="http://schemas.openxmlformats.org/presentationml/2006/main">
   <p:cSld>
     <p:bg>
@@ -13466,6 +13983,160 @@
 <file path=ppt/slides/slide4.xml><?xml version="1.0" encoding="utf-8"?>
 <p:sld xmlns:a="http://schemas.openxmlformats.org/drawingml/2006/main" xmlns:r="http://schemas.openxmlformats.org/officeDocument/2006/relationships" xmlns:p="http://schemas.openxmlformats.org/presentationml/2006/main">
   <p:cSld>
+    <p:spTree>
+      <p:nvGrpSpPr>
+        <p:cNvPr id="1" name=""/>
+        <p:cNvGrpSpPr/>
+        <p:nvPr/>
+      </p:nvGrpSpPr>
+      <p:grpSpPr>
+        <a:xfrm>
+          <a:off x="0" y="0"/>
+          <a:ext cx="0" cy="0"/>
+          <a:chOff x="0" y="0"/>
+          <a:chExt cx="0" cy="0"/>
+        </a:xfrm>
+      </p:grpSpPr>
+      <p:sp>
+        <p:nvSpPr>
+          <p:cNvPr id="2" name="Title 1">
+            <a:extLst>
+              <a:ext uri="{FF2B5EF4-FFF2-40B4-BE49-F238E27FC236}">
+                <a16:creationId xmlns:a16="http://schemas.microsoft.com/office/drawing/2014/main" id="{9047B0D6-4DD6-4E61-96B4-69E091EB6400}"/>
+              </a:ext>
+            </a:extLst>
+          </p:cNvPr>
+          <p:cNvSpPr>
+            <a:spLocks noGrp="1"/>
+          </p:cNvSpPr>
+          <p:nvPr>
+            <p:ph type="title"/>
+          </p:nvPr>
+        </p:nvSpPr>
+        <p:spPr/>
+        <p:txBody>
+          <a:bodyPr/>
+          <a:lstStyle/>
+          <a:p>
+            <a:r>
+              <a:rPr lang="fi-FI" dirty="0" err="1"/>
+              <a:t>PowerPoints</a:t>
+            </a:r>
+            <a:r>
+              <a:rPr lang="fi-FI" dirty="0"/>
+              <a:t>: </a:t>
+            </a:r>
+            <a:r>
+              <a:rPr lang="fi-FI" dirty="0" err="1"/>
+              <a:t>Install</a:t>
+            </a:r>
+            <a:r>
+              <a:rPr lang="fi-FI" dirty="0"/>
+              <a:t> python-</a:t>
+            </a:r>
+            <a:r>
+              <a:rPr lang="fi-FI" dirty="0" err="1"/>
+              <a:t>pptx</a:t>
+            </a:r>
+            <a:endParaRPr lang="en-US" dirty="0"/>
+          </a:p>
+        </p:txBody>
+      </p:sp>
+      <p:sp>
+        <p:nvSpPr>
+          <p:cNvPr id="3" name="Content Placeholder 2">
+            <a:extLst>
+              <a:ext uri="{FF2B5EF4-FFF2-40B4-BE49-F238E27FC236}">
+                <a16:creationId xmlns:a16="http://schemas.microsoft.com/office/drawing/2014/main" id="{3918CC8C-D3F1-4384-9FB8-E0738C7F621C}"/>
+              </a:ext>
+            </a:extLst>
+          </p:cNvPr>
+          <p:cNvSpPr>
+            <a:spLocks noGrp="1"/>
+          </p:cNvSpPr>
+          <p:nvPr>
+            <p:ph idx="1"/>
+          </p:nvPr>
+        </p:nvSpPr>
+        <p:spPr>
+          <a:xfrm>
+            <a:off x="1926738" y="2114939"/>
+            <a:ext cx="8915400" cy="3777622"/>
+          </a:xfrm>
+        </p:spPr>
+        <p:txBody>
+          <a:bodyPr/>
+          <a:lstStyle/>
+          <a:p>
+            <a:r>
+              <a:rPr lang="en-US" sz="2000" b="1" dirty="0"/>
+              <a:t>Start CMD  with Administrator rights</a:t>
+            </a:r>
+          </a:p>
+          <a:p>
+            <a:endParaRPr lang="en-US" dirty="0"/>
+          </a:p>
+          <a:p>
+            <a:r>
+              <a:rPr lang="en-US" dirty="0"/>
+              <a:t>Execute:</a:t>
+            </a:r>
+          </a:p>
+          <a:p>
+            <a:pPr lvl="1"/>
+            <a:r>
+              <a:rPr lang="en-US" sz="2000" b="1" dirty="0"/>
+              <a:t>"C:\Program Files (x86)\Odoo 13.0\python\python" "C:\Program Files (x86)\Odoo 12.0\python\Scripts\pip.exe" install python-pptx</a:t>
+            </a:r>
+          </a:p>
+        </p:txBody>
+      </p:sp>
+      <p:pic>
+        <p:nvPicPr>
+          <p:cNvPr id="4" name="Picture 3">
+            <a:extLst>
+              <a:ext uri="{FF2B5EF4-FFF2-40B4-BE49-F238E27FC236}">
+                <a16:creationId xmlns:a16="http://schemas.microsoft.com/office/drawing/2014/main" id="{4FE2E240-C7D2-41A4-B767-25D6BBEE33FE}"/>
+              </a:ext>
+            </a:extLst>
+          </p:cNvPr>
+          <p:cNvPicPr>
+            <a:picLocks noChangeAspect="1"/>
+          </p:cNvPicPr>
+          <p:nvPr/>
+        </p:nvPicPr>
+        <p:blipFill>
+          <a:blip r:embed="rId2"/>
+          <a:stretch>
+            <a:fillRect/>
+          </a:stretch>
+        </p:blipFill>
+        <p:spPr>
+          <a:xfrm>
+            <a:off x="6591996" y="4251489"/>
+            <a:ext cx="4073374" cy="2237290"/>
+          </a:xfrm>
+          <a:prstGeom prst="rect">
+            <a:avLst/>
+          </a:prstGeom>
+        </p:spPr>
+      </p:pic>
+    </p:spTree>
+    <p:extLst>
+      <p:ext uri="{BB962C8B-B14F-4D97-AF65-F5344CB8AC3E}">
+        <p14:creationId xmlns:p14="http://schemas.microsoft.com/office/powerpoint/2010/main" val="3807908021"/>
+      </p:ext>
+    </p:extLst>
+  </p:cSld>
+  <p:clrMapOvr>
+    <a:masterClrMapping/>
+  </p:clrMapOvr>
+</p:sld>
+</file>
+
+<file path=ppt/slides/slide5.xml><?xml version="1.0" encoding="utf-8"?>
+<p:sld xmlns:a="http://schemas.openxmlformats.org/drawingml/2006/main" xmlns:r="http://schemas.openxmlformats.org/officeDocument/2006/relationships" xmlns:p="http://schemas.openxmlformats.org/presentationml/2006/main">
+  <p:cSld>
     <p:bg>
       <p:bgPr>
         <a:blipFill rotWithShape="1">
@@ -13655,6 +14326,58 @@
           </a:p>
         </p:txBody>
       </p:sp>
+      <p:sp>
+        <p:nvSpPr>
+          <p:cNvPr id="4" name="TextBox 3">
+            <a:extLst>
+              <a:ext uri="{FF2B5EF4-FFF2-40B4-BE49-F238E27FC236}">
+                <a16:creationId xmlns:a16="http://schemas.microsoft.com/office/drawing/2014/main" id="{6DF4274D-5402-4E4E-AB6B-505BC9B2E0F2}"/>
+              </a:ext>
+            </a:extLst>
+          </p:cNvPr>
+          <p:cNvSpPr txBox="1"/>
+          <p:nvPr/>
+        </p:nvSpPr>
+        <p:spPr>
+          <a:xfrm>
+            <a:off x="8340635" y="4936350"/>
+            <a:ext cx="1691489" cy="369332"/>
+          </a:xfrm>
+          <a:prstGeom prst="rect">
+            <a:avLst/>
+          </a:prstGeom>
+          <a:solidFill>
+            <a:srgbClr val="FFFF00"/>
+          </a:solidFill>
+        </p:spPr>
+        <p:style>
+          <a:lnRef idx="1">
+            <a:schemeClr val="accent5"/>
+          </a:lnRef>
+          <a:fillRef idx="2">
+            <a:schemeClr val="accent5"/>
+          </a:fillRef>
+          <a:effectRef idx="1">
+            <a:schemeClr val="accent5"/>
+          </a:effectRef>
+          <a:fontRef idx="minor">
+            <a:schemeClr val="dk1"/>
+          </a:fontRef>
+        </p:style>
+        <p:txBody>
+          <a:bodyPr wrap="none" rtlCol="0">
+            <a:spAutoFit/>
+          </a:bodyPr>
+          <a:lstStyle/>
+          <a:p>
+            <a:r>
+              <a:rPr lang="fi-FI" dirty="0"/>
+              <a:t>Or Odoo 13.0</a:t>
+            </a:r>
+            <a:endParaRPr lang="en-US" dirty="0"/>
+          </a:p>
+        </p:txBody>
+      </p:sp>
     </p:spTree>
     <p:extLst>
       <p:ext uri="{BB962C8B-B14F-4D97-AF65-F5344CB8AC3E}">
@@ -13668,7 +14391,7 @@
 </p:sld>
 </file>
 
-<file path=ppt/slides/slide5.xml><?xml version="1.0" encoding="utf-8"?>
+<file path=ppt/slides/slide6.xml><?xml version="1.0" encoding="utf-8"?>
 <p:sld xmlns:a="http://schemas.openxmlformats.org/drawingml/2006/main" xmlns:r="http://schemas.openxmlformats.org/officeDocument/2006/relationships" xmlns:p="http://schemas.openxmlformats.org/presentationml/2006/main">
   <p:cSld>
     <p:bg>
@@ -13858,7 +14581,7 @@
 </p:sld>
 </file>
 
-<file path=ppt/slides/slide6.xml><?xml version="1.0" encoding="utf-8"?>
+<file path=ppt/slides/slide7.xml><?xml version="1.0" encoding="utf-8"?>
 <p:sld xmlns:a="http://schemas.openxmlformats.org/drawingml/2006/main" xmlns:r="http://schemas.openxmlformats.org/officeDocument/2006/relationships" xmlns:p="http://schemas.openxmlformats.org/presentationml/2006/main">
   <p:cSld>
     <p:bg>
@@ -14248,7 +14971,7 @@
 </p:sld>
 </file>
 
-<file path=ppt/slides/slide7.xml><?xml version="1.0" encoding="utf-8"?>
+<file path=ppt/slides/slide8.xml><?xml version="1.0" encoding="utf-8"?>
 <p:sld xmlns:a="http://schemas.openxmlformats.org/drawingml/2006/main" xmlns:r="http://schemas.openxmlformats.org/officeDocument/2006/relationships" xmlns:p="http://schemas.openxmlformats.org/presentationml/2006/main">
   <p:cSld>
     <p:bg>
@@ -14621,7 +15344,7 @@
 </p:sld>
 </file>
 
-<file path=ppt/slides/slide8.xml><?xml version="1.0" encoding="utf-8"?>
+<file path=ppt/slides/slide9.xml><?xml version="1.0" encoding="utf-8"?>
 <p:sld xmlns:a="http://schemas.openxmlformats.org/drawingml/2006/main" xmlns:r="http://schemas.openxmlformats.org/officeDocument/2006/relationships" xmlns:p="http://schemas.openxmlformats.org/presentationml/2006/main">
   <p:cSld>
     <p:bg>
@@ -15085,416 +15808,6 @@
     <p:extLst>
       <p:ext uri="{BB962C8B-B14F-4D97-AF65-F5344CB8AC3E}">
         <p14:creationId xmlns:p14="http://schemas.microsoft.com/office/powerpoint/2010/main" val="2140034028"/>
-      </p:ext>
-    </p:extLst>
-  </p:cSld>
-  <p:clrMapOvr>
-    <a:masterClrMapping/>
-  </p:clrMapOvr>
-</p:sld>
-</file>
-
-<file path=ppt/slides/slide9.xml><?xml version="1.0" encoding="utf-8"?>
-<p:sld xmlns:a="http://schemas.openxmlformats.org/drawingml/2006/main" xmlns:r="http://schemas.openxmlformats.org/officeDocument/2006/relationships" xmlns:p="http://schemas.openxmlformats.org/presentationml/2006/main">
-  <p:cSld>
-    <p:bg>
-      <p:bgPr>
-        <a:blipFill rotWithShape="1">
-          <a:blip r:embed="rId2">
-            <a:duotone>
-              <a:schemeClr val="bg2">
-                <a:shade val="76000"/>
-                <a:satMod val="180000"/>
-              </a:schemeClr>
-              <a:schemeClr val="bg2">
-                <a:tint val="80000"/>
-                <a:satMod val="120000"/>
-                <a:lumMod val="180000"/>
-              </a:schemeClr>
-            </a:duotone>
-          </a:blip>
-          <a:stretch/>
-        </a:blipFill>
-        <a:effectLst/>
-      </p:bgPr>
-    </p:bg>
-    <p:spTree>
-      <p:nvGrpSpPr>
-        <p:cNvPr id="1" name=""/>
-        <p:cNvGrpSpPr/>
-        <p:nvPr/>
-      </p:nvGrpSpPr>
-      <p:grpSpPr>
-        <a:xfrm>
-          <a:off x="0" y="0"/>
-          <a:ext cx="0" cy="0"/>
-          <a:chOff x="0" y="0"/>
-          <a:chExt cx="0" cy="0"/>
-        </a:xfrm>
-      </p:grpSpPr>
-      <p:sp>
-        <p:nvSpPr>
-          <p:cNvPr id="2" name="Otsikko 1">
-            <a:extLst>
-              <a:ext uri="{FF2B5EF4-FFF2-40B4-BE49-F238E27FC236}">
-                <a16:creationId xmlns:a16="http://schemas.microsoft.com/office/drawing/2014/main" id="{00619EB1-3DA1-4009-A947-B71E1BBF0695}"/>
-              </a:ext>
-            </a:extLst>
-          </p:cNvPr>
-          <p:cNvSpPr>
-            <a:spLocks noGrp="1"/>
-          </p:cNvSpPr>
-          <p:nvPr>
-            <p:ph type="title"/>
-          </p:nvPr>
-        </p:nvSpPr>
-        <p:spPr>
-          <a:xfrm>
-            <a:off x="1484312" y="685800"/>
-            <a:ext cx="4074345" cy="1752599"/>
-          </a:xfrm>
-        </p:spPr>
-        <p:txBody>
-          <a:bodyPr>
-            <a:normAutofit fontScale="90000"/>
-          </a:bodyPr>
-          <a:lstStyle/>
-          <a:p>
-            <a:pPr>
-              <a:lnSpc>
-                <a:spcPct val="90000"/>
-              </a:lnSpc>
-            </a:pPr>
-            <a:r>
-              <a:rPr lang="fi-FI" sz="3700"/>
-              <a:t>Create database / datasource for MySQL or MariaDB</a:t>
-            </a:r>
-            <a:endParaRPr lang="en-US" sz="3700"/>
-          </a:p>
-        </p:txBody>
-      </p:sp>
-      <p:sp>
-        <p:nvSpPr>
-          <p:cNvPr id="8" name="Content Placeholder 7">
-            <a:extLst>
-              <a:ext uri="{FF2B5EF4-FFF2-40B4-BE49-F238E27FC236}">
-                <a16:creationId xmlns:a16="http://schemas.microsoft.com/office/drawing/2014/main" id="{1E86017D-A4ED-4C23-BEFB-3386A1BD9842}"/>
-              </a:ext>
-            </a:extLst>
-          </p:cNvPr>
-          <p:cNvSpPr>
-            <a:spLocks noGrp="1"/>
-          </p:cNvSpPr>
-          <p:nvPr>
-            <p:ph idx="1"/>
-          </p:nvPr>
-        </p:nvSpPr>
-        <p:spPr>
-          <a:xfrm>
-            <a:off x="1484311" y="2666999"/>
-            <a:ext cx="4074345" cy="3124201"/>
-          </a:xfrm>
-        </p:spPr>
-        <p:txBody>
-          <a:bodyPr>
-            <a:normAutofit/>
-          </a:bodyPr>
-          <a:lstStyle/>
-          <a:p>
-            <a:pPr>
-              <a:lnSpc>
-                <a:spcPct val="90000"/>
-              </a:lnSpc>
-            </a:pPr>
-            <a:r>
-              <a:rPr lang="en-US" sz="1500"/>
-              <a:t>C:\Program Files (x86)\Odoo 12.0\python\Scripts&gt; </a:t>
-            </a:r>
-            <a:r>
-              <a:rPr lang="fi-FI" sz="1500"/>
-              <a:t>pip install mysql-connector-python</a:t>
-            </a:r>
-          </a:p>
-          <a:p>
-            <a:pPr>
-              <a:lnSpc>
-                <a:spcPct val="90000"/>
-              </a:lnSpc>
-            </a:pPr>
-            <a:r>
-              <a:rPr lang="fi-FI" sz="1500"/>
-              <a:t>Select Databases from menu</a:t>
-            </a:r>
-          </a:p>
-          <a:p>
-            <a:pPr>
-              <a:lnSpc>
-                <a:spcPct val="90000"/>
-              </a:lnSpc>
-            </a:pPr>
-            <a:r>
-              <a:rPr lang="fi-FI" sz="1500" err="1"/>
-              <a:t>Create</a:t>
-            </a:r>
-            <a:r>
-              <a:rPr lang="fi-FI" sz="1500"/>
-              <a:t>…</a:t>
-            </a:r>
-          </a:p>
-          <a:p>
-            <a:pPr>
-              <a:lnSpc>
-                <a:spcPct val="90000"/>
-              </a:lnSpc>
-            </a:pPr>
-            <a:r>
-              <a:rPr lang="en-US" sz="1500"/>
-              <a:t>Select MySQL or MariaDB driver, Change database name &amp; other data when necessary</a:t>
-            </a:r>
-          </a:p>
-          <a:p>
-            <a:pPr>
-              <a:lnSpc>
-                <a:spcPct val="90000"/>
-              </a:lnSpc>
-            </a:pPr>
-            <a:r>
-              <a:rPr lang="en-US" sz="1500"/>
-              <a:t>Save</a:t>
-            </a:r>
-          </a:p>
-          <a:p>
-            <a:pPr>
-              <a:lnSpc>
-                <a:spcPct val="90000"/>
-              </a:lnSpc>
-            </a:pPr>
-            <a:r>
-              <a:rPr lang="en-US" sz="1500"/>
-              <a:t>Test connection</a:t>
-            </a:r>
-          </a:p>
-          <a:p>
-            <a:pPr>
-              <a:lnSpc>
-                <a:spcPct val="90000"/>
-              </a:lnSpc>
-            </a:pPr>
-            <a:endParaRPr lang="en-US" sz="1500"/>
-          </a:p>
-        </p:txBody>
-      </p:sp>
-      <p:pic>
-        <p:nvPicPr>
-          <p:cNvPr id="10" name="Picture 9">
-            <a:extLst>
-              <a:ext uri="{FF2B5EF4-FFF2-40B4-BE49-F238E27FC236}">
-                <a16:creationId xmlns:a16="http://schemas.microsoft.com/office/drawing/2014/main" id="{2C93426E-37D2-40B9-8CEB-2DA7DBEE2D4C}"/>
-              </a:ext>
-            </a:extLst>
-          </p:cNvPr>
-          <p:cNvPicPr>
-            <a:picLocks noChangeAspect="1"/>
-          </p:cNvPicPr>
-          <p:nvPr/>
-        </p:nvPicPr>
-        <p:blipFill>
-          <a:blip r:embed="rId3"/>
-          <a:stretch>
-            <a:fillRect/>
-          </a:stretch>
-        </p:blipFill>
-        <p:spPr>
-          <a:xfrm>
-            <a:off x="6633345" y="930557"/>
-            <a:ext cx="3086713" cy="2338185"/>
-          </a:xfrm>
-          <a:prstGeom prst="roundRect">
-            <a:avLst>
-              <a:gd name="adj" fmla="val 4380"/>
-            </a:avLst>
-          </a:prstGeom>
-          <a:ln w="38100">
-            <a:gradFill flip="none" rotWithShape="1">
-              <a:gsLst>
-                <a:gs pos="0">
-                  <a:schemeClr val="bg2"/>
-                </a:gs>
-                <a:gs pos="100000">
-                  <a:schemeClr val="bg2">
-                    <a:lumMod val="75000"/>
-                  </a:schemeClr>
-                </a:gs>
-              </a:gsLst>
-              <a:lin ang="5400000" scaled="0"/>
-              <a:tileRect/>
-            </a:gradFill>
-          </a:ln>
-          <a:effectLst>
-            <a:innerShdw blurRad="57150" dist="38100" dir="14460000">
-              <a:srgbClr val="000000">
-                <a:alpha val="70000"/>
-              </a:srgbClr>
-            </a:innerShdw>
-          </a:effectLst>
-        </p:spPr>
-        <p:style>
-          <a:lnRef idx="2">
-            <a:schemeClr val="accent1"/>
-          </a:lnRef>
-          <a:fillRef idx="1">
-            <a:schemeClr val="lt1"/>
-          </a:fillRef>
-          <a:effectRef idx="0">
-            <a:schemeClr val="accent1"/>
-          </a:effectRef>
-          <a:fontRef idx="minor">
-            <a:schemeClr val="dk1"/>
-          </a:fontRef>
-        </p:style>
-      </p:pic>
-      <p:pic>
-        <p:nvPicPr>
-          <p:cNvPr id="11" name="Picture 10">
-            <a:extLst>
-              <a:ext uri="{FF2B5EF4-FFF2-40B4-BE49-F238E27FC236}">
-                <a16:creationId xmlns:a16="http://schemas.microsoft.com/office/drawing/2014/main" id="{FF45B3DD-4EF4-451F-BC0B-9A61676FAD65}"/>
-              </a:ext>
-            </a:extLst>
-          </p:cNvPr>
-          <p:cNvPicPr>
-            <a:picLocks noChangeAspect="1"/>
-          </p:cNvPicPr>
-          <p:nvPr/>
-        </p:nvPicPr>
-        <p:blipFill>
-          <a:blip r:embed="rId4"/>
-          <a:stretch>
-            <a:fillRect/>
-          </a:stretch>
-        </p:blipFill>
-        <p:spPr>
-          <a:xfrm>
-            <a:off x="8708800" y="2008378"/>
-            <a:ext cx="3036604" cy="2338185"/>
-          </a:xfrm>
-          <a:prstGeom prst="roundRect">
-            <a:avLst>
-              <a:gd name="adj" fmla="val 4380"/>
-            </a:avLst>
-          </a:prstGeom>
-          <a:ln w="38100">
-            <a:gradFill flip="none" rotWithShape="1">
-              <a:gsLst>
-                <a:gs pos="0">
-                  <a:schemeClr val="bg2"/>
-                </a:gs>
-                <a:gs pos="100000">
-                  <a:schemeClr val="bg2">
-                    <a:lumMod val="75000"/>
-                  </a:schemeClr>
-                </a:gs>
-              </a:gsLst>
-              <a:lin ang="5400000" scaled="0"/>
-              <a:tileRect/>
-            </a:gradFill>
-          </a:ln>
-          <a:effectLst>
-            <a:innerShdw blurRad="57150" dist="38100" dir="14460000">
-              <a:srgbClr val="000000">
-                <a:alpha val="70000"/>
-              </a:srgbClr>
-            </a:innerShdw>
-          </a:effectLst>
-        </p:spPr>
-        <p:style>
-          <a:lnRef idx="2">
-            <a:schemeClr val="accent1"/>
-          </a:lnRef>
-          <a:fillRef idx="1">
-            <a:schemeClr val="lt1"/>
-          </a:fillRef>
-          <a:effectRef idx="0">
-            <a:schemeClr val="accent1"/>
-          </a:effectRef>
-          <a:fontRef idx="minor">
-            <a:schemeClr val="dk1"/>
-          </a:fontRef>
-        </p:style>
-      </p:pic>
-      <p:pic>
-        <p:nvPicPr>
-          <p:cNvPr id="6" name="Kuva 5">
-            <a:extLst>
-              <a:ext uri="{FF2B5EF4-FFF2-40B4-BE49-F238E27FC236}">
-                <a16:creationId xmlns:a16="http://schemas.microsoft.com/office/drawing/2014/main" id="{3C5D5E0C-B6AA-4048-A7A1-F0E7C4B784A1}"/>
-              </a:ext>
-            </a:extLst>
-          </p:cNvPr>
-          <p:cNvPicPr>
-            <a:picLocks noChangeAspect="1"/>
-          </p:cNvPicPr>
-          <p:nvPr/>
-        </p:nvPicPr>
-        <p:blipFill>
-          <a:blip r:embed="rId5"/>
-          <a:stretch>
-            <a:fillRect/>
-          </a:stretch>
-        </p:blipFill>
-        <p:spPr>
-          <a:xfrm>
-            <a:off x="6958660" y="4265255"/>
-            <a:ext cx="1863744" cy="1668050"/>
-          </a:xfrm>
-          <a:prstGeom prst="roundRect">
-            <a:avLst>
-              <a:gd name="adj" fmla="val 4380"/>
-            </a:avLst>
-          </a:prstGeom>
-          <a:ln w="38100">
-            <a:gradFill flip="none" rotWithShape="1">
-              <a:gsLst>
-                <a:gs pos="0">
-                  <a:schemeClr val="bg2"/>
-                </a:gs>
-                <a:gs pos="100000">
-                  <a:schemeClr val="bg2">
-                    <a:lumMod val="75000"/>
-                  </a:schemeClr>
-                </a:gs>
-              </a:gsLst>
-              <a:lin ang="5400000" scaled="0"/>
-              <a:tileRect/>
-            </a:gradFill>
-          </a:ln>
-          <a:effectLst>
-            <a:innerShdw blurRad="57150" dist="38100" dir="14460000">
-              <a:srgbClr val="000000">
-                <a:alpha val="70000"/>
-              </a:srgbClr>
-            </a:innerShdw>
-          </a:effectLst>
-        </p:spPr>
-        <p:style>
-          <a:lnRef idx="2">
-            <a:schemeClr val="accent1"/>
-          </a:lnRef>
-          <a:fillRef idx="1">
-            <a:schemeClr val="lt1"/>
-          </a:fillRef>
-          <a:effectRef idx="0">
-            <a:schemeClr val="accent1"/>
-          </a:effectRef>
-          <a:fontRef idx="minor">
-            <a:schemeClr val="dk1"/>
-          </a:fontRef>
-        </p:style>
-      </p:pic>
-    </p:spTree>
-    <p:extLst>
-      <p:ext uri="{BB962C8B-B14F-4D97-AF65-F5344CB8AC3E}">
-        <p14:creationId xmlns:p14="http://schemas.microsoft.com/office/powerpoint/2010/main" val="3753466296"/>
       </p:ext>
     </p:extLst>
   </p:cSld>

--- a/rocker_app/static/description/Rocker_install.pptx
+++ b/rocker_app/static/description/Rocker_install.pptx
@@ -8,14 +8,15 @@
     <p:sldId id="282" r:id="rId2"/>
     <p:sldId id="283" r:id="rId3"/>
     <p:sldId id="284" r:id="rId4"/>
-    <p:sldId id="285" r:id="rId5"/>
-    <p:sldId id="286" r:id="rId6"/>
-    <p:sldId id="288" r:id="rId7"/>
-    <p:sldId id="295" r:id="rId8"/>
-    <p:sldId id="291" r:id="rId9"/>
-    <p:sldId id="292" r:id="rId10"/>
-    <p:sldId id="294" r:id="rId11"/>
-    <p:sldId id="277" r:id="rId12"/>
+    <p:sldId id="297" r:id="rId5"/>
+    <p:sldId id="285" r:id="rId6"/>
+    <p:sldId id="286" r:id="rId7"/>
+    <p:sldId id="288" r:id="rId8"/>
+    <p:sldId id="295" r:id="rId9"/>
+    <p:sldId id="291" r:id="rId10"/>
+    <p:sldId id="292" r:id="rId11"/>
+    <p:sldId id="294" r:id="rId12"/>
+    <p:sldId id="277" r:id="rId13"/>
   </p:sldIdLst>
   <p:sldSz cx="12192000" cy="6858000"/>
   <p:notesSz cx="6858000" cy="9144000"/>
@@ -125,7 +126,8 @@
 <file path=ppt/revisionInfo.xml><?xml version="1.0" encoding="utf-8"?>
 <p1510:revInfo xmlns:a="http://schemas.openxmlformats.org/drawingml/2006/main" xmlns:r="http://schemas.openxmlformats.org/officeDocument/2006/relationships" xmlns:p1510="http://schemas.microsoft.com/office/powerpoint/2015/10/main">
   <p1510:revLst>
-    <p1510:client id="{290FC3B9-96DA-48B1-B3BF-D985895C8291}" v="167" dt="2020-01-27T15:40:49.859"/>
+    <p1510:client id="{245EAFD0-4625-4717-A7E4-EFF881F9E981}" v="1" dt="2020-03-19T08:51:18.990"/>
+    <p1510:client id="{BF661082-BE8A-4C72-83E5-4795344B30AD}" v="2" dt="2020-03-19T09:46:19.292"/>
   </p1510:revLst>
 </p1510:revInfo>
 </file>
@@ -1679,6 +1681,38 @@
     </pc:docChg>
   </pc:docChgLst>
   <pc:docChgLst>
+    <pc:chgData name="Antti Kärki" userId="ab9f1eaf7ee70c5c" providerId="LiveId" clId="{245EAFD0-4625-4717-A7E4-EFF881F9E981}"/>
+    <pc:docChg chg="modSld">
+      <pc:chgData name="Antti Kärki" userId="ab9f1eaf7ee70c5c" providerId="LiveId" clId="{245EAFD0-4625-4717-A7E4-EFF881F9E981}" dt="2020-03-19T08:51:24.910" v="34" actId="1076"/>
+      <pc:docMkLst>
+        <pc:docMk/>
+      </pc:docMkLst>
+      <pc:sldChg chg="addSp modSp">
+        <pc:chgData name="Antti Kärki" userId="ab9f1eaf7ee70c5c" providerId="LiveId" clId="{245EAFD0-4625-4717-A7E4-EFF881F9E981}" dt="2020-03-19T08:51:24.910" v="34" actId="1076"/>
+        <pc:sldMkLst>
+          <pc:docMk/>
+          <pc:sldMk cId="3807908021" sldId="297"/>
+        </pc:sldMkLst>
+        <pc:spChg chg="mod">
+          <ac:chgData name="Antti Kärki" userId="ab9f1eaf7ee70c5c" providerId="LiveId" clId="{245EAFD0-4625-4717-A7E4-EFF881F9E981}" dt="2020-03-19T08:43:15.677" v="31" actId="113"/>
+          <ac:spMkLst>
+            <pc:docMk/>
+            <pc:sldMk cId="3807908021" sldId="297"/>
+            <ac:spMk id="3" creationId="{3918CC8C-D3F1-4384-9FB8-E0738C7F621C}"/>
+          </ac:spMkLst>
+        </pc:spChg>
+        <pc:picChg chg="add mod">
+          <ac:chgData name="Antti Kärki" userId="ab9f1eaf7ee70c5c" providerId="LiveId" clId="{245EAFD0-4625-4717-A7E4-EFF881F9E981}" dt="2020-03-19T08:51:24.910" v="34" actId="1076"/>
+          <ac:picMkLst>
+            <pc:docMk/>
+            <pc:sldMk cId="3807908021" sldId="297"/>
+            <ac:picMk id="4" creationId="{4FE2E240-C7D2-41A4-B767-25D6BBEE33FE}"/>
+          </ac:picMkLst>
+        </pc:picChg>
+      </pc:sldChg>
+    </pc:docChg>
+  </pc:docChgLst>
+  <pc:docChgLst>
     <pc:chgData name="Antti Kärki" userId="ab9f1eaf7ee70c5c" providerId="LiveId" clId="{16214568-00C9-4FC1-93E5-88FD43C19225}"/>
     <pc:docChg chg="custSel modSld">
       <pc:chgData name="Antti Kärki" userId="ab9f1eaf7ee70c5c" providerId="LiveId" clId="{16214568-00C9-4FC1-93E5-88FD43C19225}" dt="2020-01-23T15:15:11.827" v="63" actId="20577"/>
@@ -1707,6 +1741,37 @@
             <ac:spMk id="8" creationId="{26104AB3-7D3C-4327-9286-07AE97B73415}"/>
           </ac:spMkLst>
         </pc:spChg>
+      </pc:sldChg>
+    </pc:docChg>
+  </pc:docChgLst>
+  <pc:docChgLst>
+    <pc:chgData name="Antti Kärki" userId="ab9f1eaf7ee70c5c" providerId="LiveId" clId="{BF661082-BE8A-4C72-83E5-4795344B30AD}"/>
+    <pc:docChg chg="custSel delSld modSld">
+      <pc:chgData name="Antti Kärki" userId="ab9f1eaf7ee70c5c" providerId="LiveId" clId="{BF661082-BE8A-4C72-83E5-4795344B30AD}" dt="2020-03-19T09:46:19.292" v="17" actId="207"/>
+      <pc:docMkLst>
+        <pc:docMk/>
+      </pc:docMkLst>
+      <pc:sldChg chg="addSp modSp">
+        <pc:chgData name="Antti Kärki" userId="ab9f1eaf7ee70c5c" providerId="LiveId" clId="{BF661082-BE8A-4C72-83E5-4795344B30AD}" dt="2020-03-19T09:46:19.292" v="17" actId="207"/>
+        <pc:sldMkLst>
+          <pc:docMk/>
+          <pc:sldMk cId="305823356" sldId="285"/>
+        </pc:sldMkLst>
+        <pc:spChg chg="add mod">
+          <ac:chgData name="Antti Kärki" userId="ab9f1eaf7ee70c5c" providerId="LiveId" clId="{BF661082-BE8A-4C72-83E5-4795344B30AD}" dt="2020-03-19T09:46:19.292" v="17" actId="207"/>
+          <ac:spMkLst>
+            <pc:docMk/>
+            <pc:sldMk cId="305823356" sldId="285"/>
+            <ac:spMk id="4" creationId="{6DF4274D-5402-4E4E-AB6B-505BC9B2E0F2}"/>
+          </ac:spMkLst>
+        </pc:spChg>
+      </pc:sldChg>
+      <pc:sldChg chg="del">
+        <pc:chgData name="Antti Kärki" userId="ab9f1eaf7ee70c5c" providerId="LiveId" clId="{BF661082-BE8A-4C72-83E5-4795344B30AD}" dt="2020-03-19T09:45:29.287" v="0" actId="2696"/>
+        <pc:sldMkLst>
+          <pc:docMk/>
+          <pc:sldMk cId="2410279594" sldId="296"/>
+        </pc:sldMkLst>
       </pc:sldChg>
     </pc:docChg>
   </pc:docChgLst>
@@ -4875,7 +4940,7 @@
           <a:p>
             <a:fld id="{2BA53152-5DF5-4979-A537-0FE8AB80BD2D}" type="datetimeFigureOut">
               <a:rPr lang="fi-FI" smtClean="0"/>
-              <a:t>28.1.2020</a:t>
+              <a:t>19.3.2020</a:t>
             </a:fld>
             <a:endParaRPr lang="fi-FI"/>
           </a:p>
@@ -5213,7 +5278,7 @@
           <a:p>
             <a:fld id="{2BA53152-5DF5-4979-A537-0FE8AB80BD2D}" type="datetimeFigureOut">
               <a:rPr lang="fi-FI" smtClean="0"/>
-              <a:t>28.1.2020</a:t>
+              <a:t>19.3.2020</a:t>
             </a:fld>
             <a:endParaRPr lang="fi-FI"/>
           </a:p>
@@ -5614,7 +5679,7 @@
           <a:p>
             <a:fld id="{2BA53152-5DF5-4979-A537-0FE8AB80BD2D}" type="datetimeFigureOut">
               <a:rPr lang="fi-FI" smtClean="0"/>
-              <a:t>28.1.2020</a:t>
+              <a:t>19.3.2020</a:t>
             </a:fld>
             <a:endParaRPr lang="fi-FI"/>
           </a:p>
@@ -5950,7 +6015,7 @@
           <a:p>
             <a:fld id="{2BA53152-5DF5-4979-A537-0FE8AB80BD2D}" type="datetimeFigureOut">
               <a:rPr lang="fi-FI" smtClean="0"/>
-              <a:t>28.1.2020</a:t>
+              <a:t>19.3.2020</a:t>
             </a:fld>
             <a:endParaRPr lang="fi-FI"/>
           </a:p>
@@ -6270,7 +6335,7 @@
           <a:p>
             <a:fld id="{2BA53152-5DF5-4979-A537-0FE8AB80BD2D}" type="datetimeFigureOut">
               <a:rPr lang="fi-FI" smtClean="0"/>
-              <a:t>28.1.2020</a:t>
+              <a:t>19.3.2020</a:t>
             </a:fld>
             <a:endParaRPr lang="fi-FI"/>
           </a:p>
@@ -6666,7 +6731,7 @@
           <a:p>
             <a:fld id="{2BA53152-5DF5-4979-A537-0FE8AB80BD2D}" type="datetimeFigureOut">
               <a:rPr lang="fi-FI" smtClean="0"/>
-              <a:t>28.1.2020</a:t>
+              <a:t>19.3.2020</a:t>
             </a:fld>
             <a:endParaRPr lang="fi-FI"/>
           </a:p>
@@ -6923,7 +6988,7 @@
           <a:p>
             <a:fld id="{2BA53152-5DF5-4979-A537-0FE8AB80BD2D}" type="datetimeFigureOut">
               <a:rPr lang="fi-FI" smtClean="0"/>
-              <a:t>28.1.2020</a:t>
+              <a:t>19.3.2020</a:t>
             </a:fld>
             <a:endParaRPr lang="fi-FI"/>
           </a:p>
@@ -7185,7 +7250,7 @@
           <a:p>
             <a:fld id="{2BA53152-5DF5-4979-A537-0FE8AB80BD2D}" type="datetimeFigureOut">
               <a:rPr lang="fi-FI" smtClean="0"/>
-              <a:t>28.1.2020</a:t>
+              <a:t>19.3.2020</a:t>
             </a:fld>
             <a:endParaRPr lang="fi-FI"/>
           </a:p>
@@ -7447,7 +7512,7 @@
           <a:p>
             <a:fld id="{2BA53152-5DF5-4979-A537-0FE8AB80BD2D}" type="datetimeFigureOut">
               <a:rPr lang="fi-FI" smtClean="0"/>
-              <a:t>28.1.2020</a:t>
+              <a:t>19.3.2020</a:t>
             </a:fld>
             <a:endParaRPr lang="fi-FI"/>
           </a:p>
@@ -7579,10 +7644,10 @@
       </p:sp>
       <p:pic>
         <p:nvPicPr>
-          <p:cNvPr id="9" name="Picture 8">
+          <p:cNvPr id="7" name="Picture 6">
             <a:extLst>
               <a:ext uri="{FF2B5EF4-FFF2-40B4-BE49-F238E27FC236}">
-                <a16:creationId xmlns:a16="http://schemas.microsoft.com/office/drawing/2014/main" id="{57A0DBF6-B7F7-443B-ABA3-E80FC0AFEBC9}"/>
+                <a16:creationId xmlns:a16="http://schemas.microsoft.com/office/drawing/2014/main" id="{7CFC5EF2-6A1C-47AE-9472-291D1AC4EDC5}"/>
               </a:ext>
             </a:extLst>
           </p:cNvPr>
@@ -7599,8 +7664,8 @@
         </p:blipFill>
         <p:spPr>
           <a:xfrm>
-            <a:off x="10646477" y="187472"/>
-            <a:ext cx="1344724" cy="996655"/>
+            <a:off x="10864475" y="227962"/>
+            <a:ext cx="1068601" cy="792296"/>
           </a:xfrm>
           <a:prstGeom prst="rect">
             <a:avLst/>
@@ -7806,7 +7871,7 @@
           <a:p>
             <a:fld id="{2BA53152-5DF5-4979-A537-0FE8AB80BD2D}" type="datetimeFigureOut">
               <a:rPr lang="fi-FI" smtClean="0"/>
-              <a:t>28.1.2020</a:t>
+              <a:t>19.3.2020</a:t>
             </a:fld>
             <a:endParaRPr lang="fi-FI"/>
           </a:p>
@@ -8129,7 +8194,7 @@
           <a:p>
             <a:fld id="{2BA53152-5DF5-4979-A537-0FE8AB80BD2D}" type="datetimeFigureOut">
               <a:rPr lang="fi-FI" smtClean="0"/>
-              <a:t>28.1.2020</a:t>
+              <a:t>19.3.2020</a:t>
             </a:fld>
             <a:endParaRPr lang="fi-FI"/>
           </a:p>
@@ -8586,7 +8651,7 @@
           <a:p>
             <a:fld id="{2BA53152-5DF5-4979-A537-0FE8AB80BD2D}" type="datetimeFigureOut">
               <a:rPr lang="fi-FI" smtClean="0"/>
-              <a:t>28.1.2020</a:t>
+              <a:t>19.3.2020</a:t>
             </a:fld>
             <a:endParaRPr lang="fi-FI"/>
           </a:p>
@@ -8791,7 +8856,7 @@
           <a:p>
             <a:fld id="{2BA53152-5DF5-4979-A537-0FE8AB80BD2D}" type="datetimeFigureOut">
               <a:rPr lang="fi-FI" smtClean="0"/>
-              <a:t>28.1.2020</a:t>
+              <a:t>19.3.2020</a:t>
             </a:fld>
             <a:endParaRPr lang="fi-FI"/>
           </a:p>
@@ -8921,6 +8986,36 @@
           </a:p>
         </p:txBody>
       </p:sp>
+      <p:pic>
+        <p:nvPicPr>
+          <p:cNvPr id="8" name="Picture 7">
+            <a:extLst>
+              <a:ext uri="{FF2B5EF4-FFF2-40B4-BE49-F238E27FC236}">
+                <a16:creationId xmlns:a16="http://schemas.microsoft.com/office/drawing/2014/main" id="{7EF552D6-F6E4-4B9E-A0D8-745DB6E9C0ED}"/>
+              </a:ext>
+            </a:extLst>
+          </p:cNvPr>
+          <p:cNvPicPr>
+            <a:picLocks noChangeAspect="1"/>
+          </p:cNvPicPr>
+          <p:nvPr userDrawn="1"/>
+        </p:nvPicPr>
+        <p:blipFill>
+          <a:blip r:embed="rId2"/>
+          <a:stretch>
+            <a:fillRect/>
+          </a:stretch>
+        </p:blipFill>
+        <p:spPr>
+          <a:xfrm>
+            <a:off x="10864475" y="227962"/>
+            <a:ext cx="1068601" cy="792296"/>
+          </a:xfrm>
+          <a:prstGeom prst="rect">
+            <a:avLst/>
+          </a:prstGeom>
+        </p:spPr>
+      </p:pic>
     </p:spTree>
     <p:extLst>
       <p:ext uri="{BB962C8B-B14F-4D97-AF65-F5344CB8AC3E}">
@@ -8968,7 +9063,7 @@
           <a:p>
             <a:fld id="{2BA53152-5DF5-4979-A537-0FE8AB80BD2D}" type="datetimeFigureOut">
               <a:rPr lang="fi-FI" smtClean="0"/>
-              <a:t>28.1.2020</a:t>
+              <a:t>19.3.2020</a:t>
             </a:fld>
             <a:endParaRPr lang="fi-FI"/>
           </a:p>
@@ -9301,7 +9396,7 @@
           <a:p>
             <a:fld id="{2BA53152-5DF5-4979-A537-0FE8AB80BD2D}" type="datetimeFigureOut">
               <a:rPr lang="fi-FI" smtClean="0"/>
-              <a:t>28.1.2020</a:t>
+              <a:t>19.3.2020</a:t>
             </a:fld>
             <a:endParaRPr lang="fi-FI"/>
           </a:p>
@@ -9646,7 +9741,7 @@
           <a:p>
             <a:fld id="{2BA53152-5DF5-4979-A537-0FE8AB80BD2D}" type="datetimeFigureOut">
               <a:rPr lang="fi-FI" smtClean="0"/>
-              <a:t>28.1.2020</a:t>
+              <a:t>19.3.2020</a:t>
             </a:fld>
             <a:endParaRPr lang="fi-FI"/>
           </a:p>
@@ -11763,7 +11858,7 @@
           <a:p>
             <a:fld id="{2BA53152-5DF5-4979-A537-0FE8AB80BD2D}" type="datetimeFigureOut">
               <a:rPr lang="fi-FI" smtClean="0"/>
-              <a:t>28.1.2020</a:t>
+              <a:t>19.3.2020</a:t>
             </a:fld>
             <a:endParaRPr lang="fi-FI"/>
           </a:p>
@@ -12308,8 +12403,16 @@
           <a:lstStyle/>
           <a:p>
             <a:r>
+              <a:rPr lang="fi-FI" dirty="0" err="1"/>
+              <a:t>Rocker</a:t>
+            </a:r>
+            <a:r>
               <a:rPr lang="fi-FI"/>
-              <a:t>Rocker Reporting</a:t>
+              <a:t> Reporting </a:t>
+            </a:r>
+            <a:r>
+              <a:rPr lang="fi-FI" dirty="0"/>
+              <a:t>V2</a:t>
             </a:r>
             <a:endParaRPr lang="en-US" dirty="0"/>
           </a:p>
@@ -12337,8 +12440,12 @@
           <a:lstStyle/>
           <a:p>
             <a:r>
-              <a:rPr lang="fi-FI"/>
-              <a:t>Installation Guide</a:t>
+              <a:rPr lang="fi-FI" dirty="0" err="1"/>
+              <a:t>Installation</a:t>
+            </a:r>
+            <a:r>
+              <a:rPr lang="fi-FI" dirty="0"/>
+              <a:t> Guide</a:t>
             </a:r>
             <a:endParaRPr lang="en-US" dirty="0"/>
           </a:p>
@@ -12346,10 +12453,10 @@
       </p:sp>
       <p:pic>
         <p:nvPicPr>
-          <p:cNvPr id="12" name="Picture 11">
+          <p:cNvPr id="4" name="Picture 3">
             <a:extLst>
               <a:ext uri="{FF2B5EF4-FFF2-40B4-BE49-F238E27FC236}">
-                <a16:creationId xmlns:a16="http://schemas.microsoft.com/office/drawing/2014/main" id="{807CDF7D-A680-4616-AB9A-556293FE6652}"/>
+                <a16:creationId xmlns:a16="http://schemas.microsoft.com/office/drawing/2014/main" id="{3DC41C6F-62CD-4ED5-9EB3-BB2397B54E35}"/>
               </a:ext>
             </a:extLst>
           </p:cNvPr>
@@ -12366,8 +12473,8 @@
         </p:blipFill>
         <p:spPr>
           <a:xfrm>
-            <a:off x="6895864" y="1169880"/>
-            <a:ext cx="3304051" cy="2449733"/>
+            <a:off x="7659637" y="880228"/>
+            <a:ext cx="3238033" cy="2400785"/>
           </a:xfrm>
           <a:prstGeom prst="rect">
             <a:avLst/>
@@ -12388,6 +12495,416 @@
 </file>
 
 <file path=ppt/slides/slide10.xml><?xml version="1.0" encoding="utf-8"?>
+<p:sld xmlns:a="http://schemas.openxmlformats.org/drawingml/2006/main" xmlns:r="http://schemas.openxmlformats.org/officeDocument/2006/relationships" xmlns:p="http://schemas.openxmlformats.org/presentationml/2006/main">
+  <p:cSld>
+    <p:bg>
+      <p:bgPr>
+        <a:blipFill rotWithShape="1">
+          <a:blip r:embed="rId2">
+            <a:duotone>
+              <a:schemeClr val="bg2">
+                <a:shade val="76000"/>
+                <a:satMod val="180000"/>
+              </a:schemeClr>
+              <a:schemeClr val="bg2">
+                <a:tint val="80000"/>
+                <a:satMod val="120000"/>
+                <a:lumMod val="180000"/>
+              </a:schemeClr>
+            </a:duotone>
+          </a:blip>
+          <a:stretch/>
+        </a:blipFill>
+        <a:effectLst/>
+      </p:bgPr>
+    </p:bg>
+    <p:spTree>
+      <p:nvGrpSpPr>
+        <p:cNvPr id="1" name=""/>
+        <p:cNvGrpSpPr/>
+        <p:nvPr/>
+      </p:nvGrpSpPr>
+      <p:grpSpPr>
+        <a:xfrm>
+          <a:off x="0" y="0"/>
+          <a:ext cx="0" cy="0"/>
+          <a:chOff x="0" y="0"/>
+          <a:chExt cx="0" cy="0"/>
+        </a:xfrm>
+      </p:grpSpPr>
+      <p:sp>
+        <p:nvSpPr>
+          <p:cNvPr id="2" name="Otsikko 1">
+            <a:extLst>
+              <a:ext uri="{FF2B5EF4-FFF2-40B4-BE49-F238E27FC236}">
+                <a16:creationId xmlns:a16="http://schemas.microsoft.com/office/drawing/2014/main" id="{00619EB1-3DA1-4009-A947-B71E1BBF0695}"/>
+              </a:ext>
+            </a:extLst>
+          </p:cNvPr>
+          <p:cNvSpPr>
+            <a:spLocks noGrp="1"/>
+          </p:cNvSpPr>
+          <p:nvPr>
+            <p:ph type="title"/>
+          </p:nvPr>
+        </p:nvSpPr>
+        <p:spPr>
+          <a:xfrm>
+            <a:off x="1484312" y="685800"/>
+            <a:ext cx="4074345" cy="1752599"/>
+          </a:xfrm>
+        </p:spPr>
+        <p:txBody>
+          <a:bodyPr>
+            <a:normAutofit fontScale="90000"/>
+          </a:bodyPr>
+          <a:lstStyle/>
+          <a:p>
+            <a:pPr>
+              <a:lnSpc>
+                <a:spcPct val="90000"/>
+              </a:lnSpc>
+            </a:pPr>
+            <a:r>
+              <a:rPr lang="fi-FI" sz="3700"/>
+              <a:t>Create database / datasource for MySQL or MariaDB</a:t>
+            </a:r>
+            <a:endParaRPr lang="en-US" sz="3700"/>
+          </a:p>
+        </p:txBody>
+      </p:sp>
+      <p:sp>
+        <p:nvSpPr>
+          <p:cNvPr id="8" name="Content Placeholder 7">
+            <a:extLst>
+              <a:ext uri="{FF2B5EF4-FFF2-40B4-BE49-F238E27FC236}">
+                <a16:creationId xmlns:a16="http://schemas.microsoft.com/office/drawing/2014/main" id="{1E86017D-A4ED-4C23-BEFB-3386A1BD9842}"/>
+              </a:ext>
+            </a:extLst>
+          </p:cNvPr>
+          <p:cNvSpPr>
+            <a:spLocks noGrp="1"/>
+          </p:cNvSpPr>
+          <p:nvPr>
+            <p:ph idx="1"/>
+          </p:nvPr>
+        </p:nvSpPr>
+        <p:spPr>
+          <a:xfrm>
+            <a:off x="1484311" y="2666999"/>
+            <a:ext cx="4074345" cy="3124201"/>
+          </a:xfrm>
+        </p:spPr>
+        <p:txBody>
+          <a:bodyPr>
+            <a:normAutofit/>
+          </a:bodyPr>
+          <a:lstStyle/>
+          <a:p>
+            <a:pPr>
+              <a:lnSpc>
+                <a:spcPct val="90000"/>
+              </a:lnSpc>
+            </a:pPr>
+            <a:r>
+              <a:rPr lang="en-US" sz="1500"/>
+              <a:t>C:\Program Files (x86)\Odoo 12.0\python\Scripts&gt; </a:t>
+            </a:r>
+            <a:r>
+              <a:rPr lang="fi-FI" sz="1500"/>
+              <a:t>pip install mysql-connector-python</a:t>
+            </a:r>
+          </a:p>
+          <a:p>
+            <a:pPr>
+              <a:lnSpc>
+                <a:spcPct val="90000"/>
+              </a:lnSpc>
+            </a:pPr>
+            <a:r>
+              <a:rPr lang="fi-FI" sz="1500"/>
+              <a:t>Select Databases from menu</a:t>
+            </a:r>
+          </a:p>
+          <a:p>
+            <a:pPr>
+              <a:lnSpc>
+                <a:spcPct val="90000"/>
+              </a:lnSpc>
+            </a:pPr>
+            <a:r>
+              <a:rPr lang="fi-FI" sz="1500" err="1"/>
+              <a:t>Create</a:t>
+            </a:r>
+            <a:r>
+              <a:rPr lang="fi-FI" sz="1500"/>
+              <a:t>…</a:t>
+            </a:r>
+          </a:p>
+          <a:p>
+            <a:pPr>
+              <a:lnSpc>
+                <a:spcPct val="90000"/>
+              </a:lnSpc>
+            </a:pPr>
+            <a:r>
+              <a:rPr lang="en-US" sz="1500"/>
+              <a:t>Select MySQL or MariaDB driver, Change database name &amp; other data when necessary</a:t>
+            </a:r>
+          </a:p>
+          <a:p>
+            <a:pPr>
+              <a:lnSpc>
+                <a:spcPct val="90000"/>
+              </a:lnSpc>
+            </a:pPr>
+            <a:r>
+              <a:rPr lang="en-US" sz="1500"/>
+              <a:t>Save</a:t>
+            </a:r>
+          </a:p>
+          <a:p>
+            <a:pPr>
+              <a:lnSpc>
+                <a:spcPct val="90000"/>
+              </a:lnSpc>
+            </a:pPr>
+            <a:r>
+              <a:rPr lang="en-US" sz="1500"/>
+              <a:t>Test connection</a:t>
+            </a:r>
+          </a:p>
+          <a:p>
+            <a:pPr>
+              <a:lnSpc>
+                <a:spcPct val="90000"/>
+              </a:lnSpc>
+            </a:pPr>
+            <a:endParaRPr lang="en-US" sz="1500"/>
+          </a:p>
+        </p:txBody>
+      </p:sp>
+      <p:pic>
+        <p:nvPicPr>
+          <p:cNvPr id="10" name="Picture 9">
+            <a:extLst>
+              <a:ext uri="{FF2B5EF4-FFF2-40B4-BE49-F238E27FC236}">
+                <a16:creationId xmlns:a16="http://schemas.microsoft.com/office/drawing/2014/main" id="{2C93426E-37D2-40B9-8CEB-2DA7DBEE2D4C}"/>
+              </a:ext>
+            </a:extLst>
+          </p:cNvPr>
+          <p:cNvPicPr>
+            <a:picLocks noChangeAspect="1"/>
+          </p:cNvPicPr>
+          <p:nvPr/>
+        </p:nvPicPr>
+        <p:blipFill>
+          <a:blip r:embed="rId3"/>
+          <a:stretch>
+            <a:fillRect/>
+          </a:stretch>
+        </p:blipFill>
+        <p:spPr>
+          <a:xfrm>
+            <a:off x="6633345" y="930557"/>
+            <a:ext cx="3086713" cy="2338185"/>
+          </a:xfrm>
+          <a:prstGeom prst="roundRect">
+            <a:avLst>
+              <a:gd name="adj" fmla="val 4380"/>
+            </a:avLst>
+          </a:prstGeom>
+          <a:ln w="38100">
+            <a:gradFill flip="none" rotWithShape="1">
+              <a:gsLst>
+                <a:gs pos="0">
+                  <a:schemeClr val="bg2"/>
+                </a:gs>
+                <a:gs pos="100000">
+                  <a:schemeClr val="bg2">
+                    <a:lumMod val="75000"/>
+                  </a:schemeClr>
+                </a:gs>
+              </a:gsLst>
+              <a:lin ang="5400000" scaled="0"/>
+              <a:tileRect/>
+            </a:gradFill>
+          </a:ln>
+          <a:effectLst>
+            <a:innerShdw blurRad="57150" dist="38100" dir="14460000">
+              <a:srgbClr val="000000">
+                <a:alpha val="70000"/>
+              </a:srgbClr>
+            </a:innerShdw>
+          </a:effectLst>
+        </p:spPr>
+        <p:style>
+          <a:lnRef idx="2">
+            <a:schemeClr val="accent1"/>
+          </a:lnRef>
+          <a:fillRef idx="1">
+            <a:schemeClr val="lt1"/>
+          </a:fillRef>
+          <a:effectRef idx="0">
+            <a:schemeClr val="accent1"/>
+          </a:effectRef>
+          <a:fontRef idx="minor">
+            <a:schemeClr val="dk1"/>
+          </a:fontRef>
+        </p:style>
+      </p:pic>
+      <p:pic>
+        <p:nvPicPr>
+          <p:cNvPr id="11" name="Picture 10">
+            <a:extLst>
+              <a:ext uri="{FF2B5EF4-FFF2-40B4-BE49-F238E27FC236}">
+                <a16:creationId xmlns:a16="http://schemas.microsoft.com/office/drawing/2014/main" id="{FF45B3DD-4EF4-451F-BC0B-9A61676FAD65}"/>
+              </a:ext>
+            </a:extLst>
+          </p:cNvPr>
+          <p:cNvPicPr>
+            <a:picLocks noChangeAspect="1"/>
+          </p:cNvPicPr>
+          <p:nvPr/>
+        </p:nvPicPr>
+        <p:blipFill>
+          <a:blip r:embed="rId4"/>
+          <a:stretch>
+            <a:fillRect/>
+          </a:stretch>
+        </p:blipFill>
+        <p:spPr>
+          <a:xfrm>
+            <a:off x="8708800" y="2008378"/>
+            <a:ext cx="3036604" cy="2338185"/>
+          </a:xfrm>
+          <a:prstGeom prst="roundRect">
+            <a:avLst>
+              <a:gd name="adj" fmla="val 4380"/>
+            </a:avLst>
+          </a:prstGeom>
+          <a:ln w="38100">
+            <a:gradFill flip="none" rotWithShape="1">
+              <a:gsLst>
+                <a:gs pos="0">
+                  <a:schemeClr val="bg2"/>
+                </a:gs>
+                <a:gs pos="100000">
+                  <a:schemeClr val="bg2">
+                    <a:lumMod val="75000"/>
+                  </a:schemeClr>
+                </a:gs>
+              </a:gsLst>
+              <a:lin ang="5400000" scaled="0"/>
+              <a:tileRect/>
+            </a:gradFill>
+          </a:ln>
+          <a:effectLst>
+            <a:innerShdw blurRad="57150" dist="38100" dir="14460000">
+              <a:srgbClr val="000000">
+                <a:alpha val="70000"/>
+              </a:srgbClr>
+            </a:innerShdw>
+          </a:effectLst>
+        </p:spPr>
+        <p:style>
+          <a:lnRef idx="2">
+            <a:schemeClr val="accent1"/>
+          </a:lnRef>
+          <a:fillRef idx="1">
+            <a:schemeClr val="lt1"/>
+          </a:fillRef>
+          <a:effectRef idx="0">
+            <a:schemeClr val="accent1"/>
+          </a:effectRef>
+          <a:fontRef idx="minor">
+            <a:schemeClr val="dk1"/>
+          </a:fontRef>
+        </p:style>
+      </p:pic>
+      <p:pic>
+        <p:nvPicPr>
+          <p:cNvPr id="6" name="Kuva 5">
+            <a:extLst>
+              <a:ext uri="{FF2B5EF4-FFF2-40B4-BE49-F238E27FC236}">
+                <a16:creationId xmlns:a16="http://schemas.microsoft.com/office/drawing/2014/main" id="{3C5D5E0C-B6AA-4048-A7A1-F0E7C4B784A1}"/>
+              </a:ext>
+            </a:extLst>
+          </p:cNvPr>
+          <p:cNvPicPr>
+            <a:picLocks noChangeAspect="1"/>
+          </p:cNvPicPr>
+          <p:nvPr/>
+        </p:nvPicPr>
+        <p:blipFill>
+          <a:blip r:embed="rId5"/>
+          <a:stretch>
+            <a:fillRect/>
+          </a:stretch>
+        </p:blipFill>
+        <p:spPr>
+          <a:xfrm>
+            <a:off x="6958660" y="4265255"/>
+            <a:ext cx="1863744" cy="1668050"/>
+          </a:xfrm>
+          <a:prstGeom prst="roundRect">
+            <a:avLst>
+              <a:gd name="adj" fmla="val 4380"/>
+            </a:avLst>
+          </a:prstGeom>
+          <a:ln w="38100">
+            <a:gradFill flip="none" rotWithShape="1">
+              <a:gsLst>
+                <a:gs pos="0">
+                  <a:schemeClr val="bg2"/>
+                </a:gs>
+                <a:gs pos="100000">
+                  <a:schemeClr val="bg2">
+                    <a:lumMod val="75000"/>
+                  </a:schemeClr>
+                </a:gs>
+              </a:gsLst>
+              <a:lin ang="5400000" scaled="0"/>
+              <a:tileRect/>
+            </a:gradFill>
+          </a:ln>
+          <a:effectLst>
+            <a:innerShdw blurRad="57150" dist="38100" dir="14460000">
+              <a:srgbClr val="000000">
+                <a:alpha val="70000"/>
+              </a:srgbClr>
+            </a:innerShdw>
+          </a:effectLst>
+        </p:spPr>
+        <p:style>
+          <a:lnRef idx="2">
+            <a:schemeClr val="accent1"/>
+          </a:lnRef>
+          <a:fillRef idx="1">
+            <a:schemeClr val="lt1"/>
+          </a:fillRef>
+          <a:effectRef idx="0">
+            <a:schemeClr val="accent1"/>
+          </a:effectRef>
+          <a:fontRef idx="minor">
+            <a:schemeClr val="dk1"/>
+          </a:fontRef>
+        </p:style>
+      </p:pic>
+    </p:spTree>
+    <p:extLst>
+      <p:ext uri="{BB962C8B-B14F-4D97-AF65-F5344CB8AC3E}">
+        <p14:creationId xmlns:p14="http://schemas.microsoft.com/office/powerpoint/2010/main" val="3753466296"/>
+      </p:ext>
+    </p:extLst>
+  </p:cSld>
+  <p:clrMapOvr>
+    <a:masterClrMapping/>
+  </p:clrMapOvr>
+</p:sld>
+</file>
+
+<file path=ppt/slides/slide11.xml><?xml version="1.0" encoding="utf-8"?>
 <p:sld xmlns:a="http://schemas.openxmlformats.org/drawingml/2006/main" xmlns:r="http://schemas.openxmlformats.org/officeDocument/2006/relationships" xmlns:p="http://schemas.openxmlformats.org/presentationml/2006/main">
   <p:cSld>
     <p:bg>
@@ -12841,7 +13358,7 @@
 </p:sld>
 </file>
 
-<file path=ppt/slides/slide11.xml><?xml version="1.0" encoding="utf-8"?>
+<file path=ppt/slides/slide12.xml><?xml version="1.0" encoding="utf-8"?>
 <p:sld xmlns:a="http://schemas.openxmlformats.org/drawingml/2006/main" xmlns:r="http://schemas.openxmlformats.org/officeDocument/2006/relationships" xmlns:p="http://schemas.openxmlformats.org/presentationml/2006/main">
   <p:cSld>
     <p:bg>
@@ -13130,7 +13647,35 @@
           <a:p>
             <a:r>
               <a:rPr lang="fi-FI" dirty="0"/>
-              <a:t>Install Odoo 12 for Windows</a:t>
+              <a:t>Install </a:t>
+            </a:r>
+            <a:r>
+              <a:rPr lang="fi-FI" dirty="0" err="1"/>
+              <a:t>Odoo</a:t>
+            </a:r>
+            <a:r>
+              <a:rPr lang="fi-FI" dirty="0"/>
+              <a:t> 12 </a:t>
+            </a:r>
+            <a:r>
+              <a:rPr lang="fi-FI" dirty="0" err="1"/>
+              <a:t>or</a:t>
+            </a:r>
+            <a:r>
+              <a:rPr lang="fi-FI" dirty="0"/>
+              <a:t> </a:t>
+            </a:r>
+            <a:r>
+              <a:rPr lang="fi-FI" dirty="0" err="1"/>
+              <a:t>Odoo</a:t>
+            </a:r>
+            <a:r>
+              <a:rPr lang="fi-FI"/>
+              <a:t> 13 </a:t>
+            </a:r>
+            <a:r>
+              <a:rPr lang="fi-FI" dirty="0"/>
+              <a:t>for Windows</a:t>
             </a:r>
             <a:endParaRPr lang="en-US" dirty="0"/>
           </a:p>
@@ -13438,6 +13983,160 @@
 <file path=ppt/slides/slide4.xml><?xml version="1.0" encoding="utf-8"?>
 <p:sld xmlns:a="http://schemas.openxmlformats.org/drawingml/2006/main" xmlns:r="http://schemas.openxmlformats.org/officeDocument/2006/relationships" xmlns:p="http://schemas.openxmlformats.org/presentationml/2006/main">
   <p:cSld>
+    <p:spTree>
+      <p:nvGrpSpPr>
+        <p:cNvPr id="1" name=""/>
+        <p:cNvGrpSpPr/>
+        <p:nvPr/>
+      </p:nvGrpSpPr>
+      <p:grpSpPr>
+        <a:xfrm>
+          <a:off x="0" y="0"/>
+          <a:ext cx="0" cy="0"/>
+          <a:chOff x="0" y="0"/>
+          <a:chExt cx="0" cy="0"/>
+        </a:xfrm>
+      </p:grpSpPr>
+      <p:sp>
+        <p:nvSpPr>
+          <p:cNvPr id="2" name="Title 1">
+            <a:extLst>
+              <a:ext uri="{FF2B5EF4-FFF2-40B4-BE49-F238E27FC236}">
+                <a16:creationId xmlns:a16="http://schemas.microsoft.com/office/drawing/2014/main" id="{9047B0D6-4DD6-4E61-96B4-69E091EB6400}"/>
+              </a:ext>
+            </a:extLst>
+          </p:cNvPr>
+          <p:cNvSpPr>
+            <a:spLocks noGrp="1"/>
+          </p:cNvSpPr>
+          <p:nvPr>
+            <p:ph type="title"/>
+          </p:nvPr>
+        </p:nvSpPr>
+        <p:spPr/>
+        <p:txBody>
+          <a:bodyPr/>
+          <a:lstStyle/>
+          <a:p>
+            <a:r>
+              <a:rPr lang="fi-FI" dirty="0" err="1"/>
+              <a:t>PowerPoints</a:t>
+            </a:r>
+            <a:r>
+              <a:rPr lang="fi-FI" dirty="0"/>
+              <a:t>: </a:t>
+            </a:r>
+            <a:r>
+              <a:rPr lang="fi-FI" dirty="0" err="1"/>
+              <a:t>Install</a:t>
+            </a:r>
+            <a:r>
+              <a:rPr lang="fi-FI" dirty="0"/>
+              <a:t> python-</a:t>
+            </a:r>
+            <a:r>
+              <a:rPr lang="fi-FI" dirty="0" err="1"/>
+              <a:t>pptx</a:t>
+            </a:r>
+            <a:endParaRPr lang="en-US" dirty="0"/>
+          </a:p>
+        </p:txBody>
+      </p:sp>
+      <p:sp>
+        <p:nvSpPr>
+          <p:cNvPr id="3" name="Content Placeholder 2">
+            <a:extLst>
+              <a:ext uri="{FF2B5EF4-FFF2-40B4-BE49-F238E27FC236}">
+                <a16:creationId xmlns:a16="http://schemas.microsoft.com/office/drawing/2014/main" id="{3918CC8C-D3F1-4384-9FB8-E0738C7F621C}"/>
+              </a:ext>
+            </a:extLst>
+          </p:cNvPr>
+          <p:cNvSpPr>
+            <a:spLocks noGrp="1"/>
+          </p:cNvSpPr>
+          <p:nvPr>
+            <p:ph idx="1"/>
+          </p:nvPr>
+        </p:nvSpPr>
+        <p:spPr>
+          <a:xfrm>
+            <a:off x="1926738" y="2114939"/>
+            <a:ext cx="8915400" cy="3777622"/>
+          </a:xfrm>
+        </p:spPr>
+        <p:txBody>
+          <a:bodyPr/>
+          <a:lstStyle/>
+          <a:p>
+            <a:r>
+              <a:rPr lang="en-US" sz="2000" b="1" dirty="0"/>
+              <a:t>Start CMD  with Administrator rights</a:t>
+            </a:r>
+          </a:p>
+          <a:p>
+            <a:endParaRPr lang="en-US" dirty="0"/>
+          </a:p>
+          <a:p>
+            <a:r>
+              <a:rPr lang="en-US" dirty="0"/>
+              <a:t>Execute:</a:t>
+            </a:r>
+          </a:p>
+          <a:p>
+            <a:pPr lvl="1"/>
+            <a:r>
+              <a:rPr lang="en-US" sz="2000" b="1" dirty="0"/>
+              <a:t>"C:\Program Files (x86)\Odoo 13.0\python\python" "C:\Program Files (x86)\Odoo 12.0\python\Scripts\pip.exe" install python-pptx</a:t>
+            </a:r>
+          </a:p>
+        </p:txBody>
+      </p:sp>
+      <p:pic>
+        <p:nvPicPr>
+          <p:cNvPr id="4" name="Picture 3">
+            <a:extLst>
+              <a:ext uri="{FF2B5EF4-FFF2-40B4-BE49-F238E27FC236}">
+                <a16:creationId xmlns:a16="http://schemas.microsoft.com/office/drawing/2014/main" id="{4FE2E240-C7D2-41A4-B767-25D6BBEE33FE}"/>
+              </a:ext>
+            </a:extLst>
+          </p:cNvPr>
+          <p:cNvPicPr>
+            <a:picLocks noChangeAspect="1"/>
+          </p:cNvPicPr>
+          <p:nvPr/>
+        </p:nvPicPr>
+        <p:blipFill>
+          <a:blip r:embed="rId2"/>
+          <a:stretch>
+            <a:fillRect/>
+          </a:stretch>
+        </p:blipFill>
+        <p:spPr>
+          <a:xfrm>
+            <a:off x="6591996" y="4251489"/>
+            <a:ext cx="4073374" cy="2237290"/>
+          </a:xfrm>
+          <a:prstGeom prst="rect">
+            <a:avLst/>
+          </a:prstGeom>
+        </p:spPr>
+      </p:pic>
+    </p:spTree>
+    <p:extLst>
+      <p:ext uri="{BB962C8B-B14F-4D97-AF65-F5344CB8AC3E}">
+        <p14:creationId xmlns:p14="http://schemas.microsoft.com/office/powerpoint/2010/main" val="3807908021"/>
+      </p:ext>
+    </p:extLst>
+  </p:cSld>
+  <p:clrMapOvr>
+    <a:masterClrMapping/>
+  </p:clrMapOvr>
+</p:sld>
+</file>
+
+<file path=ppt/slides/slide5.xml><?xml version="1.0" encoding="utf-8"?>
+<p:sld xmlns:a="http://schemas.openxmlformats.org/drawingml/2006/main" xmlns:r="http://schemas.openxmlformats.org/officeDocument/2006/relationships" xmlns:p="http://schemas.openxmlformats.org/presentationml/2006/main">
+  <p:cSld>
     <p:bg>
       <p:bgPr>
         <a:blipFill rotWithShape="1">
@@ -13627,6 +14326,58 @@
           </a:p>
         </p:txBody>
       </p:sp>
+      <p:sp>
+        <p:nvSpPr>
+          <p:cNvPr id="4" name="TextBox 3">
+            <a:extLst>
+              <a:ext uri="{FF2B5EF4-FFF2-40B4-BE49-F238E27FC236}">
+                <a16:creationId xmlns:a16="http://schemas.microsoft.com/office/drawing/2014/main" id="{6DF4274D-5402-4E4E-AB6B-505BC9B2E0F2}"/>
+              </a:ext>
+            </a:extLst>
+          </p:cNvPr>
+          <p:cNvSpPr txBox="1"/>
+          <p:nvPr/>
+        </p:nvSpPr>
+        <p:spPr>
+          <a:xfrm>
+            <a:off x="8340635" y="4936350"/>
+            <a:ext cx="1691489" cy="369332"/>
+          </a:xfrm>
+          <a:prstGeom prst="rect">
+            <a:avLst/>
+          </a:prstGeom>
+          <a:solidFill>
+            <a:srgbClr val="FFFF00"/>
+          </a:solidFill>
+        </p:spPr>
+        <p:style>
+          <a:lnRef idx="1">
+            <a:schemeClr val="accent5"/>
+          </a:lnRef>
+          <a:fillRef idx="2">
+            <a:schemeClr val="accent5"/>
+          </a:fillRef>
+          <a:effectRef idx="1">
+            <a:schemeClr val="accent5"/>
+          </a:effectRef>
+          <a:fontRef idx="minor">
+            <a:schemeClr val="dk1"/>
+          </a:fontRef>
+        </p:style>
+        <p:txBody>
+          <a:bodyPr wrap="none" rtlCol="0">
+            <a:spAutoFit/>
+          </a:bodyPr>
+          <a:lstStyle/>
+          <a:p>
+            <a:r>
+              <a:rPr lang="fi-FI" dirty="0"/>
+              <a:t>Or Odoo 13.0</a:t>
+            </a:r>
+            <a:endParaRPr lang="en-US" dirty="0"/>
+          </a:p>
+        </p:txBody>
+      </p:sp>
     </p:spTree>
     <p:extLst>
       <p:ext uri="{BB962C8B-B14F-4D97-AF65-F5344CB8AC3E}">
@@ -13640,7 +14391,7 @@
 </p:sld>
 </file>
 
-<file path=ppt/slides/slide5.xml><?xml version="1.0" encoding="utf-8"?>
+<file path=ppt/slides/slide6.xml><?xml version="1.0" encoding="utf-8"?>
 <p:sld xmlns:a="http://schemas.openxmlformats.org/drawingml/2006/main" xmlns:r="http://schemas.openxmlformats.org/officeDocument/2006/relationships" xmlns:p="http://schemas.openxmlformats.org/presentationml/2006/main">
   <p:cSld>
     <p:bg>
@@ -13830,7 +14581,7 @@
 </p:sld>
 </file>
 
-<file path=ppt/slides/slide6.xml><?xml version="1.0" encoding="utf-8"?>
+<file path=ppt/slides/slide7.xml><?xml version="1.0" encoding="utf-8"?>
 <p:sld xmlns:a="http://schemas.openxmlformats.org/drawingml/2006/main" xmlns:r="http://schemas.openxmlformats.org/officeDocument/2006/relationships" xmlns:p="http://schemas.openxmlformats.org/presentationml/2006/main">
   <p:cSld>
     <p:bg>
@@ -14220,7 +14971,7 @@
 </p:sld>
 </file>
 
-<file path=ppt/slides/slide7.xml><?xml version="1.0" encoding="utf-8"?>
+<file path=ppt/slides/slide8.xml><?xml version="1.0" encoding="utf-8"?>
 <p:sld xmlns:a="http://schemas.openxmlformats.org/drawingml/2006/main" xmlns:r="http://schemas.openxmlformats.org/officeDocument/2006/relationships" xmlns:p="http://schemas.openxmlformats.org/presentationml/2006/main">
   <p:cSld>
     <p:bg>
@@ -14593,7 +15344,7 @@
 </p:sld>
 </file>
 
-<file path=ppt/slides/slide8.xml><?xml version="1.0" encoding="utf-8"?>
+<file path=ppt/slides/slide9.xml><?xml version="1.0" encoding="utf-8"?>
 <p:sld xmlns:a="http://schemas.openxmlformats.org/drawingml/2006/main" xmlns:r="http://schemas.openxmlformats.org/officeDocument/2006/relationships" xmlns:p="http://schemas.openxmlformats.org/presentationml/2006/main">
   <p:cSld>
     <p:bg>
@@ -15057,416 +15808,6 @@
     <p:extLst>
       <p:ext uri="{BB962C8B-B14F-4D97-AF65-F5344CB8AC3E}">
         <p14:creationId xmlns:p14="http://schemas.microsoft.com/office/powerpoint/2010/main" val="2140034028"/>
-      </p:ext>
-    </p:extLst>
-  </p:cSld>
-  <p:clrMapOvr>
-    <a:masterClrMapping/>
-  </p:clrMapOvr>
-</p:sld>
-</file>
-
-<file path=ppt/slides/slide9.xml><?xml version="1.0" encoding="utf-8"?>
-<p:sld xmlns:a="http://schemas.openxmlformats.org/drawingml/2006/main" xmlns:r="http://schemas.openxmlformats.org/officeDocument/2006/relationships" xmlns:p="http://schemas.openxmlformats.org/presentationml/2006/main">
-  <p:cSld>
-    <p:bg>
-      <p:bgPr>
-        <a:blipFill rotWithShape="1">
-          <a:blip r:embed="rId2">
-            <a:duotone>
-              <a:schemeClr val="bg2">
-                <a:shade val="76000"/>
-                <a:satMod val="180000"/>
-              </a:schemeClr>
-              <a:schemeClr val="bg2">
-                <a:tint val="80000"/>
-                <a:satMod val="120000"/>
-                <a:lumMod val="180000"/>
-              </a:schemeClr>
-            </a:duotone>
-          </a:blip>
-          <a:stretch/>
-        </a:blipFill>
-        <a:effectLst/>
-      </p:bgPr>
-    </p:bg>
-    <p:spTree>
-      <p:nvGrpSpPr>
-        <p:cNvPr id="1" name=""/>
-        <p:cNvGrpSpPr/>
-        <p:nvPr/>
-      </p:nvGrpSpPr>
-      <p:grpSpPr>
-        <a:xfrm>
-          <a:off x="0" y="0"/>
-          <a:ext cx="0" cy="0"/>
-          <a:chOff x="0" y="0"/>
-          <a:chExt cx="0" cy="0"/>
-        </a:xfrm>
-      </p:grpSpPr>
-      <p:sp>
-        <p:nvSpPr>
-          <p:cNvPr id="2" name="Otsikko 1">
-            <a:extLst>
-              <a:ext uri="{FF2B5EF4-FFF2-40B4-BE49-F238E27FC236}">
-                <a16:creationId xmlns:a16="http://schemas.microsoft.com/office/drawing/2014/main" id="{00619EB1-3DA1-4009-A947-B71E1BBF0695}"/>
-              </a:ext>
-            </a:extLst>
-          </p:cNvPr>
-          <p:cNvSpPr>
-            <a:spLocks noGrp="1"/>
-          </p:cNvSpPr>
-          <p:nvPr>
-            <p:ph type="title"/>
-          </p:nvPr>
-        </p:nvSpPr>
-        <p:spPr>
-          <a:xfrm>
-            <a:off x="1484312" y="685800"/>
-            <a:ext cx="4074345" cy="1752599"/>
-          </a:xfrm>
-        </p:spPr>
-        <p:txBody>
-          <a:bodyPr>
-            <a:normAutofit fontScale="90000"/>
-          </a:bodyPr>
-          <a:lstStyle/>
-          <a:p>
-            <a:pPr>
-              <a:lnSpc>
-                <a:spcPct val="90000"/>
-              </a:lnSpc>
-            </a:pPr>
-            <a:r>
-              <a:rPr lang="fi-FI" sz="3700"/>
-              <a:t>Create database / datasource for MySQL or MariaDB</a:t>
-            </a:r>
-            <a:endParaRPr lang="en-US" sz="3700"/>
-          </a:p>
-        </p:txBody>
-      </p:sp>
-      <p:sp>
-        <p:nvSpPr>
-          <p:cNvPr id="8" name="Content Placeholder 7">
-            <a:extLst>
-              <a:ext uri="{FF2B5EF4-FFF2-40B4-BE49-F238E27FC236}">
-                <a16:creationId xmlns:a16="http://schemas.microsoft.com/office/drawing/2014/main" id="{1E86017D-A4ED-4C23-BEFB-3386A1BD9842}"/>
-              </a:ext>
-            </a:extLst>
-          </p:cNvPr>
-          <p:cNvSpPr>
-            <a:spLocks noGrp="1"/>
-          </p:cNvSpPr>
-          <p:nvPr>
-            <p:ph idx="1"/>
-          </p:nvPr>
-        </p:nvSpPr>
-        <p:spPr>
-          <a:xfrm>
-            <a:off x="1484311" y="2666999"/>
-            <a:ext cx="4074345" cy="3124201"/>
-          </a:xfrm>
-        </p:spPr>
-        <p:txBody>
-          <a:bodyPr>
-            <a:normAutofit/>
-          </a:bodyPr>
-          <a:lstStyle/>
-          <a:p>
-            <a:pPr>
-              <a:lnSpc>
-                <a:spcPct val="90000"/>
-              </a:lnSpc>
-            </a:pPr>
-            <a:r>
-              <a:rPr lang="en-US" sz="1500"/>
-              <a:t>C:\Program Files (x86)\Odoo 12.0\python\Scripts&gt; </a:t>
-            </a:r>
-            <a:r>
-              <a:rPr lang="fi-FI" sz="1500"/>
-              <a:t>pip install mysql-connector-python</a:t>
-            </a:r>
-          </a:p>
-          <a:p>
-            <a:pPr>
-              <a:lnSpc>
-                <a:spcPct val="90000"/>
-              </a:lnSpc>
-            </a:pPr>
-            <a:r>
-              <a:rPr lang="fi-FI" sz="1500"/>
-              <a:t>Select Databases from menu</a:t>
-            </a:r>
-          </a:p>
-          <a:p>
-            <a:pPr>
-              <a:lnSpc>
-                <a:spcPct val="90000"/>
-              </a:lnSpc>
-            </a:pPr>
-            <a:r>
-              <a:rPr lang="fi-FI" sz="1500" err="1"/>
-              <a:t>Create</a:t>
-            </a:r>
-            <a:r>
-              <a:rPr lang="fi-FI" sz="1500"/>
-              <a:t>…</a:t>
-            </a:r>
-          </a:p>
-          <a:p>
-            <a:pPr>
-              <a:lnSpc>
-                <a:spcPct val="90000"/>
-              </a:lnSpc>
-            </a:pPr>
-            <a:r>
-              <a:rPr lang="en-US" sz="1500"/>
-              <a:t>Select MySQL or MariaDB driver, Change database name &amp; other data when necessary</a:t>
-            </a:r>
-          </a:p>
-          <a:p>
-            <a:pPr>
-              <a:lnSpc>
-                <a:spcPct val="90000"/>
-              </a:lnSpc>
-            </a:pPr>
-            <a:r>
-              <a:rPr lang="en-US" sz="1500"/>
-              <a:t>Save</a:t>
-            </a:r>
-          </a:p>
-          <a:p>
-            <a:pPr>
-              <a:lnSpc>
-                <a:spcPct val="90000"/>
-              </a:lnSpc>
-            </a:pPr>
-            <a:r>
-              <a:rPr lang="en-US" sz="1500"/>
-              <a:t>Test connection</a:t>
-            </a:r>
-          </a:p>
-          <a:p>
-            <a:pPr>
-              <a:lnSpc>
-                <a:spcPct val="90000"/>
-              </a:lnSpc>
-            </a:pPr>
-            <a:endParaRPr lang="en-US" sz="1500"/>
-          </a:p>
-        </p:txBody>
-      </p:sp>
-      <p:pic>
-        <p:nvPicPr>
-          <p:cNvPr id="10" name="Picture 9">
-            <a:extLst>
-              <a:ext uri="{FF2B5EF4-FFF2-40B4-BE49-F238E27FC236}">
-                <a16:creationId xmlns:a16="http://schemas.microsoft.com/office/drawing/2014/main" id="{2C93426E-37D2-40B9-8CEB-2DA7DBEE2D4C}"/>
-              </a:ext>
-            </a:extLst>
-          </p:cNvPr>
-          <p:cNvPicPr>
-            <a:picLocks noChangeAspect="1"/>
-          </p:cNvPicPr>
-          <p:nvPr/>
-        </p:nvPicPr>
-        <p:blipFill>
-          <a:blip r:embed="rId3"/>
-          <a:stretch>
-            <a:fillRect/>
-          </a:stretch>
-        </p:blipFill>
-        <p:spPr>
-          <a:xfrm>
-            <a:off x="6633345" y="930557"/>
-            <a:ext cx="3086713" cy="2338185"/>
-          </a:xfrm>
-          <a:prstGeom prst="roundRect">
-            <a:avLst>
-              <a:gd name="adj" fmla="val 4380"/>
-            </a:avLst>
-          </a:prstGeom>
-          <a:ln w="38100">
-            <a:gradFill flip="none" rotWithShape="1">
-              <a:gsLst>
-                <a:gs pos="0">
-                  <a:schemeClr val="bg2"/>
-                </a:gs>
-                <a:gs pos="100000">
-                  <a:schemeClr val="bg2">
-                    <a:lumMod val="75000"/>
-                  </a:schemeClr>
-                </a:gs>
-              </a:gsLst>
-              <a:lin ang="5400000" scaled="0"/>
-              <a:tileRect/>
-            </a:gradFill>
-          </a:ln>
-          <a:effectLst>
-            <a:innerShdw blurRad="57150" dist="38100" dir="14460000">
-              <a:srgbClr val="000000">
-                <a:alpha val="70000"/>
-              </a:srgbClr>
-            </a:innerShdw>
-          </a:effectLst>
-        </p:spPr>
-        <p:style>
-          <a:lnRef idx="2">
-            <a:schemeClr val="accent1"/>
-          </a:lnRef>
-          <a:fillRef idx="1">
-            <a:schemeClr val="lt1"/>
-          </a:fillRef>
-          <a:effectRef idx="0">
-            <a:schemeClr val="accent1"/>
-          </a:effectRef>
-          <a:fontRef idx="minor">
-            <a:schemeClr val="dk1"/>
-          </a:fontRef>
-        </p:style>
-      </p:pic>
-      <p:pic>
-        <p:nvPicPr>
-          <p:cNvPr id="11" name="Picture 10">
-            <a:extLst>
-              <a:ext uri="{FF2B5EF4-FFF2-40B4-BE49-F238E27FC236}">
-                <a16:creationId xmlns:a16="http://schemas.microsoft.com/office/drawing/2014/main" id="{FF45B3DD-4EF4-451F-BC0B-9A61676FAD65}"/>
-              </a:ext>
-            </a:extLst>
-          </p:cNvPr>
-          <p:cNvPicPr>
-            <a:picLocks noChangeAspect="1"/>
-          </p:cNvPicPr>
-          <p:nvPr/>
-        </p:nvPicPr>
-        <p:blipFill>
-          <a:blip r:embed="rId4"/>
-          <a:stretch>
-            <a:fillRect/>
-          </a:stretch>
-        </p:blipFill>
-        <p:spPr>
-          <a:xfrm>
-            <a:off x="8708800" y="2008378"/>
-            <a:ext cx="3036604" cy="2338185"/>
-          </a:xfrm>
-          <a:prstGeom prst="roundRect">
-            <a:avLst>
-              <a:gd name="adj" fmla="val 4380"/>
-            </a:avLst>
-          </a:prstGeom>
-          <a:ln w="38100">
-            <a:gradFill flip="none" rotWithShape="1">
-              <a:gsLst>
-                <a:gs pos="0">
-                  <a:schemeClr val="bg2"/>
-                </a:gs>
-                <a:gs pos="100000">
-                  <a:schemeClr val="bg2">
-                    <a:lumMod val="75000"/>
-                  </a:schemeClr>
-                </a:gs>
-              </a:gsLst>
-              <a:lin ang="5400000" scaled="0"/>
-              <a:tileRect/>
-            </a:gradFill>
-          </a:ln>
-          <a:effectLst>
-            <a:innerShdw blurRad="57150" dist="38100" dir="14460000">
-              <a:srgbClr val="000000">
-                <a:alpha val="70000"/>
-              </a:srgbClr>
-            </a:innerShdw>
-          </a:effectLst>
-        </p:spPr>
-        <p:style>
-          <a:lnRef idx="2">
-            <a:schemeClr val="accent1"/>
-          </a:lnRef>
-          <a:fillRef idx="1">
-            <a:schemeClr val="lt1"/>
-          </a:fillRef>
-          <a:effectRef idx="0">
-            <a:schemeClr val="accent1"/>
-          </a:effectRef>
-          <a:fontRef idx="minor">
-            <a:schemeClr val="dk1"/>
-          </a:fontRef>
-        </p:style>
-      </p:pic>
-      <p:pic>
-        <p:nvPicPr>
-          <p:cNvPr id="6" name="Kuva 5">
-            <a:extLst>
-              <a:ext uri="{FF2B5EF4-FFF2-40B4-BE49-F238E27FC236}">
-                <a16:creationId xmlns:a16="http://schemas.microsoft.com/office/drawing/2014/main" id="{3C5D5E0C-B6AA-4048-A7A1-F0E7C4B784A1}"/>
-              </a:ext>
-            </a:extLst>
-          </p:cNvPr>
-          <p:cNvPicPr>
-            <a:picLocks noChangeAspect="1"/>
-          </p:cNvPicPr>
-          <p:nvPr/>
-        </p:nvPicPr>
-        <p:blipFill>
-          <a:blip r:embed="rId5"/>
-          <a:stretch>
-            <a:fillRect/>
-          </a:stretch>
-        </p:blipFill>
-        <p:spPr>
-          <a:xfrm>
-            <a:off x="6958660" y="4265255"/>
-            <a:ext cx="1863744" cy="1668050"/>
-          </a:xfrm>
-          <a:prstGeom prst="roundRect">
-            <a:avLst>
-              <a:gd name="adj" fmla="val 4380"/>
-            </a:avLst>
-          </a:prstGeom>
-          <a:ln w="38100">
-            <a:gradFill flip="none" rotWithShape="1">
-              <a:gsLst>
-                <a:gs pos="0">
-                  <a:schemeClr val="bg2"/>
-                </a:gs>
-                <a:gs pos="100000">
-                  <a:schemeClr val="bg2">
-                    <a:lumMod val="75000"/>
-                  </a:schemeClr>
-                </a:gs>
-              </a:gsLst>
-              <a:lin ang="5400000" scaled="0"/>
-              <a:tileRect/>
-            </a:gradFill>
-          </a:ln>
-          <a:effectLst>
-            <a:innerShdw blurRad="57150" dist="38100" dir="14460000">
-              <a:srgbClr val="000000">
-                <a:alpha val="70000"/>
-              </a:srgbClr>
-            </a:innerShdw>
-          </a:effectLst>
-        </p:spPr>
-        <p:style>
-          <a:lnRef idx="2">
-            <a:schemeClr val="accent1"/>
-          </a:lnRef>
-          <a:fillRef idx="1">
-            <a:schemeClr val="lt1"/>
-          </a:fillRef>
-          <a:effectRef idx="0">
-            <a:schemeClr val="accent1"/>
-          </a:effectRef>
-          <a:fontRef idx="minor">
-            <a:schemeClr val="dk1"/>
-          </a:fontRef>
-        </p:style>
-      </p:pic>
-    </p:spTree>
-    <p:extLst>
-      <p:ext uri="{BB962C8B-B14F-4D97-AF65-F5344CB8AC3E}">
-        <p14:creationId xmlns:p14="http://schemas.microsoft.com/office/powerpoint/2010/main" val="3753466296"/>
       </p:ext>
     </p:extLst>
   </p:cSld>

--- a/rocker_app/static/description/Rocker_install.pptx
+++ b/rocker_app/static/description/Rocker_install.pptx
@@ -134,6 +134,38 @@
 
 <file path=ppt/changesInfos/changesInfo1.xml><?xml version="1.0" encoding="utf-8"?>
 <pc:chgInfo xmlns:a="http://schemas.openxmlformats.org/drawingml/2006/main" xmlns:r="http://schemas.openxmlformats.org/officeDocument/2006/relationships" xmlns:ac="http://schemas.microsoft.com/office/drawing/2013/main/command" xmlns:pc="http://schemas.microsoft.com/office/powerpoint/2013/main/command">
+  <pc:docChgLst>
+    <pc:chgData name="Antti Kärki" userId="ab9f1eaf7ee70c5c" providerId="LiveId" clId="{245EAFD0-4625-4717-A7E4-EFF881F9E981}"/>
+    <pc:docChg chg="modSld">
+      <pc:chgData name="Antti Kärki" userId="ab9f1eaf7ee70c5c" providerId="LiveId" clId="{245EAFD0-4625-4717-A7E4-EFF881F9E981}" dt="2020-03-19T08:51:24.910" v="34" actId="1076"/>
+      <pc:docMkLst>
+        <pc:docMk/>
+      </pc:docMkLst>
+      <pc:sldChg chg="addSp modSp">
+        <pc:chgData name="Antti Kärki" userId="ab9f1eaf7ee70c5c" providerId="LiveId" clId="{245EAFD0-4625-4717-A7E4-EFF881F9E981}" dt="2020-03-19T08:51:24.910" v="34" actId="1076"/>
+        <pc:sldMkLst>
+          <pc:docMk/>
+          <pc:sldMk cId="3807908021" sldId="297"/>
+        </pc:sldMkLst>
+        <pc:spChg chg="mod">
+          <ac:chgData name="Antti Kärki" userId="ab9f1eaf7ee70c5c" providerId="LiveId" clId="{245EAFD0-4625-4717-A7E4-EFF881F9E981}" dt="2020-03-19T08:43:15.677" v="31" actId="113"/>
+          <ac:spMkLst>
+            <pc:docMk/>
+            <pc:sldMk cId="3807908021" sldId="297"/>
+            <ac:spMk id="3" creationId="{3918CC8C-D3F1-4384-9FB8-E0738C7F621C}"/>
+          </ac:spMkLst>
+        </pc:spChg>
+        <pc:picChg chg="add mod">
+          <ac:chgData name="Antti Kärki" userId="ab9f1eaf7ee70c5c" providerId="LiveId" clId="{245EAFD0-4625-4717-A7E4-EFF881F9E981}" dt="2020-03-19T08:51:24.910" v="34" actId="1076"/>
+          <ac:picMkLst>
+            <pc:docMk/>
+            <pc:sldMk cId="3807908021" sldId="297"/>
+            <ac:picMk id="4" creationId="{4FE2E240-C7D2-41A4-B767-25D6BBEE33FE}"/>
+          </ac:picMkLst>
+        </pc:picChg>
+      </pc:sldChg>
+    </pc:docChg>
+  </pc:docChgLst>
   <pc:docChgLst>
     <pc:chgData name="Antti Kärki" userId="ab9f1eaf7ee70c5c" providerId="LiveId" clId="{290FC3B9-96DA-48B1-B3BF-D985895C8291}"/>
     <pc:docChg chg="undo custSel mod addSld delSld modSld modMainMaster">
@@ -1678,38 +1710,6 @@
           </pc:picChg>
         </pc:sldLayoutChg>
       </pc:sldMasterChg>
-    </pc:docChg>
-  </pc:docChgLst>
-  <pc:docChgLst>
-    <pc:chgData name="Antti Kärki" userId="ab9f1eaf7ee70c5c" providerId="LiveId" clId="{245EAFD0-4625-4717-A7E4-EFF881F9E981}"/>
-    <pc:docChg chg="modSld">
-      <pc:chgData name="Antti Kärki" userId="ab9f1eaf7ee70c5c" providerId="LiveId" clId="{245EAFD0-4625-4717-A7E4-EFF881F9E981}" dt="2020-03-19T08:51:24.910" v="34" actId="1076"/>
-      <pc:docMkLst>
-        <pc:docMk/>
-      </pc:docMkLst>
-      <pc:sldChg chg="addSp modSp">
-        <pc:chgData name="Antti Kärki" userId="ab9f1eaf7ee70c5c" providerId="LiveId" clId="{245EAFD0-4625-4717-A7E4-EFF881F9E981}" dt="2020-03-19T08:51:24.910" v="34" actId="1076"/>
-        <pc:sldMkLst>
-          <pc:docMk/>
-          <pc:sldMk cId="3807908021" sldId="297"/>
-        </pc:sldMkLst>
-        <pc:spChg chg="mod">
-          <ac:chgData name="Antti Kärki" userId="ab9f1eaf7ee70c5c" providerId="LiveId" clId="{245EAFD0-4625-4717-A7E4-EFF881F9E981}" dt="2020-03-19T08:43:15.677" v="31" actId="113"/>
-          <ac:spMkLst>
-            <pc:docMk/>
-            <pc:sldMk cId="3807908021" sldId="297"/>
-            <ac:spMk id="3" creationId="{3918CC8C-D3F1-4384-9FB8-E0738C7F621C}"/>
-          </ac:spMkLst>
-        </pc:spChg>
-        <pc:picChg chg="add mod">
-          <ac:chgData name="Antti Kärki" userId="ab9f1eaf7ee70c5c" providerId="LiveId" clId="{245EAFD0-4625-4717-A7E4-EFF881F9E981}" dt="2020-03-19T08:51:24.910" v="34" actId="1076"/>
-          <ac:picMkLst>
-            <pc:docMk/>
-            <pc:sldMk cId="3807908021" sldId="297"/>
-            <ac:picMk id="4" creationId="{4FE2E240-C7D2-41A4-B767-25D6BBEE33FE}"/>
-          </ac:picMkLst>
-        </pc:picChg>
-      </pc:sldChg>
     </pc:docChg>
   </pc:docChgLst>
   <pc:docChgLst>
@@ -4940,7 +4940,7 @@
           <a:p>
             <a:fld id="{2BA53152-5DF5-4979-A537-0FE8AB80BD2D}" type="datetimeFigureOut">
               <a:rPr lang="fi-FI" smtClean="0"/>
-              <a:t>19.3.2020</a:t>
+              <a:t>25.3.2020</a:t>
             </a:fld>
             <a:endParaRPr lang="fi-FI"/>
           </a:p>
@@ -5278,7 +5278,7 @@
           <a:p>
             <a:fld id="{2BA53152-5DF5-4979-A537-0FE8AB80BD2D}" type="datetimeFigureOut">
               <a:rPr lang="fi-FI" smtClean="0"/>
-              <a:t>19.3.2020</a:t>
+              <a:t>25.3.2020</a:t>
             </a:fld>
             <a:endParaRPr lang="fi-FI"/>
           </a:p>
@@ -5679,7 +5679,7 @@
           <a:p>
             <a:fld id="{2BA53152-5DF5-4979-A537-0FE8AB80BD2D}" type="datetimeFigureOut">
               <a:rPr lang="fi-FI" smtClean="0"/>
-              <a:t>19.3.2020</a:t>
+              <a:t>25.3.2020</a:t>
             </a:fld>
             <a:endParaRPr lang="fi-FI"/>
           </a:p>
@@ -6015,7 +6015,7 @@
           <a:p>
             <a:fld id="{2BA53152-5DF5-4979-A537-0FE8AB80BD2D}" type="datetimeFigureOut">
               <a:rPr lang="fi-FI" smtClean="0"/>
-              <a:t>19.3.2020</a:t>
+              <a:t>25.3.2020</a:t>
             </a:fld>
             <a:endParaRPr lang="fi-FI"/>
           </a:p>
@@ -6335,7 +6335,7 @@
           <a:p>
             <a:fld id="{2BA53152-5DF5-4979-A537-0FE8AB80BD2D}" type="datetimeFigureOut">
               <a:rPr lang="fi-FI" smtClean="0"/>
-              <a:t>19.3.2020</a:t>
+              <a:t>25.3.2020</a:t>
             </a:fld>
             <a:endParaRPr lang="fi-FI"/>
           </a:p>
@@ -6731,7 +6731,7 @@
           <a:p>
             <a:fld id="{2BA53152-5DF5-4979-A537-0FE8AB80BD2D}" type="datetimeFigureOut">
               <a:rPr lang="fi-FI" smtClean="0"/>
-              <a:t>19.3.2020</a:t>
+              <a:t>25.3.2020</a:t>
             </a:fld>
             <a:endParaRPr lang="fi-FI"/>
           </a:p>
@@ -6988,7 +6988,7 @@
           <a:p>
             <a:fld id="{2BA53152-5DF5-4979-A537-0FE8AB80BD2D}" type="datetimeFigureOut">
               <a:rPr lang="fi-FI" smtClean="0"/>
-              <a:t>19.3.2020</a:t>
+              <a:t>25.3.2020</a:t>
             </a:fld>
             <a:endParaRPr lang="fi-FI"/>
           </a:p>
@@ -7250,7 +7250,7 @@
           <a:p>
             <a:fld id="{2BA53152-5DF5-4979-A537-0FE8AB80BD2D}" type="datetimeFigureOut">
               <a:rPr lang="fi-FI" smtClean="0"/>
-              <a:t>19.3.2020</a:t>
+              <a:t>25.3.2020</a:t>
             </a:fld>
             <a:endParaRPr lang="fi-FI"/>
           </a:p>
@@ -7512,7 +7512,7 @@
           <a:p>
             <a:fld id="{2BA53152-5DF5-4979-A537-0FE8AB80BD2D}" type="datetimeFigureOut">
               <a:rPr lang="fi-FI" smtClean="0"/>
-              <a:t>19.3.2020</a:t>
+              <a:t>25.3.2020</a:t>
             </a:fld>
             <a:endParaRPr lang="fi-FI"/>
           </a:p>
@@ -7871,7 +7871,7 @@
           <a:p>
             <a:fld id="{2BA53152-5DF5-4979-A537-0FE8AB80BD2D}" type="datetimeFigureOut">
               <a:rPr lang="fi-FI" smtClean="0"/>
-              <a:t>19.3.2020</a:t>
+              <a:t>25.3.2020</a:t>
             </a:fld>
             <a:endParaRPr lang="fi-FI"/>
           </a:p>
@@ -8194,7 +8194,7 @@
           <a:p>
             <a:fld id="{2BA53152-5DF5-4979-A537-0FE8AB80BD2D}" type="datetimeFigureOut">
               <a:rPr lang="fi-FI" smtClean="0"/>
-              <a:t>19.3.2020</a:t>
+              <a:t>25.3.2020</a:t>
             </a:fld>
             <a:endParaRPr lang="fi-FI"/>
           </a:p>
@@ -8651,7 +8651,7 @@
           <a:p>
             <a:fld id="{2BA53152-5DF5-4979-A537-0FE8AB80BD2D}" type="datetimeFigureOut">
               <a:rPr lang="fi-FI" smtClean="0"/>
-              <a:t>19.3.2020</a:t>
+              <a:t>25.3.2020</a:t>
             </a:fld>
             <a:endParaRPr lang="fi-FI"/>
           </a:p>
@@ -8856,7 +8856,7 @@
           <a:p>
             <a:fld id="{2BA53152-5DF5-4979-A537-0FE8AB80BD2D}" type="datetimeFigureOut">
               <a:rPr lang="fi-FI" smtClean="0"/>
-              <a:t>19.3.2020</a:t>
+              <a:t>25.3.2020</a:t>
             </a:fld>
             <a:endParaRPr lang="fi-FI"/>
           </a:p>
@@ -9063,7 +9063,7 @@
           <a:p>
             <a:fld id="{2BA53152-5DF5-4979-A537-0FE8AB80BD2D}" type="datetimeFigureOut">
               <a:rPr lang="fi-FI" smtClean="0"/>
-              <a:t>19.3.2020</a:t>
+              <a:t>25.3.2020</a:t>
             </a:fld>
             <a:endParaRPr lang="fi-FI"/>
           </a:p>
@@ -9396,7 +9396,7 @@
           <a:p>
             <a:fld id="{2BA53152-5DF5-4979-A537-0FE8AB80BD2D}" type="datetimeFigureOut">
               <a:rPr lang="fi-FI" smtClean="0"/>
-              <a:t>19.3.2020</a:t>
+              <a:t>25.3.2020</a:t>
             </a:fld>
             <a:endParaRPr lang="fi-FI"/>
           </a:p>
@@ -9741,7 +9741,7 @@
           <a:p>
             <a:fld id="{2BA53152-5DF5-4979-A537-0FE8AB80BD2D}" type="datetimeFigureOut">
               <a:rPr lang="fi-FI" smtClean="0"/>
-              <a:t>19.3.2020</a:t>
+              <a:t>25.3.2020</a:t>
             </a:fld>
             <a:endParaRPr lang="fi-FI"/>
           </a:p>
@@ -11858,7 +11858,7 @@
           <a:p>
             <a:fld id="{2BA53152-5DF5-4979-A537-0FE8AB80BD2D}" type="datetimeFigureOut">
               <a:rPr lang="fi-FI" smtClean="0"/>
-              <a:t>19.3.2020</a:t>
+              <a:t>25.3.2020</a:t>
             </a:fld>
             <a:endParaRPr lang="fi-FI"/>
           </a:p>

--- a/rocker_app/static/description/Rocker_install.pptx
+++ b/rocker_app/static/description/Rocker_install.pptx
@@ -13,10 +13,10 @@
     <p:sldId id="286" r:id="rId7"/>
     <p:sldId id="288" r:id="rId8"/>
     <p:sldId id="295" r:id="rId9"/>
-    <p:sldId id="291" r:id="rId10"/>
-    <p:sldId id="292" r:id="rId11"/>
-    <p:sldId id="294" r:id="rId12"/>
-    <p:sldId id="277" r:id="rId13"/>
+    <p:sldId id="298" r:id="rId10"/>
+    <p:sldId id="291" r:id="rId11"/>
+    <p:sldId id="292" r:id="rId12"/>
+    <p:sldId id="294" r:id="rId13"/>
   </p:sldIdLst>
   <p:sldSz cx="12192000" cy="6858000"/>
   <p:notesSz cx="6858000" cy="9144000"/>
@@ -1713,6 +1713,37 @@
     </pc:docChg>
   </pc:docChgLst>
   <pc:docChgLst>
+    <pc:chgData name="Antti Kärki" userId="ab9f1eaf7ee70c5c" providerId="LiveId" clId="{BF661082-BE8A-4C72-83E5-4795344B30AD}"/>
+    <pc:docChg chg="custSel delSld modSld">
+      <pc:chgData name="Antti Kärki" userId="ab9f1eaf7ee70c5c" providerId="LiveId" clId="{BF661082-BE8A-4C72-83E5-4795344B30AD}" dt="2020-03-19T09:46:19.292" v="17" actId="207"/>
+      <pc:docMkLst>
+        <pc:docMk/>
+      </pc:docMkLst>
+      <pc:sldChg chg="addSp modSp">
+        <pc:chgData name="Antti Kärki" userId="ab9f1eaf7ee70c5c" providerId="LiveId" clId="{BF661082-BE8A-4C72-83E5-4795344B30AD}" dt="2020-03-19T09:46:19.292" v="17" actId="207"/>
+        <pc:sldMkLst>
+          <pc:docMk/>
+          <pc:sldMk cId="305823356" sldId="285"/>
+        </pc:sldMkLst>
+        <pc:spChg chg="add mod">
+          <ac:chgData name="Antti Kärki" userId="ab9f1eaf7ee70c5c" providerId="LiveId" clId="{BF661082-BE8A-4C72-83E5-4795344B30AD}" dt="2020-03-19T09:46:19.292" v="17" actId="207"/>
+          <ac:spMkLst>
+            <pc:docMk/>
+            <pc:sldMk cId="305823356" sldId="285"/>
+            <ac:spMk id="4" creationId="{6DF4274D-5402-4E4E-AB6B-505BC9B2E0F2}"/>
+          </ac:spMkLst>
+        </pc:spChg>
+      </pc:sldChg>
+      <pc:sldChg chg="del">
+        <pc:chgData name="Antti Kärki" userId="ab9f1eaf7ee70c5c" providerId="LiveId" clId="{BF661082-BE8A-4C72-83E5-4795344B30AD}" dt="2020-03-19T09:45:29.287" v="0" actId="2696"/>
+        <pc:sldMkLst>
+          <pc:docMk/>
+          <pc:sldMk cId="2410279594" sldId="296"/>
+        </pc:sldMkLst>
+      </pc:sldChg>
+    </pc:docChg>
+  </pc:docChgLst>
+  <pc:docChgLst>
     <pc:chgData name="Antti Kärki" userId="ab9f1eaf7ee70c5c" providerId="LiveId" clId="{16214568-00C9-4FC1-93E5-88FD43C19225}"/>
     <pc:docChg chg="custSel modSld">
       <pc:chgData name="Antti Kärki" userId="ab9f1eaf7ee70c5c" providerId="LiveId" clId="{16214568-00C9-4FC1-93E5-88FD43C19225}" dt="2020-01-23T15:15:11.827" v="63" actId="20577"/>
@@ -1741,37 +1772,6 @@
             <ac:spMk id="8" creationId="{26104AB3-7D3C-4327-9286-07AE97B73415}"/>
           </ac:spMkLst>
         </pc:spChg>
-      </pc:sldChg>
-    </pc:docChg>
-  </pc:docChgLst>
-  <pc:docChgLst>
-    <pc:chgData name="Antti Kärki" userId="ab9f1eaf7ee70c5c" providerId="LiveId" clId="{BF661082-BE8A-4C72-83E5-4795344B30AD}"/>
-    <pc:docChg chg="custSel delSld modSld">
-      <pc:chgData name="Antti Kärki" userId="ab9f1eaf7ee70c5c" providerId="LiveId" clId="{BF661082-BE8A-4C72-83E5-4795344B30AD}" dt="2020-03-19T09:46:19.292" v="17" actId="207"/>
-      <pc:docMkLst>
-        <pc:docMk/>
-      </pc:docMkLst>
-      <pc:sldChg chg="addSp modSp">
-        <pc:chgData name="Antti Kärki" userId="ab9f1eaf7ee70c5c" providerId="LiveId" clId="{BF661082-BE8A-4C72-83E5-4795344B30AD}" dt="2020-03-19T09:46:19.292" v="17" actId="207"/>
-        <pc:sldMkLst>
-          <pc:docMk/>
-          <pc:sldMk cId="305823356" sldId="285"/>
-        </pc:sldMkLst>
-        <pc:spChg chg="add mod">
-          <ac:chgData name="Antti Kärki" userId="ab9f1eaf7ee70c5c" providerId="LiveId" clId="{BF661082-BE8A-4C72-83E5-4795344B30AD}" dt="2020-03-19T09:46:19.292" v="17" actId="207"/>
-          <ac:spMkLst>
-            <pc:docMk/>
-            <pc:sldMk cId="305823356" sldId="285"/>
-            <ac:spMk id="4" creationId="{6DF4274D-5402-4E4E-AB6B-505BC9B2E0F2}"/>
-          </ac:spMkLst>
-        </pc:spChg>
-      </pc:sldChg>
-      <pc:sldChg chg="del">
-        <pc:chgData name="Antti Kärki" userId="ab9f1eaf7ee70c5c" providerId="LiveId" clId="{BF661082-BE8A-4C72-83E5-4795344B30AD}" dt="2020-03-19T09:45:29.287" v="0" actId="2696"/>
-        <pc:sldMkLst>
-          <pc:docMk/>
-          <pc:sldMk cId="2410279594" sldId="296"/>
-        </pc:sldMkLst>
       </pc:sldChg>
     </pc:docChg>
   </pc:docChgLst>
@@ -4940,7 +4940,7 @@
           <a:p>
             <a:fld id="{2BA53152-5DF5-4979-A537-0FE8AB80BD2D}" type="datetimeFigureOut">
               <a:rPr lang="fi-FI" smtClean="0"/>
-              <a:t>25.3.2020</a:t>
+              <a:t>15.2.2021</a:t>
             </a:fld>
             <a:endParaRPr lang="fi-FI"/>
           </a:p>
@@ -5278,7 +5278,7 @@
           <a:p>
             <a:fld id="{2BA53152-5DF5-4979-A537-0FE8AB80BD2D}" type="datetimeFigureOut">
               <a:rPr lang="fi-FI" smtClean="0"/>
-              <a:t>25.3.2020</a:t>
+              <a:t>15.2.2021</a:t>
             </a:fld>
             <a:endParaRPr lang="fi-FI"/>
           </a:p>
@@ -5679,7 +5679,7 @@
           <a:p>
             <a:fld id="{2BA53152-5DF5-4979-A537-0FE8AB80BD2D}" type="datetimeFigureOut">
               <a:rPr lang="fi-FI" smtClean="0"/>
-              <a:t>25.3.2020</a:t>
+              <a:t>15.2.2021</a:t>
             </a:fld>
             <a:endParaRPr lang="fi-FI"/>
           </a:p>
@@ -6015,7 +6015,7 @@
           <a:p>
             <a:fld id="{2BA53152-5DF5-4979-A537-0FE8AB80BD2D}" type="datetimeFigureOut">
               <a:rPr lang="fi-FI" smtClean="0"/>
-              <a:t>25.3.2020</a:t>
+              <a:t>15.2.2021</a:t>
             </a:fld>
             <a:endParaRPr lang="fi-FI"/>
           </a:p>
@@ -6335,7 +6335,7 @@
           <a:p>
             <a:fld id="{2BA53152-5DF5-4979-A537-0FE8AB80BD2D}" type="datetimeFigureOut">
               <a:rPr lang="fi-FI" smtClean="0"/>
-              <a:t>25.3.2020</a:t>
+              <a:t>15.2.2021</a:t>
             </a:fld>
             <a:endParaRPr lang="fi-FI"/>
           </a:p>
@@ -6731,7 +6731,7 @@
           <a:p>
             <a:fld id="{2BA53152-5DF5-4979-A537-0FE8AB80BD2D}" type="datetimeFigureOut">
               <a:rPr lang="fi-FI" smtClean="0"/>
-              <a:t>25.3.2020</a:t>
+              <a:t>15.2.2021</a:t>
             </a:fld>
             <a:endParaRPr lang="fi-FI"/>
           </a:p>
@@ -6988,7 +6988,7 @@
           <a:p>
             <a:fld id="{2BA53152-5DF5-4979-A537-0FE8AB80BD2D}" type="datetimeFigureOut">
               <a:rPr lang="fi-FI" smtClean="0"/>
-              <a:t>25.3.2020</a:t>
+              <a:t>15.2.2021</a:t>
             </a:fld>
             <a:endParaRPr lang="fi-FI"/>
           </a:p>
@@ -7250,7 +7250,7 @@
           <a:p>
             <a:fld id="{2BA53152-5DF5-4979-A537-0FE8AB80BD2D}" type="datetimeFigureOut">
               <a:rPr lang="fi-FI" smtClean="0"/>
-              <a:t>25.3.2020</a:t>
+              <a:t>15.2.2021</a:t>
             </a:fld>
             <a:endParaRPr lang="fi-FI"/>
           </a:p>
@@ -7512,7 +7512,7 @@
           <a:p>
             <a:fld id="{2BA53152-5DF5-4979-A537-0FE8AB80BD2D}" type="datetimeFigureOut">
               <a:rPr lang="fi-FI" smtClean="0"/>
-              <a:t>25.3.2020</a:t>
+              <a:t>15.2.2021</a:t>
             </a:fld>
             <a:endParaRPr lang="fi-FI"/>
           </a:p>
@@ -7871,7 +7871,7 @@
           <a:p>
             <a:fld id="{2BA53152-5DF5-4979-A537-0FE8AB80BD2D}" type="datetimeFigureOut">
               <a:rPr lang="fi-FI" smtClean="0"/>
-              <a:t>25.3.2020</a:t>
+              <a:t>15.2.2021</a:t>
             </a:fld>
             <a:endParaRPr lang="fi-FI"/>
           </a:p>
@@ -8194,7 +8194,7 @@
           <a:p>
             <a:fld id="{2BA53152-5DF5-4979-A537-0FE8AB80BD2D}" type="datetimeFigureOut">
               <a:rPr lang="fi-FI" smtClean="0"/>
-              <a:t>25.3.2020</a:t>
+              <a:t>15.2.2021</a:t>
             </a:fld>
             <a:endParaRPr lang="fi-FI"/>
           </a:p>
@@ -8651,7 +8651,7 @@
           <a:p>
             <a:fld id="{2BA53152-5DF5-4979-A537-0FE8AB80BD2D}" type="datetimeFigureOut">
               <a:rPr lang="fi-FI" smtClean="0"/>
-              <a:t>25.3.2020</a:t>
+              <a:t>15.2.2021</a:t>
             </a:fld>
             <a:endParaRPr lang="fi-FI"/>
           </a:p>
@@ -8856,7 +8856,7 @@
           <a:p>
             <a:fld id="{2BA53152-5DF5-4979-A537-0FE8AB80BD2D}" type="datetimeFigureOut">
               <a:rPr lang="fi-FI" smtClean="0"/>
-              <a:t>25.3.2020</a:t>
+              <a:t>15.2.2021</a:t>
             </a:fld>
             <a:endParaRPr lang="fi-FI"/>
           </a:p>
@@ -9063,7 +9063,7 @@
           <a:p>
             <a:fld id="{2BA53152-5DF5-4979-A537-0FE8AB80BD2D}" type="datetimeFigureOut">
               <a:rPr lang="fi-FI" smtClean="0"/>
-              <a:t>25.3.2020</a:t>
+              <a:t>15.2.2021</a:t>
             </a:fld>
             <a:endParaRPr lang="fi-FI"/>
           </a:p>
@@ -9396,7 +9396,7 @@
           <a:p>
             <a:fld id="{2BA53152-5DF5-4979-A537-0FE8AB80BD2D}" type="datetimeFigureOut">
               <a:rPr lang="fi-FI" smtClean="0"/>
-              <a:t>25.3.2020</a:t>
+              <a:t>15.2.2021</a:t>
             </a:fld>
             <a:endParaRPr lang="fi-FI"/>
           </a:p>
@@ -9741,7 +9741,7 @@
           <a:p>
             <a:fld id="{2BA53152-5DF5-4979-A537-0FE8AB80BD2D}" type="datetimeFigureOut">
               <a:rPr lang="fi-FI" smtClean="0"/>
-              <a:t>25.3.2020</a:t>
+              <a:t>15.2.2021</a:t>
             </a:fld>
             <a:endParaRPr lang="fi-FI"/>
           </a:p>
@@ -11858,7 +11858,7 @@
           <a:p>
             <a:fld id="{2BA53152-5DF5-4979-A537-0FE8AB80BD2D}" type="datetimeFigureOut">
               <a:rPr lang="fi-FI" smtClean="0"/>
-              <a:t>25.3.2020</a:t>
+              <a:t>15.2.2021</a:t>
             </a:fld>
             <a:endParaRPr lang="fi-FI"/>
           </a:p>
@@ -12408,11 +12408,7 @@
             </a:r>
             <a:r>
               <a:rPr lang="fi-FI"/>
-              <a:t> Reporting </a:t>
-            </a:r>
-            <a:r>
-              <a:rPr lang="fi-FI" dirty="0"/>
-              <a:t>V2</a:t>
+              <a:t> Reporting V2.2</a:t>
             </a:r>
             <a:endParaRPr lang="en-US" dirty="0"/>
           </a:p>
@@ -12446,6 +12442,12 @@
             <a:r>
               <a:rPr lang="fi-FI" dirty="0"/>
               <a:t> Guide</a:t>
+            </a:r>
+          </a:p>
+          <a:p>
+            <a:r>
+              <a:rPr lang="fi-FI" dirty="0"/>
+              <a:t>15.2.2021</a:t>
             </a:r>
             <a:endParaRPr lang="en-US" dirty="0"/>
           </a:p>
@@ -12495,6 +12497,479 @@
 </file>
 
 <file path=ppt/slides/slide10.xml><?xml version="1.0" encoding="utf-8"?>
+<p:sld xmlns:a="http://schemas.openxmlformats.org/drawingml/2006/main" xmlns:r="http://schemas.openxmlformats.org/officeDocument/2006/relationships" xmlns:p="http://schemas.openxmlformats.org/presentationml/2006/main">
+  <p:cSld>
+    <p:bg>
+      <p:bgPr>
+        <a:blipFill rotWithShape="1">
+          <a:blip r:embed="rId2">
+            <a:duotone>
+              <a:schemeClr val="bg2">
+                <a:shade val="76000"/>
+                <a:satMod val="180000"/>
+              </a:schemeClr>
+              <a:schemeClr val="bg2">
+                <a:tint val="80000"/>
+                <a:satMod val="120000"/>
+                <a:lumMod val="180000"/>
+              </a:schemeClr>
+            </a:duotone>
+          </a:blip>
+          <a:stretch/>
+        </a:blipFill>
+        <a:effectLst/>
+      </p:bgPr>
+    </p:bg>
+    <p:spTree>
+      <p:nvGrpSpPr>
+        <p:cNvPr id="1" name=""/>
+        <p:cNvGrpSpPr/>
+        <p:nvPr/>
+      </p:nvGrpSpPr>
+      <p:grpSpPr>
+        <a:xfrm>
+          <a:off x="0" y="0"/>
+          <a:ext cx="0" cy="0"/>
+          <a:chOff x="0" y="0"/>
+          <a:chExt cx="0" cy="0"/>
+        </a:xfrm>
+      </p:grpSpPr>
+      <p:pic>
+        <p:nvPicPr>
+          <p:cNvPr id="15" name="Picture 14">
+            <a:extLst>
+              <a:ext uri="{FF2B5EF4-FFF2-40B4-BE49-F238E27FC236}">
+                <a16:creationId xmlns:a16="http://schemas.microsoft.com/office/drawing/2014/main" id="{49487EDF-D0D9-48C3-9029-D46ADC14EBCE}"/>
+              </a:ext>
+            </a:extLst>
+          </p:cNvPr>
+          <p:cNvPicPr>
+            <a:picLocks noChangeAspect="1"/>
+          </p:cNvPicPr>
+          <p:nvPr/>
+        </p:nvPicPr>
+        <p:blipFill>
+          <a:blip r:embed="rId3"/>
+          <a:stretch>
+            <a:fillRect/>
+          </a:stretch>
+        </p:blipFill>
+        <p:spPr>
+          <a:xfrm>
+            <a:off x="5594579" y="4229099"/>
+            <a:ext cx="2590935" cy="1846041"/>
+          </a:xfrm>
+          <a:prstGeom prst="roundRect">
+            <a:avLst>
+              <a:gd name="adj" fmla="val 4380"/>
+            </a:avLst>
+          </a:prstGeom>
+          <a:ln w="38100">
+            <a:gradFill flip="none" rotWithShape="1">
+              <a:gsLst>
+                <a:gs pos="0">
+                  <a:schemeClr val="bg2"/>
+                </a:gs>
+                <a:gs pos="100000">
+                  <a:schemeClr val="bg2">
+                    <a:lumMod val="75000"/>
+                  </a:schemeClr>
+                </a:gs>
+              </a:gsLst>
+              <a:lin ang="5400000" scaled="0"/>
+              <a:tileRect/>
+            </a:gradFill>
+          </a:ln>
+          <a:effectLst>
+            <a:innerShdw blurRad="57150" dist="38100" dir="14460000">
+              <a:srgbClr val="000000">
+                <a:alpha val="70000"/>
+              </a:srgbClr>
+            </a:innerShdw>
+          </a:effectLst>
+        </p:spPr>
+      </p:pic>
+      <p:pic>
+        <p:nvPicPr>
+          <p:cNvPr id="13" name="Sisällön paikkamerkki 3">
+            <a:extLst>
+              <a:ext uri="{FF2B5EF4-FFF2-40B4-BE49-F238E27FC236}">
+                <a16:creationId xmlns:a16="http://schemas.microsoft.com/office/drawing/2014/main" id="{62B67FC7-1A51-441D-B033-8F84C2C1EF61}"/>
+              </a:ext>
+            </a:extLst>
+          </p:cNvPr>
+          <p:cNvPicPr>
+            <a:picLocks noChangeAspect="1"/>
+          </p:cNvPicPr>
+          <p:nvPr/>
+        </p:nvPicPr>
+        <p:blipFill rotWithShape="1">
+          <a:blip r:embed="rId4"/>
+          <a:srcRect r="18670"/>
+          <a:stretch/>
+        </p:blipFill>
+        <p:spPr>
+          <a:xfrm>
+            <a:off x="6700386" y="1380529"/>
+            <a:ext cx="2603722" cy="1784798"/>
+          </a:xfrm>
+          <a:prstGeom prst="roundRect">
+            <a:avLst>
+              <a:gd name="adj" fmla="val 4380"/>
+            </a:avLst>
+          </a:prstGeom>
+          <a:ln w="38100">
+            <a:gradFill flip="none" rotWithShape="1">
+              <a:gsLst>
+                <a:gs pos="0">
+                  <a:schemeClr val="bg2"/>
+                </a:gs>
+                <a:gs pos="100000">
+                  <a:schemeClr val="bg2">
+                    <a:lumMod val="75000"/>
+                  </a:schemeClr>
+                </a:gs>
+              </a:gsLst>
+              <a:lin ang="5400000" scaled="0"/>
+              <a:tileRect/>
+            </a:gradFill>
+          </a:ln>
+          <a:effectLst>
+            <a:innerShdw blurRad="57150" dist="38100" dir="14460000">
+              <a:srgbClr val="000000">
+                <a:alpha val="70000"/>
+              </a:srgbClr>
+            </a:innerShdw>
+          </a:effectLst>
+        </p:spPr>
+        <p:style>
+          <a:lnRef idx="2">
+            <a:schemeClr val="accent1"/>
+          </a:lnRef>
+          <a:fillRef idx="1">
+            <a:schemeClr val="lt1"/>
+          </a:fillRef>
+          <a:effectRef idx="0">
+            <a:schemeClr val="accent1"/>
+          </a:effectRef>
+          <a:fontRef idx="minor">
+            <a:schemeClr val="dk1"/>
+          </a:fontRef>
+        </p:style>
+      </p:pic>
+      <p:sp>
+        <p:nvSpPr>
+          <p:cNvPr id="2" name="Otsikko 1">
+            <a:extLst>
+              <a:ext uri="{FF2B5EF4-FFF2-40B4-BE49-F238E27FC236}">
+                <a16:creationId xmlns:a16="http://schemas.microsoft.com/office/drawing/2014/main" id="{00619EB1-3DA1-4009-A947-B71E1BBF0695}"/>
+              </a:ext>
+            </a:extLst>
+          </p:cNvPr>
+          <p:cNvSpPr>
+            <a:spLocks noGrp="1"/>
+          </p:cNvSpPr>
+          <p:nvPr>
+            <p:ph type="title"/>
+          </p:nvPr>
+        </p:nvSpPr>
+        <p:spPr>
+          <a:xfrm>
+            <a:off x="1484312" y="685800"/>
+            <a:ext cx="4074345" cy="1752599"/>
+          </a:xfrm>
+        </p:spPr>
+        <p:txBody>
+          <a:bodyPr>
+            <a:normAutofit fontScale="90000"/>
+          </a:bodyPr>
+          <a:lstStyle/>
+          <a:p>
+            <a:pPr>
+              <a:lnSpc>
+                <a:spcPct val="90000"/>
+              </a:lnSpc>
+            </a:pPr>
+            <a:r>
+              <a:rPr lang="fi-FI" sz="3700"/>
+              <a:t>Create database / datasource for SQLServer / ODBC</a:t>
+            </a:r>
+            <a:endParaRPr lang="en-US" sz="3700"/>
+          </a:p>
+        </p:txBody>
+      </p:sp>
+      <p:sp>
+        <p:nvSpPr>
+          <p:cNvPr id="8" name="Content Placeholder 7">
+            <a:extLst>
+              <a:ext uri="{FF2B5EF4-FFF2-40B4-BE49-F238E27FC236}">
+                <a16:creationId xmlns:a16="http://schemas.microsoft.com/office/drawing/2014/main" id="{1E86017D-A4ED-4C23-BEFB-3386A1BD9842}"/>
+              </a:ext>
+            </a:extLst>
+          </p:cNvPr>
+          <p:cNvSpPr>
+            <a:spLocks noGrp="1"/>
+          </p:cNvSpPr>
+          <p:nvPr>
+            <p:ph idx="1"/>
+          </p:nvPr>
+        </p:nvSpPr>
+        <p:spPr>
+          <a:xfrm>
+            <a:off x="1484311" y="2666999"/>
+            <a:ext cx="4074345" cy="3124201"/>
+          </a:xfrm>
+        </p:spPr>
+        <p:txBody>
+          <a:bodyPr>
+            <a:normAutofit/>
+          </a:bodyPr>
+          <a:lstStyle/>
+          <a:p>
+            <a:pPr>
+              <a:lnSpc>
+                <a:spcPct val="90000"/>
+              </a:lnSpc>
+            </a:pPr>
+            <a:r>
+              <a:rPr lang="en-US" sz="1700"/>
+              <a:t>C:\Program Files (x86)\Odoo 12.0\python\Scripts&gt;pip install </a:t>
+            </a:r>
+            <a:r>
+              <a:rPr lang="en-US" sz="1700" err="1"/>
+              <a:t>pyodbc</a:t>
+            </a:r>
+            <a:endParaRPr lang="fi-FI" sz="1700"/>
+          </a:p>
+          <a:p>
+            <a:pPr>
+              <a:lnSpc>
+                <a:spcPct val="90000"/>
+              </a:lnSpc>
+            </a:pPr>
+            <a:r>
+              <a:rPr lang="fi-FI" sz="1700"/>
+              <a:t>Select Databases from menu</a:t>
+            </a:r>
+          </a:p>
+          <a:p>
+            <a:pPr>
+              <a:lnSpc>
+                <a:spcPct val="90000"/>
+              </a:lnSpc>
+            </a:pPr>
+            <a:r>
+              <a:rPr lang="fi-FI" sz="1700" err="1"/>
+              <a:t>Create</a:t>
+            </a:r>
+            <a:r>
+              <a:rPr lang="fi-FI" sz="1700"/>
+              <a:t>…</a:t>
+            </a:r>
+          </a:p>
+          <a:p>
+            <a:pPr>
+              <a:lnSpc>
+                <a:spcPct val="90000"/>
+              </a:lnSpc>
+            </a:pPr>
+            <a:r>
+              <a:rPr lang="en-US" sz="1700"/>
+              <a:t>Select </a:t>
+            </a:r>
+            <a:r>
+              <a:rPr lang="en-US" sz="1700" err="1"/>
+              <a:t>SQLServer</a:t>
+            </a:r>
+            <a:r>
+              <a:rPr lang="en-US" sz="1700"/>
+              <a:t> driver, Change database name &amp; other data when necessary</a:t>
+            </a:r>
+          </a:p>
+          <a:p>
+            <a:pPr>
+              <a:lnSpc>
+                <a:spcPct val="90000"/>
+              </a:lnSpc>
+            </a:pPr>
+            <a:r>
+              <a:rPr lang="en-US" sz="1700"/>
+              <a:t>Save</a:t>
+            </a:r>
+          </a:p>
+          <a:p>
+            <a:pPr>
+              <a:lnSpc>
+                <a:spcPct val="90000"/>
+              </a:lnSpc>
+            </a:pPr>
+            <a:r>
+              <a:rPr lang="en-US" sz="1700"/>
+              <a:t>Test connection</a:t>
+            </a:r>
+          </a:p>
+          <a:p>
+            <a:pPr>
+              <a:lnSpc>
+                <a:spcPct val="90000"/>
+              </a:lnSpc>
+            </a:pPr>
+            <a:endParaRPr lang="en-US" sz="1700"/>
+          </a:p>
+        </p:txBody>
+      </p:sp>
+      <p:pic>
+        <p:nvPicPr>
+          <p:cNvPr id="6" name="Kuva 5">
+            <a:extLst>
+              <a:ext uri="{FF2B5EF4-FFF2-40B4-BE49-F238E27FC236}">
+                <a16:creationId xmlns:a16="http://schemas.microsoft.com/office/drawing/2014/main" id="{3C5D5E0C-B6AA-4048-A7A1-F0E7C4B784A1}"/>
+              </a:ext>
+            </a:extLst>
+          </p:cNvPr>
+          <p:cNvPicPr>
+            <a:picLocks noChangeAspect="1"/>
+          </p:cNvPicPr>
+          <p:nvPr/>
+        </p:nvPicPr>
+        <p:blipFill>
+          <a:blip r:embed="rId5"/>
+          <a:stretch>
+            <a:fillRect/>
+          </a:stretch>
+        </p:blipFill>
+        <p:spPr>
+          <a:xfrm>
+            <a:off x="9676904" y="4756754"/>
+            <a:ext cx="1766245" cy="1580789"/>
+          </a:xfrm>
+          <a:prstGeom prst="roundRect">
+            <a:avLst>
+              <a:gd name="adj" fmla="val 4380"/>
+            </a:avLst>
+          </a:prstGeom>
+          <a:ln w="38100">
+            <a:gradFill flip="none" rotWithShape="1">
+              <a:gsLst>
+                <a:gs pos="0">
+                  <a:schemeClr val="bg2"/>
+                </a:gs>
+                <a:gs pos="100000">
+                  <a:schemeClr val="bg2">
+                    <a:lumMod val="75000"/>
+                  </a:schemeClr>
+                </a:gs>
+              </a:gsLst>
+              <a:lin ang="5400000" scaled="0"/>
+              <a:tileRect/>
+            </a:gradFill>
+          </a:ln>
+          <a:effectLst>
+            <a:innerShdw blurRad="57150" dist="38100" dir="14460000">
+              <a:srgbClr val="000000">
+                <a:alpha val="70000"/>
+              </a:srgbClr>
+            </a:innerShdw>
+          </a:effectLst>
+        </p:spPr>
+        <p:style>
+          <a:lnRef idx="2">
+            <a:schemeClr val="accent1"/>
+          </a:lnRef>
+          <a:fillRef idx="1">
+            <a:schemeClr val="lt1"/>
+          </a:fillRef>
+          <a:effectRef idx="0">
+            <a:schemeClr val="accent1"/>
+          </a:effectRef>
+          <a:fontRef idx="minor">
+            <a:schemeClr val="dk1"/>
+          </a:fontRef>
+        </p:style>
+      </p:pic>
+      <p:pic>
+        <p:nvPicPr>
+          <p:cNvPr id="14" name="Picture 13">
+            <a:extLst>
+              <a:ext uri="{FF2B5EF4-FFF2-40B4-BE49-F238E27FC236}">
+                <a16:creationId xmlns:a16="http://schemas.microsoft.com/office/drawing/2014/main" id="{FB6CCE64-454C-415F-A7B2-1090BFFFECE4}"/>
+              </a:ext>
+            </a:extLst>
+          </p:cNvPr>
+          <p:cNvPicPr>
+            <a:picLocks noChangeAspect="1"/>
+          </p:cNvPicPr>
+          <p:nvPr/>
+        </p:nvPicPr>
+        <p:blipFill>
+          <a:blip r:embed="rId6"/>
+          <a:stretch>
+            <a:fillRect/>
+          </a:stretch>
+        </p:blipFill>
+        <p:spPr>
+          <a:xfrm>
+            <a:off x="7778643" y="2061502"/>
+            <a:ext cx="3120222" cy="2597584"/>
+          </a:xfrm>
+          <a:prstGeom prst="roundRect">
+            <a:avLst>
+              <a:gd name="adj" fmla="val 4380"/>
+            </a:avLst>
+          </a:prstGeom>
+          <a:ln w="38100">
+            <a:gradFill flip="none" rotWithShape="1">
+              <a:gsLst>
+                <a:gs pos="0">
+                  <a:schemeClr val="bg2"/>
+                </a:gs>
+                <a:gs pos="100000">
+                  <a:schemeClr val="bg2">
+                    <a:lumMod val="75000"/>
+                  </a:schemeClr>
+                </a:gs>
+              </a:gsLst>
+              <a:lin ang="5400000" scaled="0"/>
+              <a:tileRect/>
+            </a:gradFill>
+          </a:ln>
+          <a:effectLst>
+            <a:innerShdw blurRad="57150" dist="38100" dir="14460000">
+              <a:srgbClr val="000000">
+                <a:alpha val="70000"/>
+              </a:srgbClr>
+            </a:innerShdw>
+          </a:effectLst>
+        </p:spPr>
+        <p:style>
+          <a:lnRef idx="2">
+            <a:schemeClr val="accent1"/>
+          </a:lnRef>
+          <a:fillRef idx="1">
+            <a:schemeClr val="lt1"/>
+          </a:fillRef>
+          <a:effectRef idx="0">
+            <a:schemeClr val="accent1"/>
+          </a:effectRef>
+          <a:fontRef idx="minor">
+            <a:schemeClr val="dk1"/>
+          </a:fontRef>
+        </p:style>
+      </p:pic>
+    </p:spTree>
+    <p:extLst>
+      <p:ext uri="{BB962C8B-B14F-4D97-AF65-F5344CB8AC3E}">
+        <p14:creationId xmlns:p14="http://schemas.microsoft.com/office/powerpoint/2010/main" val="2140034028"/>
+      </p:ext>
+    </p:extLst>
+  </p:cSld>
+  <p:clrMapOvr>
+    <a:masterClrMapping/>
+  </p:clrMapOvr>
+</p:sld>
+</file>
+
+<file path=ppt/slides/slide11.xml><?xml version="1.0" encoding="utf-8"?>
 <p:sld xmlns:a="http://schemas.openxmlformats.org/drawingml/2006/main" xmlns:r="http://schemas.openxmlformats.org/officeDocument/2006/relationships" xmlns:p="http://schemas.openxmlformats.org/presentationml/2006/main">
   <p:cSld>
     <p:bg>
@@ -12904,7 +13379,7 @@
 </p:sld>
 </file>
 
-<file path=ppt/slides/slide11.xml><?xml version="1.0" encoding="utf-8"?>
+<file path=ppt/slides/slide12.xml><?xml version="1.0" encoding="utf-8"?>
 <p:sld xmlns:a="http://schemas.openxmlformats.org/drawingml/2006/main" xmlns:r="http://schemas.openxmlformats.org/officeDocument/2006/relationships" xmlns:p="http://schemas.openxmlformats.org/presentationml/2006/main">
   <p:cSld>
     <p:bg>
@@ -13349,227 +13824,6 @@
     <p:extLst>
       <p:ext uri="{BB962C8B-B14F-4D97-AF65-F5344CB8AC3E}">
         <p14:creationId xmlns:p14="http://schemas.microsoft.com/office/powerpoint/2010/main" val="40515889"/>
-      </p:ext>
-    </p:extLst>
-  </p:cSld>
-  <p:clrMapOvr>
-    <a:masterClrMapping/>
-  </p:clrMapOvr>
-</p:sld>
-</file>
-
-<file path=ppt/slides/slide12.xml><?xml version="1.0" encoding="utf-8"?>
-<p:sld xmlns:a="http://schemas.openxmlformats.org/drawingml/2006/main" xmlns:r="http://schemas.openxmlformats.org/officeDocument/2006/relationships" xmlns:p="http://schemas.openxmlformats.org/presentationml/2006/main">
-  <p:cSld>
-    <p:bg>
-      <p:bgPr>
-        <a:blipFill rotWithShape="1">
-          <a:blip r:embed="rId2">
-            <a:duotone>
-              <a:schemeClr val="bg2">
-                <a:shade val="76000"/>
-                <a:satMod val="180000"/>
-              </a:schemeClr>
-              <a:schemeClr val="bg2">
-                <a:tint val="80000"/>
-                <a:satMod val="120000"/>
-                <a:lumMod val="180000"/>
-              </a:schemeClr>
-            </a:duotone>
-          </a:blip>
-          <a:stretch/>
-        </a:blipFill>
-        <a:effectLst/>
-      </p:bgPr>
-    </p:bg>
-    <p:spTree>
-      <p:nvGrpSpPr>
-        <p:cNvPr id="1" name=""/>
-        <p:cNvGrpSpPr/>
-        <p:nvPr/>
-      </p:nvGrpSpPr>
-      <p:grpSpPr>
-        <a:xfrm>
-          <a:off x="0" y="0"/>
-          <a:ext cx="0" cy="0"/>
-          <a:chOff x="0" y="0"/>
-          <a:chExt cx="0" cy="0"/>
-        </a:xfrm>
-      </p:grpSpPr>
-      <p:sp>
-        <p:nvSpPr>
-          <p:cNvPr id="3" name="Otsikko 2">
-            <a:extLst>
-              <a:ext uri="{FF2B5EF4-FFF2-40B4-BE49-F238E27FC236}">
-                <a16:creationId xmlns:a16="http://schemas.microsoft.com/office/drawing/2014/main" id="{53E54C8A-907E-4D7A-A2E0-6B4EBEBB3177}"/>
-              </a:ext>
-            </a:extLst>
-          </p:cNvPr>
-          <p:cNvSpPr>
-            <a:spLocks noGrp="1"/>
-          </p:cNvSpPr>
-          <p:nvPr>
-            <p:ph type="title"/>
-          </p:nvPr>
-        </p:nvSpPr>
-        <p:spPr>
-          <a:xfrm>
-            <a:off x="3618200" y="852055"/>
-            <a:ext cx="7257455" cy="1752599"/>
-          </a:xfrm>
-        </p:spPr>
-        <p:txBody>
-          <a:bodyPr>
-            <a:normAutofit/>
-          </a:bodyPr>
-          <a:lstStyle/>
-          <a:p>
-            <a:r>
-              <a:rPr lang="fi-FI" sz="3600"/>
-              <a:t>If something goes wrong</a:t>
-            </a:r>
-            <a:endParaRPr lang="en-US" sz="3600"/>
-          </a:p>
-        </p:txBody>
-      </p:sp>
-      <p:sp>
-        <p:nvSpPr>
-          <p:cNvPr id="6" name="Sisällön paikkamerkki 5">
-            <a:extLst>
-              <a:ext uri="{FF2B5EF4-FFF2-40B4-BE49-F238E27FC236}">
-                <a16:creationId xmlns:a16="http://schemas.microsoft.com/office/drawing/2014/main" id="{C47B6C3B-5F2E-47A4-ADC1-AA8C50A11420}"/>
-              </a:ext>
-            </a:extLst>
-          </p:cNvPr>
-          <p:cNvSpPr>
-            <a:spLocks noGrp="1"/>
-          </p:cNvSpPr>
-          <p:nvPr>
-            <p:ph idx="1"/>
-          </p:nvPr>
-        </p:nvSpPr>
-        <p:spPr>
-          <a:xfrm>
-            <a:off x="3613237" y="2839605"/>
-            <a:ext cx="7200236" cy="2712842"/>
-          </a:xfrm>
-        </p:spPr>
-        <p:txBody>
-          <a:bodyPr anchor="t">
-            <a:normAutofit/>
-          </a:bodyPr>
-          <a:lstStyle/>
-          <a:p>
-            <a:pPr>
-              <a:lnSpc>
-                <a:spcPct val="90000"/>
-              </a:lnSpc>
-            </a:pPr>
-            <a:r>
-              <a:rPr lang="fi-FI" dirty="0" err="1"/>
-              <a:t>Start</a:t>
-            </a:r>
-            <a:r>
-              <a:rPr lang="fi-FI" dirty="0"/>
-              <a:t> </a:t>
-            </a:r>
-            <a:r>
-              <a:rPr lang="fi-FI" dirty="0" err="1"/>
-              <a:t>Odoo</a:t>
-            </a:r>
-            <a:r>
-              <a:rPr lang="fi-FI" dirty="0"/>
-              <a:t> in </a:t>
-            </a:r>
-            <a:r>
-              <a:rPr lang="fi-FI" dirty="0" err="1"/>
-              <a:t>Debug</a:t>
-            </a:r>
-            <a:r>
-              <a:rPr lang="fi-FI" dirty="0"/>
-              <a:t> </a:t>
-            </a:r>
-            <a:r>
-              <a:rPr lang="fi-FI" dirty="0" err="1"/>
-              <a:t>mode</a:t>
-            </a:r>
-            <a:r>
-              <a:rPr lang="fi-FI" dirty="0"/>
-              <a:t>, </a:t>
-            </a:r>
-            <a:r>
-              <a:rPr lang="fi-FI" dirty="0" err="1"/>
-              <a:t>execute</a:t>
-            </a:r>
-            <a:br>
-              <a:rPr lang="fi-FI" sz="1800" dirty="0"/>
-            </a:br>
-            <a:br>
-              <a:rPr lang="fi-FI" sz="1800" dirty="0"/>
-            </a:br>
-            <a:r>
-              <a:rPr lang="fi-FI" sz="1800" dirty="0"/>
-              <a:t>"C:\Program Files (x86)\Odoo 12.0\python\python.exe" ./odoo-bin -c odoo.conf --log-level=debug</a:t>
-            </a:r>
-            <a:br>
-              <a:rPr lang="fi-FI" sz="1800" dirty="0"/>
-            </a:br>
-            <a:br>
-              <a:rPr lang="fi-FI" sz="1800" dirty="0"/>
-            </a:br>
-            <a:r>
-              <a:rPr lang="fi-FI" sz="1800" dirty="0"/>
-              <a:t>in C:\Program Files (x86)\Odoo 12.0\server    -folder</a:t>
-            </a:r>
-            <a:br>
-              <a:rPr lang="fi-FI" sz="1800" dirty="0"/>
-            </a:br>
-            <a:endParaRPr lang="fi-FI" sz="1800" dirty="0"/>
-          </a:p>
-          <a:p>
-            <a:pPr>
-              <a:lnSpc>
-                <a:spcPct val="90000"/>
-              </a:lnSpc>
-            </a:pPr>
-            <a:r>
-              <a:rPr lang="fi-FI" sz="1800" dirty="0"/>
-              <a:t>Check odoo.log from </a:t>
-            </a:r>
-          </a:p>
-          <a:p>
-            <a:pPr lvl="1">
-              <a:lnSpc>
-                <a:spcPct val="90000"/>
-              </a:lnSpc>
-            </a:pPr>
-            <a:r>
-              <a:rPr lang="fi-FI" sz="1800" dirty="0"/>
-              <a:t>"C:\Program Files (x86)\Odoo 12.0\server\odoo.log"</a:t>
-            </a:r>
-          </a:p>
-          <a:p>
-            <a:pPr lvl="1">
-              <a:lnSpc>
-                <a:spcPct val="90000"/>
-              </a:lnSpc>
-            </a:pPr>
-            <a:endParaRPr lang="fi-FI" sz="1800" dirty="0"/>
-          </a:p>
-          <a:p>
-            <a:pPr>
-              <a:lnSpc>
-                <a:spcPct val="90000"/>
-              </a:lnSpc>
-            </a:pPr>
-            <a:endParaRPr lang="en-US" sz="1800" dirty="0"/>
-          </a:p>
-        </p:txBody>
-      </p:sp>
-    </p:spTree>
-    <p:extLst>
-      <p:ext uri="{BB962C8B-B14F-4D97-AF65-F5344CB8AC3E}">
-        <p14:creationId xmlns:p14="http://schemas.microsoft.com/office/powerpoint/2010/main" val="3547133680"/>
       </p:ext>
     </p:extLst>
   </p:cSld>
@@ -13967,6 +14221,86 @@
           </a:p>
         </p:txBody>
       </p:sp>
+      <p:sp>
+        <p:nvSpPr>
+          <p:cNvPr id="3" name="TextBox 2">
+            <a:extLst>
+              <a:ext uri="{FF2B5EF4-FFF2-40B4-BE49-F238E27FC236}">
+                <a16:creationId xmlns:a16="http://schemas.microsoft.com/office/drawing/2014/main" id="{B5A123B1-E2D7-4D53-8206-530804B08E85}"/>
+              </a:ext>
+            </a:extLst>
+          </p:cNvPr>
+          <p:cNvSpPr txBox="1"/>
+          <p:nvPr/>
+        </p:nvSpPr>
+        <p:spPr>
+          <a:xfrm rot="890275">
+            <a:off x="7794381" y="2184889"/>
+            <a:ext cx="3384260" cy="923330"/>
+          </a:xfrm>
+          <a:prstGeom prst="rect">
+            <a:avLst/>
+          </a:prstGeom>
+          <a:solidFill>
+            <a:srgbClr val="FFFF00"/>
+          </a:solidFill>
+          <a:ln>
+            <a:solidFill>
+              <a:schemeClr val="tx1"/>
+            </a:solidFill>
+          </a:ln>
+        </p:spPr>
+        <p:txBody>
+          <a:bodyPr wrap="square" rtlCol="0">
+            <a:spAutoFit/>
+          </a:bodyPr>
+          <a:lstStyle/>
+          <a:p>
+            <a:pPr algn="ctr"/>
+            <a:r>
+              <a:rPr lang="fi-FI" dirty="0"/>
+              <a:t>By </a:t>
+            </a:r>
+            <a:r>
+              <a:rPr lang="fi-FI" dirty="0" err="1"/>
+              <a:t>default</a:t>
+            </a:r>
+            <a:r>
+              <a:rPr lang="fi-FI" dirty="0"/>
+              <a:t> win32com is </a:t>
+            </a:r>
+            <a:r>
+              <a:rPr lang="fi-FI" dirty="0" err="1"/>
+              <a:t>installed</a:t>
+            </a:r>
+            <a:endParaRPr lang="fi-FI" dirty="0"/>
+          </a:p>
+          <a:p>
+            <a:pPr algn="ctr"/>
+            <a:r>
+              <a:rPr lang="fi-FI" dirty="0"/>
+              <a:t>(</a:t>
+            </a:r>
+            <a:r>
+              <a:rPr lang="fi-FI" dirty="0" err="1"/>
+              <a:t>Checked</a:t>
+            </a:r>
+            <a:r>
+              <a:rPr lang="fi-FI" dirty="0"/>
+              <a:t> </a:t>
+            </a:r>
+            <a:r>
+              <a:rPr lang="fi-FI" dirty="0" err="1"/>
+              <a:t>Odoo</a:t>
+            </a:r>
+            <a:r>
+              <a:rPr lang="fi-FI" dirty="0"/>
+              <a:t> 12, 13 &amp; 14)</a:t>
+            </a:r>
+            <a:endParaRPr lang="en-US" dirty="0"/>
+          </a:p>
+        </p:txBody>
+      </p:sp>
     </p:spTree>
     <p:extLst>
       <p:ext uri="{BB962C8B-B14F-4D97-AF65-F5344CB8AC3E}">
@@ -14079,14 +14413,32 @@
           <a:p>
             <a:r>
               <a:rPr lang="en-US" dirty="0"/>
-              <a:t>Execute:</a:t>
+              <a:t>Execute (Odoo 13 example):</a:t>
             </a:r>
           </a:p>
           <a:p>
             <a:pPr lvl="1"/>
             <a:r>
               <a:rPr lang="en-US" sz="2000" b="1" dirty="0"/>
-              <a:t>"C:\Program Files (x86)\Odoo 13.0\python\python" "C:\Program Files (x86)\Odoo 12.0\python\Scripts\pip.exe" install python-pptx</a:t>
+              <a:t>"C:\Program Files (x86)\Odoo 13.0\python\python" "C:\Program Files (x86)\Odoo 13.0\python\Scripts\pip.exe" install python-pptx</a:t>
+            </a:r>
+          </a:p>
+          <a:p>
+            <a:pPr lvl="1"/>
+            <a:endParaRPr lang="en-US" sz="2000" b="1" dirty="0"/>
+          </a:p>
+          <a:p>
+            <a:pPr lvl="1"/>
+            <a:r>
+              <a:rPr lang="en-US" sz="2000" b="1" dirty="0"/>
+              <a:t>Or just “pip install python-pptx”</a:t>
+            </a:r>
+            <a:br>
+              <a:rPr lang="en-US" sz="2000" b="1" dirty="0"/>
+            </a:br>
+            <a:r>
+              <a:rPr lang="en-US" sz="2000" b="1" dirty="0"/>
+              <a:t>if your python is in path</a:t>
             </a:r>
           </a:p>
         </p:txBody>
@@ -14113,7 +14465,7 @@
         </p:blipFill>
         <p:spPr>
           <a:xfrm>
-            <a:off x="6591996" y="4251489"/>
+            <a:off x="7207458" y="4295451"/>
             <a:ext cx="4073374" cy="2237290"/>
           </a:xfrm>
           <a:prstGeom prst="rect">
@@ -14295,12 +14647,16 @@
               <a:t>Copy </a:t>
             </a:r>
             <a:r>
-              <a:rPr lang="en-US" sz="2000" dirty="0" err="1"/>
+              <a:rPr lang="en-US" sz="2000" b="1" dirty="0" err="1"/>
               <a:t>rocker_app</a:t>
             </a:r>
             <a:r>
+              <a:rPr lang="en-US" sz="2000" b="1" dirty="0"/>
+              <a:t> </a:t>
+            </a:r>
+            <a:r>
               <a:rPr lang="en-US" sz="2000" dirty="0"/>
-              <a:t> folder to C:\Program Files (x86)\Odoo 12.0\server\</a:t>
+              <a:t>folder to C:\Program Files (x86)\Odoo 12.0\server\</a:t>
             </a:r>
             <a:r>
               <a:rPr lang="en-US" sz="2000" dirty="0" err="1"/>
@@ -15080,8 +15436,13 @@
             </a:pPr>
             <a:r>
               <a:rPr lang="fi-FI" sz="1800" dirty="0"/>
-              <a:t>Pre-reqs: Excel 32-bit installed on server</a:t>
-            </a:r>
+              <a:t>Pre-reqs: Excel 32-bit installed on </a:t>
+            </a:r>
+            <a:r>
+              <a:rPr lang="fi-FI" sz="1800" dirty="0" err="1"/>
+              <a:t>server</a:t>
+            </a:r>
+            <a:endParaRPr lang="fi-FI" sz="1800" dirty="0"/>
           </a:p>
           <a:p>
             <a:pPr>
@@ -15091,17 +15452,60 @@
             </a:pPr>
             <a:r>
               <a:rPr lang="fi-FI" sz="1800" dirty="0"/>
+              <a:t>I </a:t>
+            </a:r>
+            <a:r>
+              <a:rPr lang="fi-FI" sz="1800" dirty="0" err="1"/>
+              <a:t>not</a:t>
+            </a:r>
+            <a:r>
+              <a:rPr lang="fi-FI" sz="1800" dirty="0"/>
+              <a:t> </a:t>
+            </a:r>
+            <a:r>
+              <a:rPr lang="fi-FI" sz="1800" dirty="0" err="1"/>
+              <a:t>working</a:t>
+            </a:r>
+            <a:r>
+              <a:rPr lang="fi-FI" sz="1800" dirty="0"/>
+              <a:t> </a:t>
+            </a:r>
+            <a:r>
+              <a:rPr lang="fi-FI" sz="1800" dirty="0" err="1"/>
+              <a:t>you</a:t>
+            </a:r>
+            <a:r>
+              <a:rPr lang="fi-FI" sz="1800" dirty="0"/>
+              <a:t> </a:t>
+            </a:r>
+            <a:r>
+              <a:rPr lang="fi-FI" sz="1800" dirty="0" err="1"/>
+              <a:t>should</a:t>
+            </a:r>
+            <a:r>
+              <a:rPr lang="fi-FI" sz="1800" dirty="0"/>
+              <a:t>:</a:t>
+            </a:r>
+          </a:p>
+          <a:p>
+            <a:pPr lvl="1">
+              <a:lnSpc>
+                <a:spcPct val="90000"/>
+              </a:lnSpc>
+            </a:pPr>
+            <a:r>
+              <a:rPr lang="fi-FI" dirty="0"/>
               <a:t>Create folder </a:t>
             </a:r>
             <a:r>
-              <a:rPr lang="en-US" sz="1800" dirty="0"/>
+              <a:rPr lang="en-US" dirty="0"/>
               <a:t>C:\Windows\SysWOW64\config\systemprofile\Desktop </a:t>
             </a:r>
             <a:br>
-              <a:rPr lang="en-US" sz="1800" dirty="0"/>
+              <a:rPr lang="en-US" dirty="0"/>
             </a:br>
             <a:r>
-              <a:rPr lang="en-US" sz="1800" dirty="0"/>
+              <a:rPr lang="en-US" dirty="0"/>
               <a:t>( or C:\Windows\System32\config\systemprofile\Desktop  if 32-bit windows) </a:t>
             </a:r>
           </a:p>
@@ -15171,8 +15575,8 @@
         </p:blipFill>
         <p:spPr>
           <a:xfrm>
-            <a:off x="8623760" y="3559227"/>
-            <a:ext cx="2645984" cy="1892101"/>
+            <a:off x="8985738" y="3268354"/>
+            <a:ext cx="2499418" cy="1787294"/>
           </a:xfrm>
           <a:prstGeom prst="roundRect">
             <a:avLst>
@@ -15273,7 +15677,7 @@
         </p:nvSpPr>
         <p:spPr>
           <a:xfrm>
-            <a:off x="3930976" y="5408094"/>
+            <a:off x="1631788" y="5464614"/>
             <a:ext cx="4188439" cy="1223412"/>
           </a:xfrm>
           <a:prstGeom prst="rect">
@@ -15331,6 +15735,91 @@
           </a:p>
         </p:txBody>
       </p:sp>
+      <p:sp>
+        <p:nvSpPr>
+          <p:cNvPr id="8" name="Tekstiruutu 5">
+            <a:extLst>
+              <a:ext uri="{FF2B5EF4-FFF2-40B4-BE49-F238E27FC236}">
+                <a16:creationId xmlns:a16="http://schemas.microsoft.com/office/drawing/2014/main" id="{6AC0BF61-BB82-4B8D-B7E4-4BB7F7DABCED}"/>
+              </a:ext>
+            </a:extLst>
+          </p:cNvPr>
+          <p:cNvSpPr txBox="1"/>
+          <p:nvPr/>
+        </p:nvSpPr>
+        <p:spPr>
+          <a:xfrm>
+            <a:off x="6119050" y="5464614"/>
+            <a:ext cx="4188439" cy="954107"/>
+          </a:xfrm>
+          <a:prstGeom prst="rect">
+            <a:avLst/>
+          </a:prstGeom>
+        </p:spPr>
+        <p:style>
+          <a:lnRef idx="1">
+            <a:schemeClr val="accent4"/>
+          </a:lnRef>
+          <a:fillRef idx="2">
+            <a:schemeClr val="accent4"/>
+          </a:fillRef>
+          <a:effectRef idx="1">
+            <a:schemeClr val="accent4"/>
+          </a:effectRef>
+          <a:fontRef idx="minor">
+            <a:schemeClr val="dk1"/>
+          </a:fontRef>
+        </p:style>
+        <p:txBody>
+          <a:bodyPr wrap="square" rtlCol="0">
+            <a:spAutoFit/>
+          </a:bodyPr>
+          <a:lstStyle/>
+          <a:p>
+            <a:pPr algn="ctr"/>
+            <a:r>
+              <a:rPr lang="en-US" sz="1400" b="1" dirty="0">
+                <a:solidFill>
+                  <a:srgbClr val="FF0000"/>
+                </a:solidFill>
+              </a:rPr>
+              <a:t>At the moment (15.2.2021) we have a problem starting Excel if </a:t>
+            </a:r>
+            <a:r>
+              <a:rPr lang="en-US" sz="1400" b="1" dirty="0" err="1">
+                <a:solidFill>
+                  <a:srgbClr val="FF0000"/>
+                </a:solidFill>
+              </a:rPr>
+              <a:t>Odoon</a:t>
+            </a:r>
+            <a:r>
+              <a:rPr lang="en-US" sz="1400" b="1" dirty="0">
+                <a:solidFill>
+                  <a:srgbClr val="FF0000"/>
+                </a:solidFill>
+              </a:rPr>
+              <a:t> runs as a service</a:t>
+            </a:r>
+            <a:br>
+              <a:rPr lang="en-US" sz="1400" b="1" dirty="0">
+                <a:solidFill>
+                  <a:srgbClr val="FF0000"/>
+                </a:solidFill>
+              </a:rPr>
+            </a:br>
+            <a:r>
+              <a:rPr lang="en-US" sz="1400" b="1" dirty="0">
+                <a:solidFill>
+                  <a:srgbClr val="FF0000"/>
+                </a:solidFill>
+              </a:rPr>
+              <a:t>Start Odoo from command prompt (see next slide)</a:t>
+            </a:r>
+            <a:endParaRPr lang="en-US" sz="1050" dirty="0"/>
+          </a:p>
+        </p:txBody>
+      </p:sp>
     </p:spTree>
     <p:extLst>
       <p:ext uri="{BB962C8B-B14F-4D97-AF65-F5344CB8AC3E}">
@@ -15347,27 +15836,6 @@
 <file path=ppt/slides/slide9.xml><?xml version="1.0" encoding="utf-8"?>
 <p:sld xmlns:a="http://schemas.openxmlformats.org/drawingml/2006/main" xmlns:r="http://schemas.openxmlformats.org/officeDocument/2006/relationships" xmlns:p="http://schemas.openxmlformats.org/presentationml/2006/main">
   <p:cSld>
-    <p:bg>
-      <p:bgPr>
-        <a:blipFill rotWithShape="1">
-          <a:blip r:embed="rId2">
-            <a:duotone>
-              <a:schemeClr val="bg2">
-                <a:shade val="76000"/>
-                <a:satMod val="180000"/>
-              </a:schemeClr>
-              <a:schemeClr val="bg2">
-                <a:tint val="80000"/>
-                <a:satMod val="120000"/>
-                <a:lumMod val="180000"/>
-              </a:schemeClr>
-            </a:duotone>
-          </a:blip>
-          <a:stretch/>
-        </a:blipFill>
-        <a:effectLst/>
-      </p:bgPr>
-    </p:bg>
     <p:spTree>
       <p:nvGrpSpPr>
         <p:cNvPr id="1" name=""/>
@@ -15382,135 +15850,12 @@
           <a:chExt cx="0" cy="0"/>
         </a:xfrm>
       </p:grpSpPr>
-      <p:pic>
-        <p:nvPicPr>
-          <p:cNvPr id="15" name="Picture 14">
+      <p:sp>
+        <p:nvSpPr>
+          <p:cNvPr id="2" name="Title 1">
             <a:extLst>
               <a:ext uri="{FF2B5EF4-FFF2-40B4-BE49-F238E27FC236}">
-                <a16:creationId xmlns:a16="http://schemas.microsoft.com/office/drawing/2014/main" id="{49487EDF-D0D9-48C3-9029-D46ADC14EBCE}"/>
-              </a:ext>
-            </a:extLst>
-          </p:cNvPr>
-          <p:cNvPicPr>
-            <a:picLocks noChangeAspect="1"/>
-          </p:cNvPicPr>
-          <p:nvPr/>
-        </p:nvPicPr>
-        <p:blipFill>
-          <a:blip r:embed="rId3"/>
-          <a:stretch>
-            <a:fillRect/>
-          </a:stretch>
-        </p:blipFill>
-        <p:spPr>
-          <a:xfrm>
-            <a:off x="5594579" y="4229099"/>
-            <a:ext cx="2590935" cy="1846041"/>
-          </a:xfrm>
-          <a:prstGeom prst="roundRect">
-            <a:avLst>
-              <a:gd name="adj" fmla="val 4380"/>
-            </a:avLst>
-          </a:prstGeom>
-          <a:ln w="38100">
-            <a:gradFill flip="none" rotWithShape="1">
-              <a:gsLst>
-                <a:gs pos="0">
-                  <a:schemeClr val="bg2"/>
-                </a:gs>
-                <a:gs pos="100000">
-                  <a:schemeClr val="bg2">
-                    <a:lumMod val="75000"/>
-                  </a:schemeClr>
-                </a:gs>
-              </a:gsLst>
-              <a:lin ang="5400000" scaled="0"/>
-              <a:tileRect/>
-            </a:gradFill>
-          </a:ln>
-          <a:effectLst>
-            <a:innerShdw blurRad="57150" dist="38100" dir="14460000">
-              <a:srgbClr val="000000">
-                <a:alpha val="70000"/>
-              </a:srgbClr>
-            </a:innerShdw>
-          </a:effectLst>
-        </p:spPr>
-      </p:pic>
-      <p:pic>
-        <p:nvPicPr>
-          <p:cNvPr id="13" name="Sisällön paikkamerkki 3">
-            <a:extLst>
-              <a:ext uri="{FF2B5EF4-FFF2-40B4-BE49-F238E27FC236}">
-                <a16:creationId xmlns:a16="http://schemas.microsoft.com/office/drawing/2014/main" id="{62B67FC7-1A51-441D-B033-8F84C2C1EF61}"/>
-              </a:ext>
-            </a:extLst>
-          </p:cNvPr>
-          <p:cNvPicPr>
-            <a:picLocks noChangeAspect="1"/>
-          </p:cNvPicPr>
-          <p:nvPr/>
-        </p:nvPicPr>
-        <p:blipFill rotWithShape="1">
-          <a:blip r:embed="rId4"/>
-          <a:srcRect r="18670"/>
-          <a:stretch/>
-        </p:blipFill>
-        <p:spPr>
-          <a:xfrm>
-            <a:off x="6700386" y="1380529"/>
-            <a:ext cx="2603722" cy="1784798"/>
-          </a:xfrm>
-          <a:prstGeom prst="roundRect">
-            <a:avLst>
-              <a:gd name="adj" fmla="val 4380"/>
-            </a:avLst>
-          </a:prstGeom>
-          <a:ln w="38100">
-            <a:gradFill flip="none" rotWithShape="1">
-              <a:gsLst>
-                <a:gs pos="0">
-                  <a:schemeClr val="bg2"/>
-                </a:gs>
-                <a:gs pos="100000">
-                  <a:schemeClr val="bg2">
-                    <a:lumMod val="75000"/>
-                  </a:schemeClr>
-                </a:gs>
-              </a:gsLst>
-              <a:lin ang="5400000" scaled="0"/>
-              <a:tileRect/>
-            </a:gradFill>
-          </a:ln>
-          <a:effectLst>
-            <a:innerShdw blurRad="57150" dist="38100" dir="14460000">
-              <a:srgbClr val="000000">
-                <a:alpha val="70000"/>
-              </a:srgbClr>
-            </a:innerShdw>
-          </a:effectLst>
-        </p:spPr>
-        <p:style>
-          <a:lnRef idx="2">
-            <a:schemeClr val="accent1"/>
-          </a:lnRef>
-          <a:fillRef idx="1">
-            <a:schemeClr val="lt1"/>
-          </a:fillRef>
-          <a:effectRef idx="0">
-            <a:schemeClr val="accent1"/>
-          </a:effectRef>
-          <a:fontRef idx="minor">
-            <a:schemeClr val="dk1"/>
-          </a:fontRef>
-        </p:style>
-      </p:pic>
-      <p:sp>
-        <p:nvSpPr>
-          <p:cNvPr id="2" name="Otsikko 1">
-            <a:extLst>
-              <a:ext uri="{FF2B5EF4-FFF2-40B4-BE49-F238E27FC236}">
-                <a16:creationId xmlns:a16="http://schemas.microsoft.com/office/drawing/2014/main" id="{00619EB1-3DA1-4009-A947-B71E1BBF0695}"/>
+                <a16:creationId xmlns:a16="http://schemas.microsoft.com/office/drawing/2014/main" id="{08D9218E-E475-4205-9CB6-B2410E92799D}"/>
               </a:ext>
             </a:extLst>
           </p:cNvPr>
@@ -15521,37 +15866,69 @@
             <p:ph type="title"/>
           </p:nvPr>
         </p:nvSpPr>
-        <p:spPr>
-          <a:xfrm>
-            <a:off x="1484312" y="685800"/>
-            <a:ext cx="4074345" cy="1752599"/>
-          </a:xfrm>
-        </p:spPr>
+        <p:spPr/>
         <p:txBody>
-          <a:bodyPr>
-            <a:normAutofit fontScale="90000"/>
-          </a:bodyPr>
+          <a:bodyPr/>
           <a:lstStyle/>
           <a:p>
-            <a:pPr>
-              <a:lnSpc>
-                <a:spcPct val="90000"/>
-              </a:lnSpc>
-            </a:pPr>
-            <a:r>
-              <a:rPr lang="fi-FI" sz="3700"/>
-              <a:t>Create database / datasource for SQLServer / ODBC</a:t>
-            </a:r>
-            <a:endParaRPr lang="en-US" sz="3700"/>
+            <a:r>
+              <a:rPr lang="fi-FI" dirty="0" err="1"/>
+              <a:t>Start</a:t>
+            </a:r>
+            <a:r>
+              <a:rPr lang="fi-FI" dirty="0"/>
+              <a:t> </a:t>
+            </a:r>
+            <a:r>
+              <a:rPr lang="fi-FI" dirty="0" err="1"/>
+              <a:t>Odoo</a:t>
+            </a:r>
+            <a:r>
+              <a:rPr lang="fi-FI" dirty="0"/>
+              <a:t> </a:t>
+            </a:r>
+            <a:r>
+              <a:rPr lang="fi-FI" dirty="0" err="1"/>
+              <a:t>from</a:t>
+            </a:r>
+            <a:r>
+              <a:rPr lang="fi-FI" dirty="0"/>
+              <a:t> </a:t>
+            </a:r>
+            <a:r>
+              <a:rPr lang="fi-FI" dirty="0" err="1"/>
+              <a:t>command</a:t>
+            </a:r>
+            <a:r>
+              <a:rPr lang="fi-FI" dirty="0"/>
+              <a:t> </a:t>
+            </a:r>
+            <a:r>
+              <a:rPr lang="fi-FI" dirty="0" err="1"/>
+              <a:t>prompt</a:t>
+            </a:r>
+            <a:r>
+              <a:rPr lang="fi-FI" dirty="0"/>
+              <a:t> (</a:t>
+            </a:r>
+            <a:r>
+              <a:rPr lang="fi-FI" dirty="0" err="1"/>
+              <a:t>cmd</a:t>
+            </a:r>
+            <a:r>
+              <a:rPr lang="fi-FI" dirty="0"/>
+              <a:t>)</a:t>
+            </a:r>
+            <a:endParaRPr lang="en-US" dirty="0"/>
           </a:p>
         </p:txBody>
       </p:sp>
       <p:sp>
         <p:nvSpPr>
-          <p:cNvPr id="8" name="Content Placeholder 7">
+          <p:cNvPr id="3" name="Content Placeholder 2">
             <a:extLst>
               <a:ext uri="{FF2B5EF4-FFF2-40B4-BE49-F238E27FC236}">
-                <a16:creationId xmlns:a16="http://schemas.microsoft.com/office/drawing/2014/main" id="{1E86017D-A4ED-4C23-BEFB-3386A1BD9842}"/>
+                <a16:creationId xmlns:a16="http://schemas.microsoft.com/office/drawing/2014/main" id="{DD983AE4-698F-4E83-94B5-26C770E5D7A0}"/>
               </a:ext>
             </a:extLst>
           </p:cNvPr>
@@ -15562,252 +15939,99 @@
             <p:ph idx="1"/>
           </p:nvPr>
         </p:nvSpPr>
-        <p:spPr>
-          <a:xfrm>
-            <a:off x="1484311" y="2666999"/>
-            <a:ext cx="4074345" cy="3124201"/>
-          </a:xfrm>
-        </p:spPr>
+        <p:spPr/>
         <p:txBody>
           <a:bodyPr>
-            <a:normAutofit/>
+            <a:normAutofit fontScale="92500" lnSpcReduction="10000"/>
           </a:bodyPr>
           <a:lstStyle/>
           <a:p>
-            <a:pPr>
-              <a:lnSpc>
-                <a:spcPct val="90000"/>
-              </a:lnSpc>
-            </a:pPr>
-            <a:r>
-              <a:rPr lang="en-US" sz="1700"/>
-              <a:t>C:\Program Files (x86)\Odoo 12.0\python\Scripts&gt;pip install </a:t>
-            </a:r>
-            <a:r>
-              <a:rPr lang="en-US" sz="1700" err="1"/>
-              <a:t>pyodbc</a:t>
-            </a:r>
-            <a:endParaRPr lang="fi-FI" sz="1700"/>
-          </a:p>
-          <a:p>
-            <a:pPr>
-              <a:lnSpc>
-                <a:spcPct val="90000"/>
-              </a:lnSpc>
-            </a:pPr>
-            <a:r>
-              <a:rPr lang="fi-FI" sz="1700"/>
-              <a:t>Select Databases from menu</a:t>
-            </a:r>
-          </a:p>
-          <a:p>
-            <a:pPr>
-              <a:lnSpc>
-                <a:spcPct val="90000"/>
-              </a:lnSpc>
-            </a:pPr>
-            <a:r>
-              <a:rPr lang="fi-FI" sz="1700" err="1"/>
-              <a:t>Create</a:t>
-            </a:r>
-            <a:r>
-              <a:rPr lang="fi-FI" sz="1700"/>
-              <a:t>…</a:t>
-            </a:r>
-          </a:p>
-          <a:p>
-            <a:pPr>
-              <a:lnSpc>
-                <a:spcPct val="90000"/>
-              </a:lnSpc>
-            </a:pPr>
-            <a:r>
-              <a:rPr lang="en-US" sz="1700"/>
-              <a:t>Select </a:t>
-            </a:r>
-            <a:r>
-              <a:rPr lang="en-US" sz="1700" err="1"/>
-              <a:t>SQLServer</a:t>
-            </a:r>
-            <a:r>
-              <a:rPr lang="en-US" sz="1700"/>
-              <a:t> driver, Change database name &amp; other data when necessary</a:t>
-            </a:r>
-          </a:p>
-          <a:p>
-            <a:pPr>
-              <a:lnSpc>
-                <a:spcPct val="90000"/>
-              </a:lnSpc>
-            </a:pPr>
-            <a:r>
-              <a:rPr lang="en-US" sz="1700"/>
-              <a:t>Save</a:t>
-            </a:r>
-          </a:p>
-          <a:p>
-            <a:pPr>
-              <a:lnSpc>
-                <a:spcPct val="90000"/>
-              </a:lnSpc>
-            </a:pPr>
-            <a:r>
-              <a:rPr lang="en-US" sz="1700"/>
-              <a:t>Test connection</a:t>
-            </a:r>
-          </a:p>
-          <a:p>
-            <a:pPr>
-              <a:lnSpc>
-                <a:spcPct val="90000"/>
-              </a:lnSpc>
-            </a:pPr>
-            <a:endParaRPr lang="en-US" sz="1700"/>
+            <a:r>
+              <a:rPr lang="en-US" dirty="0"/>
+              <a:t>"C:\Program Files (x86)\Odoo 13.0\python\python.exe" "C:\Program Files (x86)\Odoo 13.0\server\</a:t>
+            </a:r>
+            <a:r>
+              <a:rPr lang="en-US" dirty="0" err="1"/>
+              <a:t>odoo</a:t>
+            </a:r>
+            <a:r>
+              <a:rPr lang="en-US" dirty="0"/>
+              <a:t>-bin" -c "C:\Program Files (x86)\Odoo 13.0\server\</a:t>
+            </a:r>
+            <a:r>
+              <a:rPr lang="en-US" dirty="0" err="1"/>
+              <a:t>odoo.conf</a:t>
+            </a:r>
+            <a:r>
+              <a:rPr lang="en-US" dirty="0"/>
+              <a:t>" --log-level=debug</a:t>
+            </a:r>
+          </a:p>
+          <a:p>
+            <a:endParaRPr lang="en-US" dirty="0"/>
+          </a:p>
+          <a:p>
+            <a:r>
+              <a:rPr lang="en-US" dirty="0"/>
+              <a:t>"C:\Program Files (x86)\Odoo 12.0\python\python.exe" "C:\Program Files (x86)\Odoo 12.0\server\</a:t>
+            </a:r>
+            <a:r>
+              <a:rPr lang="en-US" dirty="0" err="1"/>
+              <a:t>odoo</a:t>
+            </a:r>
+            <a:r>
+              <a:rPr lang="en-US" dirty="0"/>
+              <a:t>-bin" -c "C:\Program Files (x86)\Odoo 12.0\server\</a:t>
+            </a:r>
+            <a:r>
+              <a:rPr lang="en-US" dirty="0" err="1"/>
+              <a:t>odoo.conf</a:t>
+            </a:r>
+            <a:r>
+              <a:rPr lang="en-US" dirty="0"/>
+              <a:t>" --log-level=debug</a:t>
+            </a:r>
+          </a:p>
+          <a:p>
+            <a:endParaRPr lang="en-US" dirty="0"/>
+          </a:p>
+          <a:p>
+            <a:r>
+              <a:rPr lang="en-US" dirty="0"/>
+              <a:t>"C:\Odoo14\python\python.exe" "C:\Odoo14\server\odoo-bin" -c "C:\Odoo14\server\odoo.conf" --log-level=debug</a:t>
+            </a:r>
+          </a:p>
+          <a:p>
+            <a:endParaRPr lang="en-US" dirty="0"/>
+          </a:p>
+          <a:p>
+            <a:r>
+              <a:rPr lang="en-US" dirty="0"/>
+              <a:t>When everything runs </a:t>
+            </a:r>
+            <a:r>
+              <a:rPr lang="en-US" dirty="0" err="1"/>
+              <a:t>smootly</a:t>
+            </a:r>
+            <a:r>
+              <a:rPr lang="en-US" dirty="0"/>
+              <a:t>, change </a:t>
+            </a:r>
+            <a:r>
+              <a:rPr lang="en-US" dirty="0" err="1"/>
+              <a:t>logger_level</a:t>
+            </a:r>
+            <a:r>
+              <a:rPr lang="en-US" dirty="0"/>
+              <a:t> to “info”</a:t>
+            </a:r>
           </a:p>
         </p:txBody>
       </p:sp>
-      <p:pic>
-        <p:nvPicPr>
-          <p:cNvPr id="6" name="Kuva 5">
-            <a:extLst>
-              <a:ext uri="{FF2B5EF4-FFF2-40B4-BE49-F238E27FC236}">
-                <a16:creationId xmlns:a16="http://schemas.microsoft.com/office/drawing/2014/main" id="{3C5D5E0C-B6AA-4048-A7A1-F0E7C4B784A1}"/>
-              </a:ext>
-            </a:extLst>
-          </p:cNvPr>
-          <p:cNvPicPr>
-            <a:picLocks noChangeAspect="1"/>
-          </p:cNvPicPr>
-          <p:nvPr/>
-        </p:nvPicPr>
-        <p:blipFill>
-          <a:blip r:embed="rId5"/>
-          <a:stretch>
-            <a:fillRect/>
-          </a:stretch>
-        </p:blipFill>
-        <p:spPr>
-          <a:xfrm>
-            <a:off x="9676904" y="4756754"/>
-            <a:ext cx="1766245" cy="1580789"/>
-          </a:xfrm>
-          <a:prstGeom prst="roundRect">
-            <a:avLst>
-              <a:gd name="adj" fmla="val 4380"/>
-            </a:avLst>
-          </a:prstGeom>
-          <a:ln w="38100">
-            <a:gradFill flip="none" rotWithShape="1">
-              <a:gsLst>
-                <a:gs pos="0">
-                  <a:schemeClr val="bg2"/>
-                </a:gs>
-                <a:gs pos="100000">
-                  <a:schemeClr val="bg2">
-                    <a:lumMod val="75000"/>
-                  </a:schemeClr>
-                </a:gs>
-              </a:gsLst>
-              <a:lin ang="5400000" scaled="0"/>
-              <a:tileRect/>
-            </a:gradFill>
-          </a:ln>
-          <a:effectLst>
-            <a:innerShdw blurRad="57150" dist="38100" dir="14460000">
-              <a:srgbClr val="000000">
-                <a:alpha val="70000"/>
-              </a:srgbClr>
-            </a:innerShdw>
-          </a:effectLst>
-        </p:spPr>
-        <p:style>
-          <a:lnRef idx="2">
-            <a:schemeClr val="accent1"/>
-          </a:lnRef>
-          <a:fillRef idx="1">
-            <a:schemeClr val="lt1"/>
-          </a:fillRef>
-          <a:effectRef idx="0">
-            <a:schemeClr val="accent1"/>
-          </a:effectRef>
-          <a:fontRef idx="minor">
-            <a:schemeClr val="dk1"/>
-          </a:fontRef>
-        </p:style>
-      </p:pic>
-      <p:pic>
-        <p:nvPicPr>
-          <p:cNvPr id="14" name="Picture 13">
-            <a:extLst>
-              <a:ext uri="{FF2B5EF4-FFF2-40B4-BE49-F238E27FC236}">
-                <a16:creationId xmlns:a16="http://schemas.microsoft.com/office/drawing/2014/main" id="{FB6CCE64-454C-415F-A7B2-1090BFFFECE4}"/>
-              </a:ext>
-            </a:extLst>
-          </p:cNvPr>
-          <p:cNvPicPr>
-            <a:picLocks noChangeAspect="1"/>
-          </p:cNvPicPr>
-          <p:nvPr/>
-        </p:nvPicPr>
-        <p:blipFill>
-          <a:blip r:embed="rId6"/>
-          <a:stretch>
-            <a:fillRect/>
-          </a:stretch>
-        </p:blipFill>
-        <p:spPr>
-          <a:xfrm>
-            <a:off x="7778643" y="2061502"/>
-            <a:ext cx="3120222" cy="2597584"/>
-          </a:xfrm>
-          <a:prstGeom prst="roundRect">
-            <a:avLst>
-              <a:gd name="adj" fmla="val 4380"/>
-            </a:avLst>
-          </a:prstGeom>
-          <a:ln w="38100">
-            <a:gradFill flip="none" rotWithShape="1">
-              <a:gsLst>
-                <a:gs pos="0">
-                  <a:schemeClr val="bg2"/>
-                </a:gs>
-                <a:gs pos="100000">
-                  <a:schemeClr val="bg2">
-                    <a:lumMod val="75000"/>
-                  </a:schemeClr>
-                </a:gs>
-              </a:gsLst>
-              <a:lin ang="5400000" scaled="0"/>
-              <a:tileRect/>
-            </a:gradFill>
-          </a:ln>
-          <a:effectLst>
-            <a:innerShdw blurRad="57150" dist="38100" dir="14460000">
-              <a:srgbClr val="000000">
-                <a:alpha val="70000"/>
-              </a:srgbClr>
-            </a:innerShdw>
-          </a:effectLst>
-        </p:spPr>
-        <p:style>
-          <a:lnRef idx="2">
-            <a:schemeClr val="accent1"/>
-          </a:lnRef>
-          <a:fillRef idx="1">
-            <a:schemeClr val="lt1"/>
-          </a:fillRef>
-          <a:effectRef idx="0">
-            <a:schemeClr val="accent1"/>
-          </a:effectRef>
-          <a:fontRef idx="minor">
-            <a:schemeClr val="dk1"/>
-          </a:fontRef>
-        </p:style>
-      </p:pic>
     </p:spTree>
     <p:extLst>
       <p:ext uri="{BB962C8B-B14F-4D97-AF65-F5344CB8AC3E}">
-        <p14:creationId xmlns:p14="http://schemas.microsoft.com/office/powerpoint/2010/main" val="2140034028"/>
+        <p14:creationId xmlns:p14="http://schemas.microsoft.com/office/powerpoint/2010/main" val="1115171332"/>
       </p:ext>
     </p:extLst>
   </p:cSld>
